--- a/Clis/The Four CLIs of The Apocalypse.pptx
+++ b/Clis/The Four CLIs of The Apocalypse.pptx
@@ -172,7 +172,7 @@
           <a:noFill/>
           <a:extLst>
             <a:ext uri="{909E8E84-426E-40dd-AFC4-6F175D3DCCD1}">
-              <a14:hiddenFill xmlns:a14="http://schemas.microsoft.com/office/drawing/2010/main" xmlns="">
+              <a14:hiddenFill xmlns="" xmlns:a14="http://schemas.microsoft.com/office/drawing/2010/main">
                 <a:solidFill>
                   <a:srgbClr val="FFFFFF"/>
                 </a:solidFill>
@@ -232,7 +232,7 @@
             </a:ln>
             <a:extLst>
               <a:ext uri="{91240B29-F687-4f45-9708-019B960494DF}">
-                <a14:hiddenLine xmlns:a14="http://schemas.microsoft.com/office/drawing/2010/main" xmlns="" w="9525">
+                <a14:hiddenLine xmlns="" xmlns:a14="http://schemas.microsoft.com/office/drawing/2010/main" w="9525">
                   <a:solidFill>
                     <a:srgbClr val="000000"/>
                   </a:solidFill>
@@ -322,7 +322,7 @@
             </a:ln>
             <a:extLst>
               <a:ext uri="{91240B29-F687-4f45-9708-019B960494DF}">
-                <a14:hiddenLine xmlns:a14="http://schemas.microsoft.com/office/drawing/2010/main" xmlns="" w="9525">
+                <a14:hiddenLine xmlns="" xmlns:a14="http://schemas.microsoft.com/office/drawing/2010/main" w="9525">
                   <a:solidFill>
                     <a:srgbClr val="000000"/>
                   </a:solidFill>
@@ -412,7 +412,7 @@
             </a:ln>
             <a:extLst>
               <a:ext uri="{91240B29-F687-4f45-9708-019B960494DF}">
-                <a14:hiddenLine xmlns:a14="http://schemas.microsoft.com/office/drawing/2010/main" xmlns="" w="9525">
+                <a14:hiddenLine xmlns="" xmlns:a14="http://schemas.microsoft.com/office/drawing/2010/main" w="9525">
                   <a:solidFill>
                     <a:srgbClr val="000000"/>
                   </a:solidFill>
@@ -446,7 +446,7 @@
             </a:ln>
             <a:extLst>
               <a:ext uri="{91240B29-F687-4f45-9708-019B960494DF}">
-                <a14:hiddenLine xmlns:a14="http://schemas.microsoft.com/office/drawing/2010/main" xmlns="" w="9525">
+                <a14:hiddenLine xmlns="" xmlns:a14="http://schemas.microsoft.com/office/drawing/2010/main" w="9525">
                   <a:solidFill>
                     <a:srgbClr val="000000"/>
                   </a:solidFill>
@@ -536,7 +536,7 @@
             </a:ln>
             <a:extLst>
               <a:ext uri="{91240B29-F687-4f45-9708-019B960494DF}">
-                <a14:hiddenLine xmlns:a14="http://schemas.microsoft.com/office/drawing/2010/main" xmlns="" w="9525">
+                <a14:hiddenLine xmlns="" xmlns:a14="http://schemas.microsoft.com/office/drawing/2010/main" w="9525">
                   <a:solidFill>
                     <a:srgbClr val="000000"/>
                   </a:solidFill>
@@ -598,7 +598,7 @@
             </a:ln>
             <a:extLst>
               <a:ext uri="{91240B29-F687-4f45-9708-019B960494DF}">
-                <a14:hiddenLine xmlns:a14="http://schemas.microsoft.com/office/drawing/2010/main" xmlns="" w="9525">
+                <a14:hiddenLine xmlns="" xmlns:a14="http://schemas.microsoft.com/office/drawing/2010/main" w="9525">
                   <a:solidFill>
                     <a:srgbClr val="000000"/>
                   </a:solidFill>
@@ -660,7 +660,7 @@
             </a:ln>
             <a:extLst>
               <a:ext uri="{91240B29-F687-4f45-9708-019B960494DF}">
-                <a14:hiddenLine xmlns:a14="http://schemas.microsoft.com/office/drawing/2010/main" xmlns="" w="9525">
+                <a14:hiddenLine xmlns="" xmlns:a14="http://schemas.microsoft.com/office/drawing/2010/main" w="9525">
                   <a:solidFill>
                     <a:srgbClr val="000000"/>
                   </a:solidFill>
@@ -750,7 +750,7 @@
             </a:ln>
             <a:extLst>
               <a:ext uri="{91240B29-F687-4f45-9708-019B960494DF}">
-                <a14:hiddenLine xmlns:a14="http://schemas.microsoft.com/office/drawing/2010/main" xmlns="" w="9525">
+                <a14:hiddenLine xmlns="" xmlns:a14="http://schemas.microsoft.com/office/drawing/2010/main" w="9525">
                   <a:solidFill>
                     <a:srgbClr val="000000"/>
                   </a:solidFill>
@@ -812,7 +812,7 @@
             </a:ln>
             <a:extLst>
               <a:ext uri="{91240B29-F687-4f45-9708-019B960494DF}">
-                <a14:hiddenLine xmlns:a14="http://schemas.microsoft.com/office/drawing/2010/main" xmlns="" w="9525">
+                <a14:hiddenLine xmlns="" xmlns:a14="http://schemas.microsoft.com/office/drawing/2010/main" w="9525">
                   <a:solidFill>
                     <a:srgbClr val="000000"/>
                   </a:solidFill>
@@ -874,7 +874,7 @@
             </a:ln>
             <a:extLst>
               <a:ext uri="{91240B29-F687-4f45-9708-019B960494DF}">
-                <a14:hiddenLine xmlns:a14="http://schemas.microsoft.com/office/drawing/2010/main" xmlns="" w="9525">
+                <a14:hiddenLine xmlns="" xmlns:a14="http://schemas.microsoft.com/office/drawing/2010/main" w="9525">
                   <a:solidFill>
                     <a:srgbClr val="000000"/>
                   </a:solidFill>
@@ -964,7 +964,7 @@
             </a:ln>
             <a:extLst>
               <a:ext uri="{91240B29-F687-4f45-9708-019B960494DF}">
-                <a14:hiddenLine xmlns:a14="http://schemas.microsoft.com/office/drawing/2010/main" xmlns="" w="9525">
+                <a14:hiddenLine xmlns="" xmlns:a14="http://schemas.microsoft.com/office/drawing/2010/main" w="9525">
                   <a:solidFill>
                     <a:srgbClr val="000000"/>
                   </a:solidFill>
@@ -1054,7 +1054,7 @@
             </a:ln>
             <a:extLst>
               <a:ext uri="{91240B29-F687-4f45-9708-019B960494DF}">
-                <a14:hiddenLine xmlns:a14="http://schemas.microsoft.com/office/drawing/2010/main" xmlns="" w="9525">
+                <a14:hiddenLine xmlns="" xmlns:a14="http://schemas.microsoft.com/office/drawing/2010/main" w="9525">
                   <a:solidFill>
                     <a:srgbClr val="000000"/>
                   </a:solidFill>
@@ -1116,7 +1116,7 @@
             </a:ln>
             <a:extLst>
               <a:ext uri="{91240B29-F687-4f45-9708-019B960494DF}">
-                <a14:hiddenLine xmlns:a14="http://schemas.microsoft.com/office/drawing/2010/main" xmlns="" w="9525">
+                <a14:hiddenLine xmlns="" xmlns:a14="http://schemas.microsoft.com/office/drawing/2010/main" w="9525">
                   <a:solidFill>
                     <a:srgbClr val="000000"/>
                   </a:solidFill>
@@ -1226,7 +1226,7 @@
             </a:ln>
             <a:extLst>
               <a:ext uri="{91240B29-F687-4f45-9708-019B960494DF}">
-                <a14:hiddenLine xmlns:a14="http://schemas.microsoft.com/office/drawing/2010/main" xmlns="" w="9525">
+                <a14:hiddenLine xmlns="" xmlns:a14="http://schemas.microsoft.com/office/drawing/2010/main" w="9525">
                   <a:solidFill>
                     <a:srgbClr val="000000"/>
                   </a:solidFill>
@@ -1288,7 +1288,7 @@
             </a:ln>
             <a:extLst>
               <a:ext uri="{91240B29-F687-4f45-9708-019B960494DF}">
-                <a14:hiddenLine xmlns:a14="http://schemas.microsoft.com/office/drawing/2010/main" xmlns="" w="9525">
+                <a14:hiddenLine xmlns="" xmlns:a14="http://schemas.microsoft.com/office/drawing/2010/main" w="9525">
                   <a:solidFill>
                     <a:srgbClr val="000000"/>
                   </a:solidFill>
@@ -1378,7 +1378,7 @@
             </a:ln>
             <a:extLst>
               <a:ext uri="{91240B29-F687-4f45-9708-019B960494DF}">
-                <a14:hiddenLine xmlns:a14="http://schemas.microsoft.com/office/drawing/2010/main" xmlns="" w="9525">
+                <a14:hiddenLine xmlns="" xmlns:a14="http://schemas.microsoft.com/office/drawing/2010/main" w="9525">
                   <a:solidFill>
                     <a:srgbClr val="000000"/>
                   </a:solidFill>
@@ -1468,7 +1468,7 @@
             </a:ln>
             <a:extLst>
               <a:ext uri="{91240B29-F687-4f45-9708-019B960494DF}">
-                <a14:hiddenLine xmlns:a14="http://schemas.microsoft.com/office/drawing/2010/main" xmlns="" w="9525">
+                <a14:hiddenLine xmlns="" xmlns:a14="http://schemas.microsoft.com/office/drawing/2010/main" w="9525">
                   <a:solidFill>
                     <a:srgbClr val="000000"/>
                   </a:solidFill>
@@ -1530,7 +1530,7 @@
             </a:ln>
             <a:extLst>
               <a:ext uri="{91240B29-F687-4f45-9708-019B960494DF}">
-                <a14:hiddenLine xmlns:a14="http://schemas.microsoft.com/office/drawing/2010/main" xmlns="" w="9525">
+                <a14:hiddenLine xmlns="" xmlns:a14="http://schemas.microsoft.com/office/drawing/2010/main" w="9525">
                   <a:solidFill>
                     <a:srgbClr val="000000"/>
                   </a:solidFill>
@@ -1620,7 +1620,7 @@
             </a:ln>
             <a:extLst>
               <a:ext uri="{91240B29-F687-4f45-9708-019B960494DF}">
-                <a14:hiddenLine xmlns:a14="http://schemas.microsoft.com/office/drawing/2010/main" xmlns="" w="9525">
+                <a14:hiddenLine xmlns="" xmlns:a14="http://schemas.microsoft.com/office/drawing/2010/main" w="9525">
                   <a:solidFill>
                     <a:srgbClr val="000000"/>
                   </a:solidFill>
@@ -1710,7 +1710,7 @@
             </a:ln>
             <a:extLst>
               <a:ext uri="{91240B29-F687-4f45-9708-019B960494DF}">
-                <a14:hiddenLine xmlns:a14="http://schemas.microsoft.com/office/drawing/2010/main" xmlns="" w="9525">
+                <a14:hiddenLine xmlns="" xmlns:a14="http://schemas.microsoft.com/office/drawing/2010/main" w="9525">
                   <a:solidFill>
                     <a:srgbClr val="000000"/>
                   </a:solidFill>
@@ -1766,7 +1766,7 @@
             </a:ln>
             <a:extLst>
               <a:ext uri="{91240B29-F687-4f45-9708-019B960494DF}">
-                <a14:hiddenLine xmlns:a14="http://schemas.microsoft.com/office/drawing/2010/main" xmlns="" w="9525">
+                <a14:hiddenLine xmlns="" xmlns:a14="http://schemas.microsoft.com/office/drawing/2010/main" w="9525">
                   <a:solidFill>
                     <a:srgbClr val="000000"/>
                   </a:solidFill>
@@ -1856,7 +1856,7 @@
             </a:ln>
             <a:extLst>
               <a:ext uri="{91240B29-F687-4f45-9708-019B960494DF}">
-                <a14:hiddenLine xmlns:a14="http://schemas.microsoft.com/office/drawing/2010/main" xmlns="" w="9525">
+                <a14:hiddenLine xmlns="" xmlns:a14="http://schemas.microsoft.com/office/drawing/2010/main" w="9525">
                   <a:solidFill>
                     <a:srgbClr val="000000"/>
                   </a:solidFill>
@@ -1912,7 +1912,7 @@
             </a:ln>
             <a:extLst>
               <a:ext uri="{91240B29-F687-4f45-9708-019B960494DF}">
-                <a14:hiddenLine xmlns:a14="http://schemas.microsoft.com/office/drawing/2010/main" xmlns="" w="9525">
+                <a14:hiddenLine xmlns="" xmlns:a14="http://schemas.microsoft.com/office/drawing/2010/main" w="9525">
                   <a:solidFill>
                     <a:srgbClr val="000000"/>
                   </a:solidFill>
@@ -2002,7 +2002,7 @@
             </a:ln>
             <a:extLst>
               <a:ext uri="{91240B29-F687-4f45-9708-019B960494DF}">
-                <a14:hiddenLine xmlns:a14="http://schemas.microsoft.com/office/drawing/2010/main" xmlns="" w="9525">
+                <a14:hiddenLine xmlns="" xmlns:a14="http://schemas.microsoft.com/office/drawing/2010/main" w="9525">
                   <a:solidFill>
                     <a:srgbClr val="000000"/>
                   </a:solidFill>
@@ -2070,7 +2070,7 @@
             </a:ln>
             <a:extLst>
               <a:ext uri="{91240B29-F687-4f45-9708-019B960494DF}">
-                <a14:hiddenLine xmlns:a14="http://schemas.microsoft.com/office/drawing/2010/main" xmlns="" w="9525">
+                <a14:hiddenLine xmlns="" xmlns:a14="http://schemas.microsoft.com/office/drawing/2010/main" w="9525">
                   <a:solidFill>
                     <a:srgbClr val="000000"/>
                   </a:solidFill>
@@ -2160,7 +2160,7 @@
             </a:ln>
             <a:extLst>
               <a:ext uri="{91240B29-F687-4f45-9708-019B960494DF}">
-                <a14:hiddenLine xmlns:a14="http://schemas.microsoft.com/office/drawing/2010/main" xmlns="" w="9525">
+                <a14:hiddenLine xmlns="" xmlns:a14="http://schemas.microsoft.com/office/drawing/2010/main" w="9525">
                   <a:solidFill>
                     <a:srgbClr val="000000"/>
                   </a:solidFill>
@@ -2228,7 +2228,7 @@
             </a:ln>
             <a:extLst>
               <a:ext uri="{91240B29-F687-4f45-9708-019B960494DF}">
-                <a14:hiddenLine xmlns:a14="http://schemas.microsoft.com/office/drawing/2010/main" xmlns="" w="9525">
+                <a14:hiddenLine xmlns="" xmlns:a14="http://schemas.microsoft.com/office/drawing/2010/main" w="9525">
                   <a:solidFill>
                     <a:srgbClr val="000000"/>
                   </a:solidFill>
@@ -2318,7 +2318,7 @@
             </a:ln>
             <a:extLst>
               <a:ext uri="{91240B29-F687-4f45-9708-019B960494DF}">
-                <a14:hiddenLine xmlns:a14="http://schemas.microsoft.com/office/drawing/2010/main" xmlns="" w="9525">
+                <a14:hiddenLine xmlns="" xmlns:a14="http://schemas.microsoft.com/office/drawing/2010/main" w="9525">
                   <a:solidFill>
                     <a:srgbClr val="000000"/>
                   </a:solidFill>
@@ -2352,7 +2352,7 @@
             </a:ln>
             <a:extLst>
               <a:ext uri="{91240B29-F687-4f45-9708-019B960494DF}">
-                <a14:hiddenLine xmlns:a14="http://schemas.microsoft.com/office/drawing/2010/main" xmlns="" w="9525">
+                <a14:hiddenLine xmlns="" xmlns:a14="http://schemas.microsoft.com/office/drawing/2010/main" w="9525">
                   <a:solidFill>
                     <a:srgbClr val="000000"/>
                   </a:solidFill>
@@ -2442,7 +2442,7 @@
             </a:ln>
             <a:extLst>
               <a:ext uri="{91240B29-F687-4f45-9708-019B960494DF}">
-                <a14:hiddenLine xmlns:a14="http://schemas.microsoft.com/office/drawing/2010/main" xmlns="" w="9525">
+                <a14:hiddenLine xmlns="" xmlns:a14="http://schemas.microsoft.com/office/drawing/2010/main" w="9525">
                   <a:solidFill>
                     <a:srgbClr val="000000"/>
                   </a:solidFill>
@@ -2504,7 +2504,7 @@
             </a:ln>
             <a:extLst>
               <a:ext uri="{91240B29-F687-4f45-9708-019B960494DF}">
-                <a14:hiddenLine xmlns:a14="http://schemas.microsoft.com/office/drawing/2010/main" xmlns="" w="9525">
+                <a14:hiddenLine xmlns="" xmlns:a14="http://schemas.microsoft.com/office/drawing/2010/main" w="9525">
                   <a:solidFill>
                     <a:srgbClr val="000000"/>
                   </a:solidFill>
@@ -2566,7 +2566,7 @@
             </a:ln>
             <a:extLst>
               <a:ext uri="{91240B29-F687-4f45-9708-019B960494DF}">
-                <a14:hiddenLine xmlns:a14="http://schemas.microsoft.com/office/drawing/2010/main" xmlns="" w="9525">
+                <a14:hiddenLine xmlns="" xmlns:a14="http://schemas.microsoft.com/office/drawing/2010/main" w="9525">
                   <a:solidFill>
                     <a:srgbClr val="000000"/>
                   </a:solidFill>
@@ -2656,7 +2656,7 @@
             </a:ln>
             <a:extLst>
               <a:ext uri="{91240B29-F687-4f45-9708-019B960494DF}">
-                <a14:hiddenLine xmlns:a14="http://schemas.microsoft.com/office/drawing/2010/main" xmlns="" w="9525">
+                <a14:hiddenLine xmlns="" xmlns:a14="http://schemas.microsoft.com/office/drawing/2010/main" w="9525">
                   <a:solidFill>
                     <a:srgbClr val="000000"/>
                   </a:solidFill>
@@ -2724,7 +2724,7 @@
             </a:ln>
             <a:extLst>
               <a:ext uri="{91240B29-F687-4f45-9708-019B960494DF}">
-                <a14:hiddenLine xmlns:a14="http://schemas.microsoft.com/office/drawing/2010/main" xmlns="" w="9525">
+                <a14:hiddenLine xmlns="" xmlns:a14="http://schemas.microsoft.com/office/drawing/2010/main" w="9525">
                   <a:solidFill>
                     <a:srgbClr val="000000"/>
                   </a:solidFill>
@@ -2786,7 +2786,7 @@
             </a:ln>
             <a:extLst>
               <a:ext uri="{91240B29-F687-4f45-9708-019B960494DF}">
-                <a14:hiddenLine xmlns:a14="http://schemas.microsoft.com/office/drawing/2010/main" xmlns="" w="9525">
+                <a14:hiddenLine xmlns="" xmlns:a14="http://schemas.microsoft.com/office/drawing/2010/main" w="9525">
                   <a:solidFill>
                     <a:srgbClr val="000000"/>
                   </a:solidFill>
@@ -2876,7 +2876,7 @@
             </a:ln>
             <a:extLst>
               <a:ext uri="{91240B29-F687-4f45-9708-019B960494DF}">
-                <a14:hiddenLine xmlns:a14="http://schemas.microsoft.com/office/drawing/2010/main" xmlns="" w="9525">
+                <a14:hiddenLine xmlns="" xmlns:a14="http://schemas.microsoft.com/office/drawing/2010/main" w="9525">
                   <a:solidFill>
                     <a:srgbClr val="000000"/>
                   </a:solidFill>
@@ -2938,7 +2938,7 @@
             </a:ln>
             <a:extLst>
               <a:ext uri="{91240B29-F687-4f45-9708-019B960494DF}">
-                <a14:hiddenLine xmlns:a14="http://schemas.microsoft.com/office/drawing/2010/main" xmlns="" w="9525">
+                <a14:hiddenLine xmlns="" xmlns:a14="http://schemas.microsoft.com/office/drawing/2010/main" w="9525">
                   <a:solidFill>
                     <a:srgbClr val="000000"/>
                   </a:solidFill>
@@ -3028,7 +3028,7 @@
             </a:ln>
             <a:extLst>
               <a:ext uri="{91240B29-F687-4f45-9708-019B960494DF}">
-                <a14:hiddenLine xmlns:a14="http://schemas.microsoft.com/office/drawing/2010/main" xmlns="" w="9525">
+                <a14:hiddenLine xmlns="" xmlns:a14="http://schemas.microsoft.com/office/drawing/2010/main" w="9525">
                   <a:solidFill>
                     <a:srgbClr val="000000"/>
                   </a:solidFill>
@@ -3090,7 +3090,7 @@
             </a:ln>
             <a:extLst>
               <a:ext uri="{91240B29-F687-4f45-9708-019B960494DF}">
-                <a14:hiddenLine xmlns:a14="http://schemas.microsoft.com/office/drawing/2010/main" xmlns="" w="9525">
+                <a14:hiddenLine xmlns="" xmlns:a14="http://schemas.microsoft.com/office/drawing/2010/main" w="9525">
                   <a:solidFill>
                     <a:srgbClr val="000000"/>
                   </a:solidFill>
@@ -3180,7 +3180,7 @@
             </a:ln>
             <a:extLst>
               <a:ext uri="{91240B29-F687-4f45-9708-019B960494DF}">
-                <a14:hiddenLine xmlns:a14="http://schemas.microsoft.com/office/drawing/2010/main" xmlns="" w="9525">
+                <a14:hiddenLine xmlns="" xmlns:a14="http://schemas.microsoft.com/office/drawing/2010/main" w="9525">
                   <a:solidFill>
                     <a:srgbClr val="000000"/>
                   </a:solidFill>
@@ -3214,7 +3214,7 @@
             </a:ln>
             <a:extLst>
               <a:ext uri="{91240B29-F687-4f45-9708-019B960494DF}">
-                <a14:hiddenLine xmlns:a14="http://schemas.microsoft.com/office/drawing/2010/main" xmlns="" w="9525">
+                <a14:hiddenLine xmlns="" xmlns:a14="http://schemas.microsoft.com/office/drawing/2010/main" w="9525">
                   <a:solidFill>
                     <a:srgbClr val="000000"/>
                   </a:solidFill>
@@ -3279,7 +3279,7 @@
             </a:ln>
             <a:extLst>
               <a:ext uri="{91240B29-F687-4f45-9708-019B960494DF}">
-                <a14:hiddenLine xmlns:a14="http://schemas.microsoft.com/office/drawing/2010/main" xmlns="" w="9525">
+                <a14:hiddenLine xmlns="" xmlns:a14="http://schemas.microsoft.com/office/drawing/2010/main" w="9525">
                   <a:solidFill>
                     <a:srgbClr val="000000"/>
                   </a:solidFill>
@@ -3369,7 +3369,7 @@
             </a:ln>
             <a:extLst>
               <a:ext uri="{91240B29-F687-4f45-9708-019B960494DF}">
-                <a14:hiddenLine xmlns:a14="http://schemas.microsoft.com/office/drawing/2010/main" xmlns="" w="9525">
+                <a14:hiddenLine xmlns="" xmlns:a14="http://schemas.microsoft.com/office/drawing/2010/main" w="9525">
                   <a:solidFill>
                     <a:srgbClr val="000000"/>
                   </a:solidFill>
@@ -3431,7 +3431,7 @@
             </a:ln>
             <a:extLst>
               <a:ext uri="{91240B29-F687-4f45-9708-019B960494DF}">
-                <a14:hiddenLine xmlns:a14="http://schemas.microsoft.com/office/drawing/2010/main" xmlns="" w="9525">
+                <a14:hiddenLine xmlns="" xmlns:a14="http://schemas.microsoft.com/office/drawing/2010/main" w="9525">
                   <a:solidFill>
                     <a:srgbClr val="000000"/>
                   </a:solidFill>
@@ -3521,7 +3521,7 @@
             </a:ln>
             <a:extLst>
               <a:ext uri="{91240B29-F687-4f45-9708-019B960494DF}">
-                <a14:hiddenLine xmlns:a14="http://schemas.microsoft.com/office/drawing/2010/main" xmlns="" w="9525">
+                <a14:hiddenLine xmlns="" xmlns:a14="http://schemas.microsoft.com/office/drawing/2010/main" w="9525">
                   <a:solidFill>
                     <a:srgbClr val="000000"/>
                   </a:solidFill>
@@ -3611,7 +3611,7 @@
             </a:ln>
             <a:extLst>
               <a:ext uri="{91240B29-F687-4f45-9708-019B960494DF}">
-                <a14:hiddenLine xmlns:a14="http://schemas.microsoft.com/office/drawing/2010/main" xmlns="" w="9525">
+                <a14:hiddenLine xmlns="" xmlns:a14="http://schemas.microsoft.com/office/drawing/2010/main" w="9525">
                   <a:solidFill>
                     <a:srgbClr val="000000"/>
                   </a:solidFill>
@@ -3676,7 +3676,7 @@
             </a:ln>
             <a:extLst>
               <a:ext uri="{91240B29-F687-4f45-9708-019B960494DF}">
-                <a14:hiddenLine xmlns:a14="http://schemas.microsoft.com/office/drawing/2010/main" xmlns="" w="9525">
+                <a14:hiddenLine xmlns="" xmlns:a14="http://schemas.microsoft.com/office/drawing/2010/main" w="9525">
                   <a:solidFill>
                     <a:srgbClr val="000000"/>
                   </a:solidFill>
@@ -3738,7 +3738,7 @@
             </a:ln>
             <a:extLst>
               <a:ext uri="{91240B29-F687-4f45-9708-019B960494DF}">
-                <a14:hiddenLine xmlns:a14="http://schemas.microsoft.com/office/drawing/2010/main" xmlns="" w="9525">
+                <a14:hiddenLine xmlns="" xmlns:a14="http://schemas.microsoft.com/office/drawing/2010/main" w="9525">
                   <a:solidFill>
                     <a:srgbClr val="000000"/>
                   </a:solidFill>
@@ -3828,7 +3828,7 @@
             </a:ln>
             <a:extLst>
               <a:ext uri="{91240B29-F687-4f45-9708-019B960494DF}">
-                <a14:hiddenLine xmlns:a14="http://schemas.microsoft.com/office/drawing/2010/main" xmlns="" w="9525">
+                <a14:hiddenLine xmlns="" xmlns:a14="http://schemas.microsoft.com/office/drawing/2010/main" w="9525">
                   <a:solidFill>
                     <a:srgbClr val="000000"/>
                   </a:solidFill>
@@ -3918,7 +3918,7 @@
             </a:ln>
             <a:extLst>
               <a:ext uri="{91240B29-F687-4f45-9708-019B960494DF}">
-                <a14:hiddenLine xmlns:a14="http://schemas.microsoft.com/office/drawing/2010/main" xmlns="" w="9525">
+                <a14:hiddenLine xmlns="" xmlns:a14="http://schemas.microsoft.com/office/drawing/2010/main" w="9525">
                   <a:solidFill>
                     <a:srgbClr val="000000"/>
                   </a:solidFill>
@@ -3980,7 +3980,7 @@
             </a:ln>
             <a:extLst>
               <a:ext uri="{91240B29-F687-4f45-9708-019B960494DF}">
-                <a14:hiddenLine xmlns:a14="http://schemas.microsoft.com/office/drawing/2010/main" xmlns="" w="9525">
+                <a14:hiddenLine xmlns="" xmlns:a14="http://schemas.microsoft.com/office/drawing/2010/main" w="9525">
                   <a:solidFill>
                     <a:srgbClr val="000000"/>
                   </a:solidFill>
@@ -4100,7 +4100,7 @@
             </a:ln>
             <a:extLst>
               <a:ext uri="{91240B29-F687-4f45-9708-019B960494DF}">
-                <a14:hiddenLine xmlns:a14="http://schemas.microsoft.com/office/drawing/2010/main" xmlns="" w="9525">
+                <a14:hiddenLine xmlns="" xmlns:a14="http://schemas.microsoft.com/office/drawing/2010/main" w="9525">
                   <a:solidFill>
                     <a:srgbClr val="000000"/>
                   </a:solidFill>
@@ -4168,7 +4168,7 @@
             </a:ln>
             <a:extLst>
               <a:ext uri="{91240B29-F687-4f45-9708-019B960494DF}">
-                <a14:hiddenLine xmlns:a14="http://schemas.microsoft.com/office/drawing/2010/main" xmlns="" w="9525">
+                <a14:hiddenLine xmlns="" xmlns:a14="http://schemas.microsoft.com/office/drawing/2010/main" w="9525">
                   <a:solidFill>
                     <a:srgbClr val="000000"/>
                   </a:solidFill>
@@ -4258,7 +4258,7 @@
             </a:ln>
             <a:extLst>
               <a:ext uri="{91240B29-F687-4f45-9708-019B960494DF}">
-                <a14:hiddenLine xmlns:a14="http://schemas.microsoft.com/office/drawing/2010/main" xmlns="" w="9525">
+                <a14:hiddenLine xmlns="" xmlns:a14="http://schemas.microsoft.com/office/drawing/2010/main" w="9525">
                   <a:solidFill>
                     <a:srgbClr val="000000"/>
                   </a:solidFill>
@@ -4398,7 +4398,7 @@
           <a:p>
             <a:fld id="{48A87A34-81AB-432B-8DAE-1953F412C126}" type="datetimeFigureOut">
               <a:rPr lang="en-US" dirty="0"/>
-              <a:t>5/30/2018</a:t>
+              <a:t>6/18/2018</a:t>
             </a:fld>
             <a:endParaRPr lang="en-US" dirty="0"/>
           </a:p>
@@ -4660,7 +4660,7 @@
           <a:p>
             <a:fld id="{48A87A34-81AB-432B-8DAE-1953F412C126}" type="datetimeFigureOut">
               <a:rPr lang="en-US" dirty="0"/>
-              <a:t>5/30/2018</a:t>
+              <a:t>6/18/2018</a:t>
             </a:fld>
             <a:endParaRPr lang="en-US" dirty="0"/>
           </a:p>
@@ -4851,7 +4851,7 @@
           <a:p>
             <a:fld id="{48A87A34-81AB-432B-8DAE-1953F412C126}" type="datetimeFigureOut">
               <a:rPr lang="en-US" dirty="0"/>
-              <a:t>5/30/2018</a:t>
+              <a:t>6/18/2018</a:t>
             </a:fld>
             <a:endParaRPr lang="en-US" dirty="0"/>
           </a:p>
@@ -5109,7 +5109,7 @@
           <a:p>
             <a:fld id="{48A87A34-81AB-432B-8DAE-1953F412C126}" type="datetimeFigureOut">
               <a:rPr lang="en-US" dirty="0"/>
-              <a:t>5/30/2018</a:t>
+              <a:t>6/18/2018</a:t>
             </a:fld>
             <a:endParaRPr lang="en-US" dirty="0"/>
           </a:p>
@@ -5538,7 +5538,7 @@
           <a:p>
             <a:fld id="{48A87A34-81AB-432B-8DAE-1953F412C126}" type="datetimeFigureOut">
               <a:rPr lang="en-US" dirty="0"/>
-              <a:t>5/30/2018</a:t>
+              <a:t>6/18/2018</a:t>
             </a:fld>
             <a:endParaRPr lang="en-US" dirty="0"/>
           </a:p>
@@ -6079,7 +6079,7 @@
           <a:p>
             <a:fld id="{48A87A34-81AB-432B-8DAE-1953F412C126}" type="datetimeFigureOut">
               <a:rPr lang="en-US" dirty="0"/>
-              <a:t>5/30/2018</a:t>
+              <a:t>6/18/2018</a:t>
             </a:fld>
             <a:endParaRPr lang="en-US" dirty="0"/>
           </a:p>
@@ -6794,7 +6794,7 @@
           <a:p>
             <a:fld id="{48A87A34-81AB-432B-8DAE-1953F412C126}" type="datetimeFigureOut">
               <a:rPr lang="en-US" dirty="0"/>
-              <a:t>5/30/2018</a:t>
+              <a:t>6/18/2018</a:t>
             </a:fld>
             <a:endParaRPr lang="en-US" dirty="0"/>
           </a:p>
@@ -6959,7 +6959,7 @@
           <a:p>
             <a:fld id="{48A87A34-81AB-432B-8DAE-1953F412C126}" type="datetimeFigureOut">
               <a:rPr lang="en-US" dirty="0"/>
-              <a:t>5/30/2018</a:t>
+              <a:t>6/18/2018</a:t>
             </a:fld>
             <a:endParaRPr lang="en-US" dirty="0"/>
           </a:p>
@@ -7134,7 +7134,7 @@
           <a:p>
             <a:fld id="{48A87A34-81AB-432B-8DAE-1953F412C126}" type="datetimeFigureOut">
               <a:rPr lang="en-US" dirty="0"/>
-              <a:t>5/30/2018</a:t>
+              <a:t>6/18/2018</a:t>
             </a:fld>
             <a:endParaRPr lang="en-US" dirty="0"/>
           </a:p>
@@ -7299,7 +7299,7 @@
           <a:p>
             <a:fld id="{48A87A34-81AB-432B-8DAE-1953F412C126}" type="datetimeFigureOut">
               <a:rPr lang="en-US" dirty="0"/>
-              <a:t>5/30/2018</a:t>
+              <a:t>6/18/2018</a:t>
             </a:fld>
             <a:endParaRPr lang="en-US" dirty="0"/>
           </a:p>
@@ -7544,7 +7544,7 @@
           <a:p>
             <a:fld id="{48A87A34-81AB-432B-8DAE-1953F412C126}" type="datetimeFigureOut">
               <a:rPr lang="en-US" dirty="0"/>
-              <a:t>5/30/2018</a:t>
+              <a:t>6/18/2018</a:t>
             </a:fld>
             <a:endParaRPr lang="en-US" dirty="0"/>
           </a:p>
@@ -7771,7 +7771,7 @@
           <a:p>
             <a:fld id="{48A87A34-81AB-432B-8DAE-1953F412C126}" type="datetimeFigureOut">
               <a:rPr lang="en-US" dirty="0"/>
-              <a:t>5/30/2018</a:t>
+              <a:t>6/18/2018</a:t>
             </a:fld>
             <a:endParaRPr lang="en-US" dirty="0"/>
           </a:p>
@@ -8147,7 +8147,7 @@
           <a:p>
             <a:fld id="{48A87A34-81AB-432B-8DAE-1953F412C126}" type="datetimeFigureOut">
               <a:rPr lang="en-US" dirty="0"/>
-              <a:t>5/30/2018</a:t>
+              <a:t>6/18/2018</a:t>
             </a:fld>
             <a:endParaRPr lang="en-US" dirty="0"/>
           </a:p>
@@ -8260,7 +8260,7 @@
           <a:p>
             <a:fld id="{48A87A34-81AB-432B-8DAE-1953F412C126}" type="datetimeFigureOut">
               <a:rPr lang="en-US" dirty="0"/>
-              <a:t>5/30/2018</a:t>
+              <a:t>6/18/2018</a:t>
             </a:fld>
             <a:endParaRPr lang="en-US" dirty="0"/>
           </a:p>
@@ -8350,7 +8350,7 @@
           <a:p>
             <a:fld id="{48A87A34-81AB-432B-8DAE-1953F412C126}" type="datetimeFigureOut">
               <a:rPr lang="en-US" dirty="0"/>
-              <a:t>5/30/2018</a:t>
+              <a:t>6/18/2018</a:t>
             </a:fld>
             <a:endParaRPr lang="en-US" dirty="0"/>
           </a:p>
@@ -8594,7 +8594,7 @@
           <a:p>
             <a:fld id="{48A87A34-81AB-432B-8DAE-1953F412C126}" type="datetimeFigureOut">
               <a:rPr lang="en-US" dirty="0"/>
-              <a:t>5/30/2018</a:t>
+              <a:t>6/18/2018</a:t>
             </a:fld>
             <a:endParaRPr lang="en-US" dirty="0"/>
           </a:p>
@@ -8869,7 +8869,7 @@
           <a:p>
             <a:fld id="{48A87A34-81AB-432B-8DAE-1953F412C126}" type="datetimeFigureOut">
               <a:rPr lang="en-US" dirty="0"/>
-              <a:t>5/30/2018</a:t>
+              <a:t>6/18/2018</a:t>
             </a:fld>
             <a:endParaRPr lang="en-US" dirty="0"/>
           </a:p>
@@ -8980,7 +8980,7 @@
           <a:noFill/>
           <a:extLst>
             <a:ext uri="{909E8E84-426E-40dd-AFC4-6F175D3DCCD1}">
-              <a14:hiddenFill xmlns:a14="http://schemas.microsoft.com/office/drawing/2010/main" xmlns="">
+              <a14:hiddenFill xmlns="" xmlns:a14="http://schemas.microsoft.com/office/drawing/2010/main">
                 <a:solidFill>
                   <a:srgbClr val="FFFFFF"/>
                 </a:solidFill>
@@ -9054,7 +9054,7 @@
               </a:ln>
               <a:extLst>
                 <a:ext uri="{91240B29-F687-4f45-9708-019B960494DF}">
-                  <a14:hiddenLine xmlns:a14="http://schemas.microsoft.com/office/drawing/2010/main" xmlns="" w="9525">
+                  <a14:hiddenLine xmlns="" xmlns:a14="http://schemas.microsoft.com/office/drawing/2010/main" w="9525">
                     <a:solidFill>
                       <a:srgbClr val="000000"/>
                     </a:solidFill>
@@ -9144,7 +9144,7 @@
               </a:ln>
               <a:extLst>
                 <a:ext uri="{91240B29-F687-4f45-9708-019B960494DF}">
-                  <a14:hiddenLine xmlns:a14="http://schemas.microsoft.com/office/drawing/2010/main" xmlns="" w="9525">
+                  <a14:hiddenLine xmlns="" xmlns:a14="http://schemas.microsoft.com/office/drawing/2010/main" w="9525">
                     <a:solidFill>
                       <a:srgbClr val="000000"/>
                     </a:solidFill>
@@ -9234,7 +9234,7 @@
               </a:ln>
               <a:extLst>
                 <a:ext uri="{91240B29-F687-4f45-9708-019B960494DF}">
-                  <a14:hiddenLine xmlns:a14="http://schemas.microsoft.com/office/drawing/2010/main" xmlns="" w="9525">
+                  <a14:hiddenLine xmlns="" xmlns:a14="http://schemas.microsoft.com/office/drawing/2010/main" w="9525">
                     <a:solidFill>
                       <a:srgbClr val="000000"/>
                     </a:solidFill>
@@ -9296,7 +9296,7 @@
               </a:ln>
               <a:extLst>
                 <a:ext uri="{91240B29-F687-4f45-9708-019B960494DF}">
-                  <a14:hiddenLine xmlns:a14="http://schemas.microsoft.com/office/drawing/2010/main" xmlns="" w="9525">
+                  <a14:hiddenLine xmlns="" xmlns:a14="http://schemas.microsoft.com/office/drawing/2010/main" w="9525">
                     <a:solidFill>
                       <a:srgbClr val="000000"/>
                     </a:solidFill>
@@ -9386,7 +9386,7 @@
               </a:ln>
               <a:extLst>
                 <a:ext uri="{91240B29-F687-4f45-9708-019B960494DF}">
-                  <a14:hiddenLine xmlns:a14="http://schemas.microsoft.com/office/drawing/2010/main" xmlns="" w="9525">
+                  <a14:hiddenLine xmlns="" xmlns:a14="http://schemas.microsoft.com/office/drawing/2010/main" w="9525">
                     <a:solidFill>
                       <a:srgbClr val="000000"/>
                     </a:solidFill>
@@ -9448,7 +9448,7 @@
               </a:ln>
               <a:extLst>
                 <a:ext uri="{91240B29-F687-4f45-9708-019B960494DF}">
-                  <a14:hiddenLine xmlns:a14="http://schemas.microsoft.com/office/drawing/2010/main" xmlns="" w="9525">
+                  <a14:hiddenLine xmlns="" xmlns:a14="http://schemas.microsoft.com/office/drawing/2010/main" w="9525">
                     <a:solidFill>
                       <a:srgbClr val="000000"/>
                     </a:solidFill>
@@ -9510,7 +9510,7 @@
               </a:ln>
               <a:extLst>
                 <a:ext uri="{91240B29-F687-4f45-9708-019B960494DF}">
-                  <a14:hiddenLine xmlns:a14="http://schemas.microsoft.com/office/drawing/2010/main" xmlns="" w="9525">
+                  <a14:hiddenLine xmlns="" xmlns:a14="http://schemas.microsoft.com/office/drawing/2010/main" w="9525">
                     <a:solidFill>
                       <a:srgbClr val="000000"/>
                     </a:solidFill>
@@ -9600,7 +9600,7 @@
               </a:ln>
               <a:extLst>
                 <a:ext uri="{91240B29-F687-4f45-9708-019B960494DF}">
-                  <a14:hiddenLine xmlns:a14="http://schemas.microsoft.com/office/drawing/2010/main" xmlns="" w="9525">
+                  <a14:hiddenLine xmlns="" xmlns:a14="http://schemas.microsoft.com/office/drawing/2010/main" w="9525">
                     <a:solidFill>
                       <a:srgbClr val="000000"/>
                     </a:solidFill>
@@ -9690,7 +9690,7 @@
               </a:ln>
               <a:extLst>
                 <a:ext uri="{91240B29-F687-4f45-9708-019B960494DF}">
-                  <a14:hiddenLine xmlns:a14="http://schemas.microsoft.com/office/drawing/2010/main" xmlns="" w="9525">
+                  <a14:hiddenLine xmlns="" xmlns:a14="http://schemas.microsoft.com/office/drawing/2010/main" w="9525">
                     <a:solidFill>
                       <a:srgbClr val="000000"/>
                     </a:solidFill>
@@ -9752,7 +9752,7 @@
               </a:ln>
               <a:extLst>
                 <a:ext uri="{91240B29-F687-4f45-9708-019B960494DF}">
-                  <a14:hiddenLine xmlns:a14="http://schemas.microsoft.com/office/drawing/2010/main" xmlns="" w="9525">
+                  <a14:hiddenLine xmlns="" xmlns:a14="http://schemas.microsoft.com/office/drawing/2010/main" w="9525">
                     <a:solidFill>
                       <a:srgbClr val="000000"/>
                     </a:solidFill>
@@ -9862,7 +9862,7 @@
               </a:ln>
               <a:extLst>
                 <a:ext uri="{91240B29-F687-4f45-9708-019B960494DF}">
-                  <a14:hiddenLine xmlns:a14="http://schemas.microsoft.com/office/drawing/2010/main" xmlns="" w="9525">
+                  <a14:hiddenLine xmlns="" xmlns:a14="http://schemas.microsoft.com/office/drawing/2010/main" w="9525">
                     <a:solidFill>
                       <a:srgbClr val="000000"/>
                     </a:solidFill>
@@ -9946,7 +9946,7 @@
               </a:ln>
               <a:extLst>
                 <a:ext uri="{91240B29-F687-4f45-9708-019B960494DF}">
-                  <a14:hiddenLine xmlns:a14="http://schemas.microsoft.com/office/drawing/2010/main" xmlns="" w="9525">
+                  <a14:hiddenLine xmlns="" xmlns:a14="http://schemas.microsoft.com/office/drawing/2010/main" w="9525">
                     <a:solidFill>
                       <a:srgbClr val="000000"/>
                     </a:solidFill>
@@ -10008,7 +10008,7 @@
               </a:ln>
               <a:extLst>
                 <a:ext uri="{91240B29-F687-4f45-9708-019B960494DF}">
-                  <a14:hiddenLine xmlns:a14="http://schemas.microsoft.com/office/drawing/2010/main" xmlns="" w="9525">
+                  <a14:hiddenLine xmlns="" xmlns:a14="http://schemas.microsoft.com/office/drawing/2010/main" w="9525">
                     <a:solidFill>
                       <a:srgbClr val="000000"/>
                     </a:solidFill>
@@ -10070,7 +10070,7 @@
               </a:ln>
               <a:extLst>
                 <a:ext uri="{91240B29-F687-4f45-9708-019B960494DF}">
-                  <a14:hiddenLine xmlns:a14="http://schemas.microsoft.com/office/drawing/2010/main" xmlns="" w="9525">
+                  <a14:hiddenLine xmlns="" xmlns:a14="http://schemas.microsoft.com/office/drawing/2010/main" w="9525">
                     <a:solidFill>
                       <a:srgbClr val="000000"/>
                     </a:solidFill>
@@ -10160,7 +10160,7 @@
               </a:ln>
               <a:extLst>
                 <a:ext uri="{91240B29-F687-4f45-9708-019B960494DF}">
-                  <a14:hiddenLine xmlns:a14="http://schemas.microsoft.com/office/drawing/2010/main" xmlns="" w="9525">
+                  <a14:hiddenLine xmlns="" xmlns:a14="http://schemas.microsoft.com/office/drawing/2010/main" w="9525">
                     <a:solidFill>
                       <a:srgbClr val="000000"/>
                     </a:solidFill>
@@ -10194,7 +10194,7 @@
               </a:ln>
               <a:extLst>
                 <a:ext uri="{91240B29-F687-4f45-9708-019B960494DF}">
-                  <a14:hiddenLine xmlns:a14="http://schemas.microsoft.com/office/drawing/2010/main" xmlns="" w="9525">
+                  <a14:hiddenLine xmlns="" xmlns:a14="http://schemas.microsoft.com/office/drawing/2010/main" w="9525">
                     <a:solidFill>
                       <a:srgbClr val="000000"/>
                     </a:solidFill>
@@ -10259,7 +10259,7 @@
               </a:ln>
               <a:extLst>
                 <a:ext uri="{91240B29-F687-4f45-9708-019B960494DF}">
-                  <a14:hiddenLine xmlns:a14="http://schemas.microsoft.com/office/drawing/2010/main" xmlns="" w="9525">
+                  <a14:hiddenLine xmlns="" xmlns:a14="http://schemas.microsoft.com/office/drawing/2010/main" w="9525">
                     <a:solidFill>
                       <a:srgbClr val="000000"/>
                     </a:solidFill>
@@ -10349,7 +10349,7 @@
               </a:ln>
               <a:extLst>
                 <a:ext uri="{91240B29-F687-4f45-9708-019B960494DF}">
-                  <a14:hiddenLine xmlns:a14="http://schemas.microsoft.com/office/drawing/2010/main" xmlns="" w="9525">
+                  <a14:hiddenLine xmlns="" xmlns:a14="http://schemas.microsoft.com/office/drawing/2010/main" w="9525">
                     <a:solidFill>
                       <a:srgbClr val="000000"/>
                     </a:solidFill>
@@ -10411,7 +10411,7 @@
               </a:ln>
               <a:extLst>
                 <a:ext uri="{91240B29-F687-4f45-9708-019B960494DF}">
-                  <a14:hiddenLine xmlns:a14="http://schemas.microsoft.com/office/drawing/2010/main" xmlns="" w="9525">
+                  <a14:hiddenLine xmlns="" xmlns:a14="http://schemas.microsoft.com/office/drawing/2010/main" w="9525">
                     <a:solidFill>
                       <a:srgbClr val="000000"/>
                     </a:solidFill>
@@ -10501,7 +10501,7 @@
               </a:ln>
               <a:extLst>
                 <a:ext uri="{91240B29-F687-4f45-9708-019B960494DF}">
-                  <a14:hiddenLine xmlns:a14="http://schemas.microsoft.com/office/drawing/2010/main" xmlns="" w="9525">
+                  <a14:hiddenLine xmlns="" xmlns:a14="http://schemas.microsoft.com/office/drawing/2010/main" w="9525">
                     <a:solidFill>
                       <a:srgbClr val="000000"/>
                     </a:solidFill>
@@ -10566,7 +10566,7 @@
               </a:ln>
               <a:extLst>
                 <a:ext uri="{91240B29-F687-4f45-9708-019B960494DF}">
-                  <a14:hiddenLine xmlns:a14="http://schemas.microsoft.com/office/drawing/2010/main" xmlns="" w="9525">
+                  <a14:hiddenLine xmlns="" xmlns:a14="http://schemas.microsoft.com/office/drawing/2010/main" w="9525">
                     <a:solidFill>
                       <a:srgbClr val="000000"/>
                     </a:solidFill>
@@ -10628,7 +10628,7 @@
               </a:ln>
               <a:extLst>
                 <a:ext uri="{91240B29-F687-4f45-9708-019B960494DF}">
-                  <a14:hiddenLine xmlns:a14="http://schemas.microsoft.com/office/drawing/2010/main" xmlns="" w="9525">
+                  <a14:hiddenLine xmlns="" xmlns:a14="http://schemas.microsoft.com/office/drawing/2010/main" w="9525">
                     <a:solidFill>
                       <a:srgbClr val="000000"/>
                     </a:solidFill>
@@ -10718,7 +10718,7 @@
               </a:ln>
               <a:extLst>
                 <a:ext uri="{91240B29-F687-4f45-9708-019B960494DF}">
-                  <a14:hiddenLine xmlns:a14="http://schemas.microsoft.com/office/drawing/2010/main" xmlns="" w="9525">
+                  <a14:hiddenLine xmlns="" xmlns:a14="http://schemas.microsoft.com/office/drawing/2010/main" w="9525">
                     <a:solidFill>
                       <a:srgbClr val="000000"/>
                     </a:solidFill>
@@ -10808,7 +10808,7 @@
               </a:ln>
               <a:extLst>
                 <a:ext uri="{91240B29-F687-4f45-9708-019B960494DF}">
-                  <a14:hiddenLine xmlns:a14="http://schemas.microsoft.com/office/drawing/2010/main" xmlns="" w="9525">
+                  <a14:hiddenLine xmlns="" xmlns:a14="http://schemas.microsoft.com/office/drawing/2010/main" w="9525">
                     <a:solidFill>
                       <a:srgbClr val="000000"/>
                     </a:solidFill>
@@ -10873,7 +10873,7 @@
               </a:ln>
               <a:extLst>
                 <a:ext uri="{91240B29-F687-4f45-9708-019B960494DF}">
-                  <a14:hiddenLine xmlns:a14="http://schemas.microsoft.com/office/drawing/2010/main" xmlns="" w="9525">
+                  <a14:hiddenLine xmlns="" xmlns:a14="http://schemas.microsoft.com/office/drawing/2010/main" w="9525">
                     <a:solidFill>
                       <a:srgbClr val="000000"/>
                     </a:solidFill>
@@ -10993,7 +10993,7 @@
               </a:ln>
               <a:extLst>
                 <a:ext uri="{91240B29-F687-4f45-9708-019B960494DF}">
-                  <a14:hiddenLine xmlns:a14="http://schemas.microsoft.com/office/drawing/2010/main" xmlns="" w="9525">
+                  <a14:hiddenLine xmlns="" xmlns:a14="http://schemas.microsoft.com/office/drawing/2010/main" w="9525">
                     <a:solidFill>
                       <a:srgbClr val="000000"/>
                     </a:solidFill>
@@ -11091,7 +11091,7 @@
               </a:ln>
               <a:extLst>
                 <a:ext uri="{91240B29-F687-4f45-9708-019B960494DF}">
-                  <a14:hiddenLine xmlns:a14="http://schemas.microsoft.com/office/drawing/2010/main" xmlns="" w="9525">
+                  <a14:hiddenLine xmlns="" xmlns:a14="http://schemas.microsoft.com/office/drawing/2010/main" w="9525">
                     <a:solidFill>
                       <a:srgbClr val="000000"/>
                     </a:solidFill>
@@ -11206,7 +11206,7 @@
               </a:ln>
               <a:extLst>
                 <a:ext uri="{91240B29-F687-4f45-9708-019B960494DF}">
-                  <a14:hiddenLine xmlns:a14="http://schemas.microsoft.com/office/drawing/2010/main" xmlns="" w="9525">
+                  <a14:hiddenLine xmlns="" xmlns:a14="http://schemas.microsoft.com/office/drawing/2010/main" w="9525">
                     <a:solidFill>
                       <a:srgbClr val="000000"/>
                     </a:solidFill>
@@ -11296,7 +11296,7 @@
               </a:ln>
               <a:extLst>
                 <a:ext uri="{91240B29-F687-4f45-9708-019B960494DF}">
-                  <a14:hiddenLine xmlns:a14="http://schemas.microsoft.com/office/drawing/2010/main" xmlns="" w="9525">
+                  <a14:hiddenLine xmlns="" xmlns:a14="http://schemas.microsoft.com/office/drawing/2010/main" w="9525">
                     <a:solidFill>
                       <a:srgbClr val="000000"/>
                     </a:solidFill>
@@ -11361,7 +11361,7 @@
               </a:ln>
               <a:extLst>
                 <a:ext uri="{91240B29-F687-4f45-9708-019B960494DF}">
-                  <a14:hiddenLine xmlns:a14="http://schemas.microsoft.com/office/drawing/2010/main" xmlns="" w="9525">
+                  <a14:hiddenLine xmlns="" xmlns:a14="http://schemas.microsoft.com/office/drawing/2010/main" w="9525">
                     <a:solidFill>
                       <a:srgbClr val="000000"/>
                     </a:solidFill>
@@ -11451,7 +11451,7 @@
               </a:ln>
               <a:extLst>
                 <a:ext uri="{91240B29-F687-4f45-9708-019B960494DF}">
-                  <a14:hiddenLine xmlns:a14="http://schemas.microsoft.com/office/drawing/2010/main" xmlns="" w="9525">
+                  <a14:hiddenLine xmlns="" xmlns:a14="http://schemas.microsoft.com/office/drawing/2010/main" w="9525">
                     <a:solidFill>
                       <a:srgbClr val="000000"/>
                     </a:solidFill>
@@ -11519,7 +11519,7 @@
               </a:ln>
               <a:extLst>
                 <a:ext uri="{91240B29-F687-4f45-9708-019B960494DF}">
-                  <a14:hiddenLine xmlns:a14="http://schemas.microsoft.com/office/drawing/2010/main" xmlns="" w="9525">
+                  <a14:hiddenLine xmlns="" xmlns:a14="http://schemas.microsoft.com/office/drawing/2010/main" w="9525">
                     <a:solidFill>
                       <a:srgbClr val="000000"/>
                     </a:solidFill>
@@ -11609,7 +11609,7 @@
               </a:ln>
               <a:extLst>
                 <a:ext uri="{91240B29-F687-4f45-9708-019B960494DF}">
-                  <a14:hiddenLine xmlns:a14="http://schemas.microsoft.com/office/drawing/2010/main" xmlns="" w="9525">
+                  <a14:hiddenLine xmlns="" xmlns:a14="http://schemas.microsoft.com/office/drawing/2010/main" w="9525">
                     <a:solidFill>
                       <a:srgbClr val="000000"/>
                     </a:solidFill>
@@ -11677,7 +11677,7 @@
               </a:ln>
               <a:extLst>
                 <a:ext uri="{91240B29-F687-4f45-9708-019B960494DF}">
-                  <a14:hiddenLine xmlns:a14="http://schemas.microsoft.com/office/drawing/2010/main" xmlns="" w="9525">
+                  <a14:hiddenLine xmlns="" xmlns:a14="http://schemas.microsoft.com/office/drawing/2010/main" w="9525">
                     <a:solidFill>
                       <a:srgbClr val="000000"/>
                     </a:solidFill>
@@ -11767,7 +11767,7 @@
               </a:ln>
               <a:extLst>
                 <a:ext uri="{91240B29-F687-4f45-9708-019B960494DF}">
-                  <a14:hiddenLine xmlns:a14="http://schemas.microsoft.com/office/drawing/2010/main" xmlns="" w="9525">
+                  <a14:hiddenLine xmlns="" xmlns:a14="http://schemas.microsoft.com/office/drawing/2010/main" w="9525">
                     <a:solidFill>
                       <a:srgbClr val="000000"/>
                     </a:solidFill>
@@ -11801,7 +11801,7 @@
               </a:ln>
               <a:extLst>
                 <a:ext uri="{91240B29-F687-4f45-9708-019B960494DF}">
-                  <a14:hiddenLine xmlns:a14="http://schemas.microsoft.com/office/drawing/2010/main" xmlns="" w="9525">
+                  <a14:hiddenLine xmlns="" xmlns:a14="http://schemas.microsoft.com/office/drawing/2010/main" w="9525">
                     <a:solidFill>
                       <a:srgbClr val="000000"/>
                     </a:solidFill>
@@ -11942,7 +11942,7 @@
             <a:fld id="{48A87A34-81AB-432B-8DAE-1953F412C126}" type="datetimeFigureOut">
               <a:rPr lang="en-US" dirty="0"/>
               <a:pPr/>
-              <a:t>5/30/2018</a:t>
+              <a:t>6/18/2018</a:t>
             </a:fld>
             <a:endParaRPr lang="en-US" dirty="0"/>
           </a:p>
@@ -12596,6 +12596,24 @@
             <a:endParaRPr lang="en-US" dirty="0"/>
           </a:p>
           <a:p>
+            <a:pPr lvl="1"/>
+            <a:r>
+              <a:rPr lang="en-US" dirty="0" err="1"/>
+              <a:t>DotNet</a:t>
+            </a:r>
+            <a:r>
+              <a:rPr lang="en-US" dirty="0"/>
+              <a:t> CLI Global Tools - </a:t>
+            </a:r>
+            <a:r>
+              <a:rPr lang="en-US" dirty="0">
+                <a:hlinkClick r:id="rId7"/>
+              </a:rPr>
+              <a:t>https://github.com/natemcmaster/dotnet-tools</a:t>
+            </a:r>
+            <a:endParaRPr lang="en-US" dirty="0"/>
+          </a:p>
+          <a:p>
             <a:r>
               <a:rPr lang="en-US" dirty="0"/>
               <a:t>Angular CLI</a:t>
@@ -12616,7 +12634,7 @@
             </a:r>
             <a:r>
               <a:rPr lang="en-US" dirty="0">
-                <a:hlinkClick r:id="rId7"/>
+                <a:hlinkClick r:id="rId8"/>
               </a:rPr>
               <a:t>https://www.youtube.com/watch?v=h7eVZg3j_Lk</a:t>
             </a:r>
@@ -12632,7 +12650,7 @@
             <a:pPr lvl="1"/>
             <a:r>
               <a:rPr lang="en-US" dirty="0">
-                <a:hlinkClick r:id="rId8"/>
+                <a:hlinkClick r:id="rId9"/>
               </a:rPr>
               <a:t>https://docs.microsoft.com/cli/azure</a:t>
             </a:r>
@@ -12646,7 +12664,7 @@
             </a:r>
             <a:r>
               <a:rPr lang="en-US" dirty="0">
-                <a:hlinkClick r:id="rId9"/>
+                <a:hlinkClick r:id="rId10"/>
               </a:rPr>
               <a:t>https://www.youtube.com/watch?v=laQIC-m9Zn4</a:t>
             </a:r>
@@ -12670,7 +12688,7 @@
             <a:pPr lvl="1"/>
             <a:r>
               <a:rPr lang="en-US" dirty="0">
-                <a:hlinkClick r:id="rId10"/>
+                <a:hlinkClick r:id="rId11"/>
               </a:rPr>
               <a:t>https://www.gitignore.io</a:t>
             </a:r>

--- a/Clis/The Four CLIs of The Apocalypse.pptx
+++ b/Clis/The Four CLIs of The Apocalypse.pptx
@@ -172,7 +172,7 @@
           <a:noFill/>
           <a:extLst>
             <a:ext uri="{909E8E84-426E-40dd-AFC4-6F175D3DCCD1}">
-              <a14:hiddenFill xmlns="" xmlns:a14="http://schemas.microsoft.com/office/drawing/2010/main">
+              <a14:hiddenFill xmlns:a14="http://schemas.microsoft.com/office/drawing/2010/main" xmlns="">
                 <a:solidFill>
                   <a:srgbClr val="FFFFFF"/>
                 </a:solidFill>
@@ -232,7 +232,7 @@
             </a:ln>
             <a:extLst>
               <a:ext uri="{91240B29-F687-4f45-9708-019B960494DF}">
-                <a14:hiddenLine xmlns="" xmlns:a14="http://schemas.microsoft.com/office/drawing/2010/main" w="9525">
+                <a14:hiddenLine xmlns:a14="http://schemas.microsoft.com/office/drawing/2010/main" xmlns="" w="9525">
                   <a:solidFill>
                     <a:srgbClr val="000000"/>
                   </a:solidFill>
@@ -322,7 +322,7 @@
             </a:ln>
             <a:extLst>
               <a:ext uri="{91240B29-F687-4f45-9708-019B960494DF}">
-                <a14:hiddenLine xmlns="" xmlns:a14="http://schemas.microsoft.com/office/drawing/2010/main" w="9525">
+                <a14:hiddenLine xmlns:a14="http://schemas.microsoft.com/office/drawing/2010/main" xmlns="" w="9525">
                   <a:solidFill>
                     <a:srgbClr val="000000"/>
                   </a:solidFill>
@@ -412,7 +412,7 @@
             </a:ln>
             <a:extLst>
               <a:ext uri="{91240B29-F687-4f45-9708-019B960494DF}">
-                <a14:hiddenLine xmlns="" xmlns:a14="http://schemas.microsoft.com/office/drawing/2010/main" w="9525">
+                <a14:hiddenLine xmlns:a14="http://schemas.microsoft.com/office/drawing/2010/main" xmlns="" w="9525">
                   <a:solidFill>
                     <a:srgbClr val="000000"/>
                   </a:solidFill>
@@ -446,7 +446,7 @@
             </a:ln>
             <a:extLst>
               <a:ext uri="{91240B29-F687-4f45-9708-019B960494DF}">
-                <a14:hiddenLine xmlns="" xmlns:a14="http://schemas.microsoft.com/office/drawing/2010/main" w="9525">
+                <a14:hiddenLine xmlns:a14="http://schemas.microsoft.com/office/drawing/2010/main" xmlns="" w="9525">
                   <a:solidFill>
                     <a:srgbClr val="000000"/>
                   </a:solidFill>
@@ -536,7 +536,7 @@
             </a:ln>
             <a:extLst>
               <a:ext uri="{91240B29-F687-4f45-9708-019B960494DF}">
-                <a14:hiddenLine xmlns="" xmlns:a14="http://schemas.microsoft.com/office/drawing/2010/main" w="9525">
+                <a14:hiddenLine xmlns:a14="http://schemas.microsoft.com/office/drawing/2010/main" xmlns="" w="9525">
                   <a:solidFill>
                     <a:srgbClr val="000000"/>
                   </a:solidFill>
@@ -598,7 +598,7 @@
             </a:ln>
             <a:extLst>
               <a:ext uri="{91240B29-F687-4f45-9708-019B960494DF}">
-                <a14:hiddenLine xmlns="" xmlns:a14="http://schemas.microsoft.com/office/drawing/2010/main" w="9525">
+                <a14:hiddenLine xmlns:a14="http://schemas.microsoft.com/office/drawing/2010/main" xmlns="" w="9525">
                   <a:solidFill>
                     <a:srgbClr val="000000"/>
                   </a:solidFill>
@@ -660,7 +660,7 @@
             </a:ln>
             <a:extLst>
               <a:ext uri="{91240B29-F687-4f45-9708-019B960494DF}">
-                <a14:hiddenLine xmlns="" xmlns:a14="http://schemas.microsoft.com/office/drawing/2010/main" w="9525">
+                <a14:hiddenLine xmlns:a14="http://schemas.microsoft.com/office/drawing/2010/main" xmlns="" w="9525">
                   <a:solidFill>
                     <a:srgbClr val="000000"/>
                   </a:solidFill>
@@ -750,7 +750,7 @@
             </a:ln>
             <a:extLst>
               <a:ext uri="{91240B29-F687-4f45-9708-019B960494DF}">
-                <a14:hiddenLine xmlns="" xmlns:a14="http://schemas.microsoft.com/office/drawing/2010/main" w="9525">
+                <a14:hiddenLine xmlns:a14="http://schemas.microsoft.com/office/drawing/2010/main" xmlns="" w="9525">
                   <a:solidFill>
                     <a:srgbClr val="000000"/>
                   </a:solidFill>
@@ -812,7 +812,7 @@
             </a:ln>
             <a:extLst>
               <a:ext uri="{91240B29-F687-4f45-9708-019B960494DF}">
-                <a14:hiddenLine xmlns="" xmlns:a14="http://schemas.microsoft.com/office/drawing/2010/main" w="9525">
+                <a14:hiddenLine xmlns:a14="http://schemas.microsoft.com/office/drawing/2010/main" xmlns="" w="9525">
                   <a:solidFill>
                     <a:srgbClr val="000000"/>
                   </a:solidFill>
@@ -874,7 +874,7 @@
             </a:ln>
             <a:extLst>
               <a:ext uri="{91240B29-F687-4f45-9708-019B960494DF}">
-                <a14:hiddenLine xmlns="" xmlns:a14="http://schemas.microsoft.com/office/drawing/2010/main" w="9525">
+                <a14:hiddenLine xmlns:a14="http://schemas.microsoft.com/office/drawing/2010/main" xmlns="" w="9525">
                   <a:solidFill>
                     <a:srgbClr val="000000"/>
                   </a:solidFill>
@@ -964,7 +964,7 @@
             </a:ln>
             <a:extLst>
               <a:ext uri="{91240B29-F687-4f45-9708-019B960494DF}">
-                <a14:hiddenLine xmlns="" xmlns:a14="http://schemas.microsoft.com/office/drawing/2010/main" w="9525">
+                <a14:hiddenLine xmlns:a14="http://schemas.microsoft.com/office/drawing/2010/main" xmlns="" w="9525">
                   <a:solidFill>
                     <a:srgbClr val="000000"/>
                   </a:solidFill>
@@ -1054,7 +1054,7 @@
             </a:ln>
             <a:extLst>
               <a:ext uri="{91240B29-F687-4f45-9708-019B960494DF}">
-                <a14:hiddenLine xmlns="" xmlns:a14="http://schemas.microsoft.com/office/drawing/2010/main" w="9525">
+                <a14:hiddenLine xmlns:a14="http://schemas.microsoft.com/office/drawing/2010/main" xmlns="" w="9525">
                   <a:solidFill>
                     <a:srgbClr val="000000"/>
                   </a:solidFill>
@@ -1116,7 +1116,7 @@
             </a:ln>
             <a:extLst>
               <a:ext uri="{91240B29-F687-4f45-9708-019B960494DF}">
-                <a14:hiddenLine xmlns="" xmlns:a14="http://schemas.microsoft.com/office/drawing/2010/main" w="9525">
+                <a14:hiddenLine xmlns:a14="http://schemas.microsoft.com/office/drawing/2010/main" xmlns="" w="9525">
                   <a:solidFill>
                     <a:srgbClr val="000000"/>
                   </a:solidFill>
@@ -1226,7 +1226,7 @@
             </a:ln>
             <a:extLst>
               <a:ext uri="{91240B29-F687-4f45-9708-019B960494DF}">
-                <a14:hiddenLine xmlns="" xmlns:a14="http://schemas.microsoft.com/office/drawing/2010/main" w="9525">
+                <a14:hiddenLine xmlns:a14="http://schemas.microsoft.com/office/drawing/2010/main" xmlns="" w="9525">
                   <a:solidFill>
                     <a:srgbClr val="000000"/>
                   </a:solidFill>
@@ -1288,7 +1288,7 @@
             </a:ln>
             <a:extLst>
               <a:ext uri="{91240B29-F687-4f45-9708-019B960494DF}">
-                <a14:hiddenLine xmlns="" xmlns:a14="http://schemas.microsoft.com/office/drawing/2010/main" w="9525">
+                <a14:hiddenLine xmlns:a14="http://schemas.microsoft.com/office/drawing/2010/main" xmlns="" w="9525">
                   <a:solidFill>
                     <a:srgbClr val="000000"/>
                   </a:solidFill>
@@ -1378,7 +1378,7 @@
             </a:ln>
             <a:extLst>
               <a:ext uri="{91240B29-F687-4f45-9708-019B960494DF}">
-                <a14:hiddenLine xmlns="" xmlns:a14="http://schemas.microsoft.com/office/drawing/2010/main" w="9525">
+                <a14:hiddenLine xmlns:a14="http://schemas.microsoft.com/office/drawing/2010/main" xmlns="" w="9525">
                   <a:solidFill>
                     <a:srgbClr val="000000"/>
                   </a:solidFill>
@@ -1468,7 +1468,7 @@
             </a:ln>
             <a:extLst>
               <a:ext uri="{91240B29-F687-4f45-9708-019B960494DF}">
-                <a14:hiddenLine xmlns="" xmlns:a14="http://schemas.microsoft.com/office/drawing/2010/main" w="9525">
+                <a14:hiddenLine xmlns:a14="http://schemas.microsoft.com/office/drawing/2010/main" xmlns="" w="9525">
                   <a:solidFill>
                     <a:srgbClr val="000000"/>
                   </a:solidFill>
@@ -1530,7 +1530,7 @@
             </a:ln>
             <a:extLst>
               <a:ext uri="{91240B29-F687-4f45-9708-019B960494DF}">
-                <a14:hiddenLine xmlns="" xmlns:a14="http://schemas.microsoft.com/office/drawing/2010/main" w="9525">
+                <a14:hiddenLine xmlns:a14="http://schemas.microsoft.com/office/drawing/2010/main" xmlns="" w="9525">
                   <a:solidFill>
                     <a:srgbClr val="000000"/>
                   </a:solidFill>
@@ -1620,7 +1620,7 @@
             </a:ln>
             <a:extLst>
               <a:ext uri="{91240B29-F687-4f45-9708-019B960494DF}">
-                <a14:hiddenLine xmlns="" xmlns:a14="http://schemas.microsoft.com/office/drawing/2010/main" w="9525">
+                <a14:hiddenLine xmlns:a14="http://schemas.microsoft.com/office/drawing/2010/main" xmlns="" w="9525">
                   <a:solidFill>
                     <a:srgbClr val="000000"/>
                   </a:solidFill>
@@ -1710,7 +1710,7 @@
             </a:ln>
             <a:extLst>
               <a:ext uri="{91240B29-F687-4f45-9708-019B960494DF}">
-                <a14:hiddenLine xmlns="" xmlns:a14="http://schemas.microsoft.com/office/drawing/2010/main" w="9525">
+                <a14:hiddenLine xmlns:a14="http://schemas.microsoft.com/office/drawing/2010/main" xmlns="" w="9525">
                   <a:solidFill>
                     <a:srgbClr val="000000"/>
                   </a:solidFill>
@@ -1766,7 +1766,7 @@
             </a:ln>
             <a:extLst>
               <a:ext uri="{91240B29-F687-4f45-9708-019B960494DF}">
-                <a14:hiddenLine xmlns="" xmlns:a14="http://schemas.microsoft.com/office/drawing/2010/main" w="9525">
+                <a14:hiddenLine xmlns:a14="http://schemas.microsoft.com/office/drawing/2010/main" xmlns="" w="9525">
                   <a:solidFill>
                     <a:srgbClr val="000000"/>
                   </a:solidFill>
@@ -1856,7 +1856,7 @@
             </a:ln>
             <a:extLst>
               <a:ext uri="{91240B29-F687-4f45-9708-019B960494DF}">
-                <a14:hiddenLine xmlns="" xmlns:a14="http://schemas.microsoft.com/office/drawing/2010/main" w="9525">
+                <a14:hiddenLine xmlns:a14="http://schemas.microsoft.com/office/drawing/2010/main" xmlns="" w="9525">
                   <a:solidFill>
                     <a:srgbClr val="000000"/>
                   </a:solidFill>
@@ -1912,7 +1912,7 @@
             </a:ln>
             <a:extLst>
               <a:ext uri="{91240B29-F687-4f45-9708-019B960494DF}">
-                <a14:hiddenLine xmlns="" xmlns:a14="http://schemas.microsoft.com/office/drawing/2010/main" w="9525">
+                <a14:hiddenLine xmlns:a14="http://schemas.microsoft.com/office/drawing/2010/main" xmlns="" w="9525">
                   <a:solidFill>
                     <a:srgbClr val="000000"/>
                   </a:solidFill>
@@ -2002,7 +2002,7 @@
             </a:ln>
             <a:extLst>
               <a:ext uri="{91240B29-F687-4f45-9708-019B960494DF}">
-                <a14:hiddenLine xmlns="" xmlns:a14="http://schemas.microsoft.com/office/drawing/2010/main" w="9525">
+                <a14:hiddenLine xmlns:a14="http://schemas.microsoft.com/office/drawing/2010/main" xmlns="" w="9525">
                   <a:solidFill>
                     <a:srgbClr val="000000"/>
                   </a:solidFill>
@@ -2070,7 +2070,7 @@
             </a:ln>
             <a:extLst>
               <a:ext uri="{91240B29-F687-4f45-9708-019B960494DF}">
-                <a14:hiddenLine xmlns="" xmlns:a14="http://schemas.microsoft.com/office/drawing/2010/main" w="9525">
+                <a14:hiddenLine xmlns:a14="http://schemas.microsoft.com/office/drawing/2010/main" xmlns="" w="9525">
                   <a:solidFill>
                     <a:srgbClr val="000000"/>
                   </a:solidFill>
@@ -2160,7 +2160,7 @@
             </a:ln>
             <a:extLst>
               <a:ext uri="{91240B29-F687-4f45-9708-019B960494DF}">
-                <a14:hiddenLine xmlns="" xmlns:a14="http://schemas.microsoft.com/office/drawing/2010/main" w="9525">
+                <a14:hiddenLine xmlns:a14="http://schemas.microsoft.com/office/drawing/2010/main" xmlns="" w="9525">
                   <a:solidFill>
                     <a:srgbClr val="000000"/>
                   </a:solidFill>
@@ -2228,7 +2228,7 @@
             </a:ln>
             <a:extLst>
               <a:ext uri="{91240B29-F687-4f45-9708-019B960494DF}">
-                <a14:hiddenLine xmlns="" xmlns:a14="http://schemas.microsoft.com/office/drawing/2010/main" w="9525">
+                <a14:hiddenLine xmlns:a14="http://schemas.microsoft.com/office/drawing/2010/main" xmlns="" w="9525">
                   <a:solidFill>
                     <a:srgbClr val="000000"/>
                   </a:solidFill>
@@ -2318,7 +2318,7 @@
             </a:ln>
             <a:extLst>
               <a:ext uri="{91240B29-F687-4f45-9708-019B960494DF}">
-                <a14:hiddenLine xmlns="" xmlns:a14="http://schemas.microsoft.com/office/drawing/2010/main" w="9525">
+                <a14:hiddenLine xmlns:a14="http://schemas.microsoft.com/office/drawing/2010/main" xmlns="" w="9525">
                   <a:solidFill>
                     <a:srgbClr val="000000"/>
                   </a:solidFill>
@@ -2352,7 +2352,7 @@
             </a:ln>
             <a:extLst>
               <a:ext uri="{91240B29-F687-4f45-9708-019B960494DF}">
-                <a14:hiddenLine xmlns="" xmlns:a14="http://schemas.microsoft.com/office/drawing/2010/main" w="9525">
+                <a14:hiddenLine xmlns:a14="http://schemas.microsoft.com/office/drawing/2010/main" xmlns="" w="9525">
                   <a:solidFill>
                     <a:srgbClr val="000000"/>
                   </a:solidFill>
@@ -2442,7 +2442,7 @@
             </a:ln>
             <a:extLst>
               <a:ext uri="{91240B29-F687-4f45-9708-019B960494DF}">
-                <a14:hiddenLine xmlns="" xmlns:a14="http://schemas.microsoft.com/office/drawing/2010/main" w="9525">
+                <a14:hiddenLine xmlns:a14="http://schemas.microsoft.com/office/drawing/2010/main" xmlns="" w="9525">
                   <a:solidFill>
                     <a:srgbClr val="000000"/>
                   </a:solidFill>
@@ -2504,7 +2504,7 @@
             </a:ln>
             <a:extLst>
               <a:ext uri="{91240B29-F687-4f45-9708-019B960494DF}">
-                <a14:hiddenLine xmlns="" xmlns:a14="http://schemas.microsoft.com/office/drawing/2010/main" w="9525">
+                <a14:hiddenLine xmlns:a14="http://schemas.microsoft.com/office/drawing/2010/main" xmlns="" w="9525">
                   <a:solidFill>
                     <a:srgbClr val="000000"/>
                   </a:solidFill>
@@ -2566,7 +2566,7 @@
             </a:ln>
             <a:extLst>
               <a:ext uri="{91240B29-F687-4f45-9708-019B960494DF}">
-                <a14:hiddenLine xmlns="" xmlns:a14="http://schemas.microsoft.com/office/drawing/2010/main" w="9525">
+                <a14:hiddenLine xmlns:a14="http://schemas.microsoft.com/office/drawing/2010/main" xmlns="" w="9525">
                   <a:solidFill>
                     <a:srgbClr val="000000"/>
                   </a:solidFill>
@@ -2656,7 +2656,7 @@
             </a:ln>
             <a:extLst>
               <a:ext uri="{91240B29-F687-4f45-9708-019B960494DF}">
-                <a14:hiddenLine xmlns="" xmlns:a14="http://schemas.microsoft.com/office/drawing/2010/main" w="9525">
+                <a14:hiddenLine xmlns:a14="http://schemas.microsoft.com/office/drawing/2010/main" xmlns="" w="9525">
                   <a:solidFill>
                     <a:srgbClr val="000000"/>
                   </a:solidFill>
@@ -2724,7 +2724,7 @@
             </a:ln>
             <a:extLst>
               <a:ext uri="{91240B29-F687-4f45-9708-019B960494DF}">
-                <a14:hiddenLine xmlns="" xmlns:a14="http://schemas.microsoft.com/office/drawing/2010/main" w="9525">
+                <a14:hiddenLine xmlns:a14="http://schemas.microsoft.com/office/drawing/2010/main" xmlns="" w="9525">
                   <a:solidFill>
                     <a:srgbClr val="000000"/>
                   </a:solidFill>
@@ -2786,7 +2786,7 @@
             </a:ln>
             <a:extLst>
               <a:ext uri="{91240B29-F687-4f45-9708-019B960494DF}">
-                <a14:hiddenLine xmlns="" xmlns:a14="http://schemas.microsoft.com/office/drawing/2010/main" w="9525">
+                <a14:hiddenLine xmlns:a14="http://schemas.microsoft.com/office/drawing/2010/main" xmlns="" w="9525">
                   <a:solidFill>
                     <a:srgbClr val="000000"/>
                   </a:solidFill>
@@ -2876,7 +2876,7 @@
             </a:ln>
             <a:extLst>
               <a:ext uri="{91240B29-F687-4f45-9708-019B960494DF}">
-                <a14:hiddenLine xmlns="" xmlns:a14="http://schemas.microsoft.com/office/drawing/2010/main" w="9525">
+                <a14:hiddenLine xmlns:a14="http://schemas.microsoft.com/office/drawing/2010/main" xmlns="" w="9525">
                   <a:solidFill>
                     <a:srgbClr val="000000"/>
                   </a:solidFill>
@@ -2938,7 +2938,7 @@
             </a:ln>
             <a:extLst>
               <a:ext uri="{91240B29-F687-4f45-9708-019B960494DF}">
-                <a14:hiddenLine xmlns="" xmlns:a14="http://schemas.microsoft.com/office/drawing/2010/main" w="9525">
+                <a14:hiddenLine xmlns:a14="http://schemas.microsoft.com/office/drawing/2010/main" xmlns="" w="9525">
                   <a:solidFill>
                     <a:srgbClr val="000000"/>
                   </a:solidFill>
@@ -3028,7 +3028,7 @@
             </a:ln>
             <a:extLst>
               <a:ext uri="{91240B29-F687-4f45-9708-019B960494DF}">
-                <a14:hiddenLine xmlns="" xmlns:a14="http://schemas.microsoft.com/office/drawing/2010/main" w="9525">
+                <a14:hiddenLine xmlns:a14="http://schemas.microsoft.com/office/drawing/2010/main" xmlns="" w="9525">
                   <a:solidFill>
                     <a:srgbClr val="000000"/>
                   </a:solidFill>
@@ -3090,7 +3090,7 @@
             </a:ln>
             <a:extLst>
               <a:ext uri="{91240B29-F687-4f45-9708-019B960494DF}">
-                <a14:hiddenLine xmlns="" xmlns:a14="http://schemas.microsoft.com/office/drawing/2010/main" w="9525">
+                <a14:hiddenLine xmlns:a14="http://schemas.microsoft.com/office/drawing/2010/main" xmlns="" w="9525">
                   <a:solidFill>
                     <a:srgbClr val="000000"/>
                   </a:solidFill>
@@ -3180,7 +3180,7 @@
             </a:ln>
             <a:extLst>
               <a:ext uri="{91240B29-F687-4f45-9708-019B960494DF}">
-                <a14:hiddenLine xmlns="" xmlns:a14="http://schemas.microsoft.com/office/drawing/2010/main" w="9525">
+                <a14:hiddenLine xmlns:a14="http://schemas.microsoft.com/office/drawing/2010/main" xmlns="" w="9525">
                   <a:solidFill>
                     <a:srgbClr val="000000"/>
                   </a:solidFill>
@@ -3214,7 +3214,7 @@
             </a:ln>
             <a:extLst>
               <a:ext uri="{91240B29-F687-4f45-9708-019B960494DF}">
-                <a14:hiddenLine xmlns="" xmlns:a14="http://schemas.microsoft.com/office/drawing/2010/main" w="9525">
+                <a14:hiddenLine xmlns:a14="http://schemas.microsoft.com/office/drawing/2010/main" xmlns="" w="9525">
                   <a:solidFill>
                     <a:srgbClr val="000000"/>
                   </a:solidFill>
@@ -3279,7 +3279,7 @@
             </a:ln>
             <a:extLst>
               <a:ext uri="{91240B29-F687-4f45-9708-019B960494DF}">
-                <a14:hiddenLine xmlns="" xmlns:a14="http://schemas.microsoft.com/office/drawing/2010/main" w="9525">
+                <a14:hiddenLine xmlns:a14="http://schemas.microsoft.com/office/drawing/2010/main" xmlns="" w="9525">
                   <a:solidFill>
                     <a:srgbClr val="000000"/>
                   </a:solidFill>
@@ -3369,7 +3369,7 @@
             </a:ln>
             <a:extLst>
               <a:ext uri="{91240B29-F687-4f45-9708-019B960494DF}">
-                <a14:hiddenLine xmlns="" xmlns:a14="http://schemas.microsoft.com/office/drawing/2010/main" w="9525">
+                <a14:hiddenLine xmlns:a14="http://schemas.microsoft.com/office/drawing/2010/main" xmlns="" w="9525">
                   <a:solidFill>
                     <a:srgbClr val="000000"/>
                   </a:solidFill>
@@ -3431,7 +3431,7 @@
             </a:ln>
             <a:extLst>
               <a:ext uri="{91240B29-F687-4f45-9708-019B960494DF}">
-                <a14:hiddenLine xmlns="" xmlns:a14="http://schemas.microsoft.com/office/drawing/2010/main" w="9525">
+                <a14:hiddenLine xmlns:a14="http://schemas.microsoft.com/office/drawing/2010/main" xmlns="" w="9525">
                   <a:solidFill>
                     <a:srgbClr val="000000"/>
                   </a:solidFill>
@@ -3521,7 +3521,7 @@
             </a:ln>
             <a:extLst>
               <a:ext uri="{91240B29-F687-4f45-9708-019B960494DF}">
-                <a14:hiddenLine xmlns="" xmlns:a14="http://schemas.microsoft.com/office/drawing/2010/main" w="9525">
+                <a14:hiddenLine xmlns:a14="http://schemas.microsoft.com/office/drawing/2010/main" xmlns="" w="9525">
                   <a:solidFill>
                     <a:srgbClr val="000000"/>
                   </a:solidFill>
@@ -3611,7 +3611,7 @@
             </a:ln>
             <a:extLst>
               <a:ext uri="{91240B29-F687-4f45-9708-019B960494DF}">
-                <a14:hiddenLine xmlns="" xmlns:a14="http://schemas.microsoft.com/office/drawing/2010/main" w="9525">
+                <a14:hiddenLine xmlns:a14="http://schemas.microsoft.com/office/drawing/2010/main" xmlns="" w="9525">
                   <a:solidFill>
                     <a:srgbClr val="000000"/>
                   </a:solidFill>
@@ -3676,7 +3676,7 @@
             </a:ln>
             <a:extLst>
               <a:ext uri="{91240B29-F687-4f45-9708-019B960494DF}">
-                <a14:hiddenLine xmlns="" xmlns:a14="http://schemas.microsoft.com/office/drawing/2010/main" w="9525">
+                <a14:hiddenLine xmlns:a14="http://schemas.microsoft.com/office/drawing/2010/main" xmlns="" w="9525">
                   <a:solidFill>
                     <a:srgbClr val="000000"/>
                   </a:solidFill>
@@ -3738,7 +3738,7 @@
             </a:ln>
             <a:extLst>
               <a:ext uri="{91240B29-F687-4f45-9708-019B960494DF}">
-                <a14:hiddenLine xmlns="" xmlns:a14="http://schemas.microsoft.com/office/drawing/2010/main" w="9525">
+                <a14:hiddenLine xmlns:a14="http://schemas.microsoft.com/office/drawing/2010/main" xmlns="" w="9525">
                   <a:solidFill>
                     <a:srgbClr val="000000"/>
                   </a:solidFill>
@@ -3828,7 +3828,7 @@
             </a:ln>
             <a:extLst>
               <a:ext uri="{91240B29-F687-4f45-9708-019B960494DF}">
-                <a14:hiddenLine xmlns="" xmlns:a14="http://schemas.microsoft.com/office/drawing/2010/main" w="9525">
+                <a14:hiddenLine xmlns:a14="http://schemas.microsoft.com/office/drawing/2010/main" xmlns="" w="9525">
                   <a:solidFill>
                     <a:srgbClr val="000000"/>
                   </a:solidFill>
@@ -3918,7 +3918,7 @@
             </a:ln>
             <a:extLst>
               <a:ext uri="{91240B29-F687-4f45-9708-019B960494DF}">
-                <a14:hiddenLine xmlns="" xmlns:a14="http://schemas.microsoft.com/office/drawing/2010/main" w="9525">
+                <a14:hiddenLine xmlns:a14="http://schemas.microsoft.com/office/drawing/2010/main" xmlns="" w="9525">
                   <a:solidFill>
                     <a:srgbClr val="000000"/>
                   </a:solidFill>
@@ -3980,7 +3980,7 @@
             </a:ln>
             <a:extLst>
               <a:ext uri="{91240B29-F687-4f45-9708-019B960494DF}">
-                <a14:hiddenLine xmlns="" xmlns:a14="http://schemas.microsoft.com/office/drawing/2010/main" w="9525">
+                <a14:hiddenLine xmlns:a14="http://schemas.microsoft.com/office/drawing/2010/main" xmlns="" w="9525">
                   <a:solidFill>
                     <a:srgbClr val="000000"/>
                   </a:solidFill>
@@ -4100,7 +4100,7 @@
             </a:ln>
             <a:extLst>
               <a:ext uri="{91240B29-F687-4f45-9708-019B960494DF}">
-                <a14:hiddenLine xmlns="" xmlns:a14="http://schemas.microsoft.com/office/drawing/2010/main" w="9525">
+                <a14:hiddenLine xmlns:a14="http://schemas.microsoft.com/office/drawing/2010/main" xmlns="" w="9525">
                   <a:solidFill>
                     <a:srgbClr val="000000"/>
                   </a:solidFill>
@@ -4168,7 +4168,7 @@
             </a:ln>
             <a:extLst>
               <a:ext uri="{91240B29-F687-4f45-9708-019B960494DF}">
-                <a14:hiddenLine xmlns="" xmlns:a14="http://schemas.microsoft.com/office/drawing/2010/main" w="9525">
+                <a14:hiddenLine xmlns:a14="http://schemas.microsoft.com/office/drawing/2010/main" xmlns="" w="9525">
                   <a:solidFill>
                     <a:srgbClr val="000000"/>
                   </a:solidFill>
@@ -4258,7 +4258,7 @@
             </a:ln>
             <a:extLst>
               <a:ext uri="{91240B29-F687-4f45-9708-019B960494DF}">
-                <a14:hiddenLine xmlns="" xmlns:a14="http://schemas.microsoft.com/office/drawing/2010/main" w="9525">
+                <a14:hiddenLine xmlns:a14="http://schemas.microsoft.com/office/drawing/2010/main" xmlns="" w="9525">
                   <a:solidFill>
                     <a:srgbClr val="000000"/>
                   </a:solidFill>
@@ -4398,7 +4398,7 @@
           <a:p>
             <a:fld id="{48A87A34-81AB-432B-8DAE-1953F412C126}" type="datetimeFigureOut">
               <a:rPr lang="en-US" dirty="0"/>
-              <a:t>6/18/2018</a:t>
+              <a:t>6/20/2018</a:t>
             </a:fld>
             <a:endParaRPr lang="en-US" dirty="0"/>
           </a:p>
@@ -4660,7 +4660,7 @@
           <a:p>
             <a:fld id="{48A87A34-81AB-432B-8DAE-1953F412C126}" type="datetimeFigureOut">
               <a:rPr lang="en-US" dirty="0"/>
-              <a:t>6/18/2018</a:t>
+              <a:t>6/20/2018</a:t>
             </a:fld>
             <a:endParaRPr lang="en-US" dirty="0"/>
           </a:p>
@@ -4851,7 +4851,7 @@
           <a:p>
             <a:fld id="{48A87A34-81AB-432B-8DAE-1953F412C126}" type="datetimeFigureOut">
               <a:rPr lang="en-US" dirty="0"/>
-              <a:t>6/18/2018</a:t>
+              <a:t>6/20/2018</a:t>
             </a:fld>
             <a:endParaRPr lang="en-US" dirty="0"/>
           </a:p>
@@ -5109,7 +5109,7 @@
           <a:p>
             <a:fld id="{48A87A34-81AB-432B-8DAE-1953F412C126}" type="datetimeFigureOut">
               <a:rPr lang="en-US" dirty="0"/>
-              <a:t>6/18/2018</a:t>
+              <a:t>6/20/2018</a:t>
             </a:fld>
             <a:endParaRPr lang="en-US" dirty="0"/>
           </a:p>
@@ -5538,7 +5538,7 @@
           <a:p>
             <a:fld id="{48A87A34-81AB-432B-8DAE-1953F412C126}" type="datetimeFigureOut">
               <a:rPr lang="en-US" dirty="0"/>
-              <a:t>6/18/2018</a:t>
+              <a:t>6/20/2018</a:t>
             </a:fld>
             <a:endParaRPr lang="en-US" dirty="0"/>
           </a:p>
@@ -6079,7 +6079,7 @@
           <a:p>
             <a:fld id="{48A87A34-81AB-432B-8DAE-1953F412C126}" type="datetimeFigureOut">
               <a:rPr lang="en-US" dirty="0"/>
-              <a:t>6/18/2018</a:t>
+              <a:t>6/20/2018</a:t>
             </a:fld>
             <a:endParaRPr lang="en-US" dirty="0"/>
           </a:p>
@@ -6794,7 +6794,7 @@
           <a:p>
             <a:fld id="{48A87A34-81AB-432B-8DAE-1953F412C126}" type="datetimeFigureOut">
               <a:rPr lang="en-US" dirty="0"/>
-              <a:t>6/18/2018</a:t>
+              <a:t>6/20/2018</a:t>
             </a:fld>
             <a:endParaRPr lang="en-US" dirty="0"/>
           </a:p>
@@ -6959,7 +6959,7 @@
           <a:p>
             <a:fld id="{48A87A34-81AB-432B-8DAE-1953F412C126}" type="datetimeFigureOut">
               <a:rPr lang="en-US" dirty="0"/>
-              <a:t>6/18/2018</a:t>
+              <a:t>6/20/2018</a:t>
             </a:fld>
             <a:endParaRPr lang="en-US" dirty="0"/>
           </a:p>
@@ -7134,7 +7134,7 @@
           <a:p>
             <a:fld id="{48A87A34-81AB-432B-8DAE-1953F412C126}" type="datetimeFigureOut">
               <a:rPr lang="en-US" dirty="0"/>
-              <a:t>6/18/2018</a:t>
+              <a:t>6/20/2018</a:t>
             </a:fld>
             <a:endParaRPr lang="en-US" dirty="0"/>
           </a:p>
@@ -7299,7 +7299,7 @@
           <a:p>
             <a:fld id="{48A87A34-81AB-432B-8DAE-1953F412C126}" type="datetimeFigureOut">
               <a:rPr lang="en-US" dirty="0"/>
-              <a:t>6/18/2018</a:t>
+              <a:t>6/20/2018</a:t>
             </a:fld>
             <a:endParaRPr lang="en-US" dirty="0"/>
           </a:p>
@@ -7544,7 +7544,7 @@
           <a:p>
             <a:fld id="{48A87A34-81AB-432B-8DAE-1953F412C126}" type="datetimeFigureOut">
               <a:rPr lang="en-US" dirty="0"/>
-              <a:t>6/18/2018</a:t>
+              <a:t>6/20/2018</a:t>
             </a:fld>
             <a:endParaRPr lang="en-US" dirty="0"/>
           </a:p>
@@ -7771,7 +7771,7 @@
           <a:p>
             <a:fld id="{48A87A34-81AB-432B-8DAE-1953F412C126}" type="datetimeFigureOut">
               <a:rPr lang="en-US" dirty="0"/>
-              <a:t>6/18/2018</a:t>
+              <a:t>6/20/2018</a:t>
             </a:fld>
             <a:endParaRPr lang="en-US" dirty="0"/>
           </a:p>
@@ -8147,7 +8147,7 @@
           <a:p>
             <a:fld id="{48A87A34-81AB-432B-8DAE-1953F412C126}" type="datetimeFigureOut">
               <a:rPr lang="en-US" dirty="0"/>
-              <a:t>6/18/2018</a:t>
+              <a:t>6/20/2018</a:t>
             </a:fld>
             <a:endParaRPr lang="en-US" dirty="0"/>
           </a:p>
@@ -8260,7 +8260,7 @@
           <a:p>
             <a:fld id="{48A87A34-81AB-432B-8DAE-1953F412C126}" type="datetimeFigureOut">
               <a:rPr lang="en-US" dirty="0"/>
-              <a:t>6/18/2018</a:t>
+              <a:t>6/20/2018</a:t>
             </a:fld>
             <a:endParaRPr lang="en-US" dirty="0"/>
           </a:p>
@@ -8350,7 +8350,7 @@
           <a:p>
             <a:fld id="{48A87A34-81AB-432B-8DAE-1953F412C126}" type="datetimeFigureOut">
               <a:rPr lang="en-US" dirty="0"/>
-              <a:t>6/18/2018</a:t>
+              <a:t>6/20/2018</a:t>
             </a:fld>
             <a:endParaRPr lang="en-US" dirty="0"/>
           </a:p>
@@ -8594,7 +8594,7 @@
           <a:p>
             <a:fld id="{48A87A34-81AB-432B-8DAE-1953F412C126}" type="datetimeFigureOut">
               <a:rPr lang="en-US" dirty="0"/>
-              <a:t>6/18/2018</a:t>
+              <a:t>6/20/2018</a:t>
             </a:fld>
             <a:endParaRPr lang="en-US" dirty="0"/>
           </a:p>
@@ -8869,7 +8869,7 @@
           <a:p>
             <a:fld id="{48A87A34-81AB-432B-8DAE-1953F412C126}" type="datetimeFigureOut">
               <a:rPr lang="en-US" dirty="0"/>
-              <a:t>6/18/2018</a:t>
+              <a:t>6/20/2018</a:t>
             </a:fld>
             <a:endParaRPr lang="en-US" dirty="0"/>
           </a:p>
@@ -8980,7 +8980,7 @@
           <a:noFill/>
           <a:extLst>
             <a:ext uri="{909E8E84-426E-40dd-AFC4-6F175D3DCCD1}">
-              <a14:hiddenFill xmlns="" xmlns:a14="http://schemas.microsoft.com/office/drawing/2010/main">
+              <a14:hiddenFill xmlns:a14="http://schemas.microsoft.com/office/drawing/2010/main" xmlns="">
                 <a:solidFill>
                   <a:srgbClr val="FFFFFF"/>
                 </a:solidFill>
@@ -9054,7 +9054,7 @@
               </a:ln>
               <a:extLst>
                 <a:ext uri="{91240B29-F687-4f45-9708-019B960494DF}">
-                  <a14:hiddenLine xmlns="" xmlns:a14="http://schemas.microsoft.com/office/drawing/2010/main" w="9525">
+                  <a14:hiddenLine xmlns:a14="http://schemas.microsoft.com/office/drawing/2010/main" xmlns="" w="9525">
                     <a:solidFill>
                       <a:srgbClr val="000000"/>
                     </a:solidFill>
@@ -9144,7 +9144,7 @@
               </a:ln>
               <a:extLst>
                 <a:ext uri="{91240B29-F687-4f45-9708-019B960494DF}">
-                  <a14:hiddenLine xmlns="" xmlns:a14="http://schemas.microsoft.com/office/drawing/2010/main" w="9525">
+                  <a14:hiddenLine xmlns:a14="http://schemas.microsoft.com/office/drawing/2010/main" xmlns="" w="9525">
                     <a:solidFill>
                       <a:srgbClr val="000000"/>
                     </a:solidFill>
@@ -9234,7 +9234,7 @@
               </a:ln>
               <a:extLst>
                 <a:ext uri="{91240B29-F687-4f45-9708-019B960494DF}">
-                  <a14:hiddenLine xmlns="" xmlns:a14="http://schemas.microsoft.com/office/drawing/2010/main" w="9525">
+                  <a14:hiddenLine xmlns:a14="http://schemas.microsoft.com/office/drawing/2010/main" xmlns="" w="9525">
                     <a:solidFill>
                       <a:srgbClr val="000000"/>
                     </a:solidFill>
@@ -9296,7 +9296,7 @@
               </a:ln>
               <a:extLst>
                 <a:ext uri="{91240B29-F687-4f45-9708-019B960494DF}">
-                  <a14:hiddenLine xmlns="" xmlns:a14="http://schemas.microsoft.com/office/drawing/2010/main" w="9525">
+                  <a14:hiddenLine xmlns:a14="http://schemas.microsoft.com/office/drawing/2010/main" xmlns="" w="9525">
                     <a:solidFill>
                       <a:srgbClr val="000000"/>
                     </a:solidFill>
@@ -9386,7 +9386,7 @@
               </a:ln>
               <a:extLst>
                 <a:ext uri="{91240B29-F687-4f45-9708-019B960494DF}">
-                  <a14:hiddenLine xmlns="" xmlns:a14="http://schemas.microsoft.com/office/drawing/2010/main" w="9525">
+                  <a14:hiddenLine xmlns:a14="http://schemas.microsoft.com/office/drawing/2010/main" xmlns="" w="9525">
                     <a:solidFill>
                       <a:srgbClr val="000000"/>
                     </a:solidFill>
@@ -9448,7 +9448,7 @@
               </a:ln>
               <a:extLst>
                 <a:ext uri="{91240B29-F687-4f45-9708-019B960494DF}">
-                  <a14:hiddenLine xmlns="" xmlns:a14="http://schemas.microsoft.com/office/drawing/2010/main" w="9525">
+                  <a14:hiddenLine xmlns:a14="http://schemas.microsoft.com/office/drawing/2010/main" xmlns="" w="9525">
                     <a:solidFill>
                       <a:srgbClr val="000000"/>
                     </a:solidFill>
@@ -9510,7 +9510,7 @@
               </a:ln>
               <a:extLst>
                 <a:ext uri="{91240B29-F687-4f45-9708-019B960494DF}">
-                  <a14:hiddenLine xmlns="" xmlns:a14="http://schemas.microsoft.com/office/drawing/2010/main" w="9525">
+                  <a14:hiddenLine xmlns:a14="http://schemas.microsoft.com/office/drawing/2010/main" xmlns="" w="9525">
                     <a:solidFill>
                       <a:srgbClr val="000000"/>
                     </a:solidFill>
@@ -9600,7 +9600,7 @@
               </a:ln>
               <a:extLst>
                 <a:ext uri="{91240B29-F687-4f45-9708-019B960494DF}">
-                  <a14:hiddenLine xmlns="" xmlns:a14="http://schemas.microsoft.com/office/drawing/2010/main" w="9525">
+                  <a14:hiddenLine xmlns:a14="http://schemas.microsoft.com/office/drawing/2010/main" xmlns="" w="9525">
                     <a:solidFill>
                       <a:srgbClr val="000000"/>
                     </a:solidFill>
@@ -9690,7 +9690,7 @@
               </a:ln>
               <a:extLst>
                 <a:ext uri="{91240B29-F687-4f45-9708-019B960494DF}">
-                  <a14:hiddenLine xmlns="" xmlns:a14="http://schemas.microsoft.com/office/drawing/2010/main" w="9525">
+                  <a14:hiddenLine xmlns:a14="http://schemas.microsoft.com/office/drawing/2010/main" xmlns="" w="9525">
                     <a:solidFill>
                       <a:srgbClr val="000000"/>
                     </a:solidFill>
@@ -9752,7 +9752,7 @@
               </a:ln>
               <a:extLst>
                 <a:ext uri="{91240B29-F687-4f45-9708-019B960494DF}">
-                  <a14:hiddenLine xmlns="" xmlns:a14="http://schemas.microsoft.com/office/drawing/2010/main" w="9525">
+                  <a14:hiddenLine xmlns:a14="http://schemas.microsoft.com/office/drawing/2010/main" xmlns="" w="9525">
                     <a:solidFill>
                       <a:srgbClr val="000000"/>
                     </a:solidFill>
@@ -9862,7 +9862,7 @@
               </a:ln>
               <a:extLst>
                 <a:ext uri="{91240B29-F687-4f45-9708-019B960494DF}">
-                  <a14:hiddenLine xmlns="" xmlns:a14="http://schemas.microsoft.com/office/drawing/2010/main" w="9525">
+                  <a14:hiddenLine xmlns:a14="http://schemas.microsoft.com/office/drawing/2010/main" xmlns="" w="9525">
                     <a:solidFill>
                       <a:srgbClr val="000000"/>
                     </a:solidFill>
@@ -9946,7 +9946,7 @@
               </a:ln>
               <a:extLst>
                 <a:ext uri="{91240B29-F687-4f45-9708-019B960494DF}">
-                  <a14:hiddenLine xmlns="" xmlns:a14="http://schemas.microsoft.com/office/drawing/2010/main" w="9525">
+                  <a14:hiddenLine xmlns:a14="http://schemas.microsoft.com/office/drawing/2010/main" xmlns="" w="9525">
                     <a:solidFill>
                       <a:srgbClr val="000000"/>
                     </a:solidFill>
@@ -10008,7 +10008,7 @@
               </a:ln>
               <a:extLst>
                 <a:ext uri="{91240B29-F687-4f45-9708-019B960494DF}">
-                  <a14:hiddenLine xmlns="" xmlns:a14="http://schemas.microsoft.com/office/drawing/2010/main" w="9525">
+                  <a14:hiddenLine xmlns:a14="http://schemas.microsoft.com/office/drawing/2010/main" xmlns="" w="9525">
                     <a:solidFill>
                       <a:srgbClr val="000000"/>
                     </a:solidFill>
@@ -10070,7 +10070,7 @@
               </a:ln>
               <a:extLst>
                 <a:ext uri="{91240B29-F687-4f45-9708-019B960494DF}">
-                  <a14:hiddenLine xmlns="" xmlns:a14="http://schemas.microsoft.com/office/drawing/2010/main" w="9525">
+                  <a14:hiddenLine xmlns:a14="http://schemas.microsoft.com/office/drawing/2010/main" xmlns="" w="9525">
                     <a:solidFill>
                       <a:srgbClr val="000000"/>
                     </a:solidFill>
@@ -10160,7 +10160,7 @@
               </a:ln>
               <a:extLst>
                 <a:ext uri="{91240B29-F687-4f45-9708-019B960494DF}">
-                  <a14:hiddenLine xmlns="" xmlns:a14="http://schemas.microsoft.com/office/drawing/2010/main" w="9525">
+                  <a14:hiddenLine xmlns:a14="http://schemas.microsoft.com/office/drawing/2010/main" xmlns="" w="9525">
                     <a:solidFill>
                       <a:srgbClr val="000000"/>
                     </a:solidFill>
@@ -10194,7 +10194,7 @@
               </a:ln>
               <a:extLst>
                 <a:ext uri="{91240B29-F687-4f45-9708-019B960494DF}">
-                  <a14:hiddenLine xmlns="" xmlns:a14="http://schemas.microsoft.com/office/drawing/2010/main" w="9525">
+                  <a14:hiddenLine xmlns:a14="http://schemas.microsoft.com/office/drawing/2010/main" xmlns="" w="9525">
                     <a:solidFill>
                       <a:srgbClr val="000000"/>
                     </a:solidFill>
@@ -10259,7 +10259,7 @@
               </a:ln>
               <a:extLst>
                 <a:ext uri="{91240B29-F687-4f45-9708-019B960494DF}">
-                  <a14:hiddenLine xmlns="" xmlns:a14="http://schemas.microsoft.com/office/drawing/2010/main" w="9525">
+                  <a14:hiddenLine xmlns:a14="http://schemas.microsoft.com/office/drawing/2010/main" xmlns="" w="9525">
                     <a:solidFill>
                       <a:srgbClr val="000000"/>
                     </a:solidFill>
@@ -10349,7 +10349,7 @@
               </a:ln>
               <a:extLst>
                 <a:ext uri="{91240B29-F687-4f45-9708-019B960494DF}">
-                  <a14:hiddenLine xmlns="" xmlns:a14="http://schemas.microsoft.com/office/drawing/2010/main" w="9525">
+                  <a14:hiddenLine xmlns:a14="http://schemas.microsoft.com/office/drawing/2010/main" xmlns="" w="9525">
                     <a:solidFill>
                       <a:srgbClr val="000000"/>
                     </a:solidFill>
@@ -10411,7 +10411,7 @@
               </a:ln>
               <a:extLst>
                 <a:ext uri="{91240B29-F687-4f45-9708-019B960494DF}">
-                  <a14:hiddenLine xmlns="" xmlns:a14="http://schemas.microsoft.com/office/drawing/2010/main" w="9525">
+                  <a14:hiddenLine xmlns:a14="http://schemas.microsoft.com/office/drawing/2010/main" xmlns="" w="9525">
                     <a:solidFill>
                       <a:srgbClr val="000000"/>
                     </a:solidFill>
@@ -10501,7 +10501,7 @@
               </a:ln>
               <a:extLst>
                 <a:ext uri="{91240B29-F687-4f45-9708-019B960494DF}">
-                  <a14:hiddenLine xmlns="" xmlns:a14="http://schemas.microsoft.com/office/drawing/2010/main" w="9525">
+                  <a14:hiddenLine xmlns:a14="http://schemas.microsoft.com/office/drawing/2010/main" xmlns="" w="9525">
                     <a:solidFill>
                       <a:srgbClr val="000000"/>
                     </a:solidFill>
@@ -10566,7 +10566,7 @@
               </a:ln>
               <a:extLst>
                 <a:ext uri="{91240B29-F687-4f45-9708-019B960494DF}">
-                  <a14:hiddenLine xmlns="" xmlns:a14="http://schemas.microsoft.com/office/drawing/2010/main" w="9525">
+                  <a14:hiddenLine xmlns:a14="http://schemas.microsoft.com/office/drawing/2010/main" xmlns="" w="9525">
                     <a:solidFill>
                       <a:srgbClr val="000000"/>
                     </a:solidFill>
@@ -10628,7 +10628,7 @@
               </a:ln>
               <a:extLst>
                 <a:ext uri="{91240B29-F687-4f45-9708-019B960494DF}">
-                  <a14:hiddenLine xmlns="" xmlns:a14="http://schemas.microsoft.com/office/drawing/2010/main" w="9525">
+                  <a14:hiddenLine xmlns:a14="http://schemas.microsoft.com/office/drawing/2010/main" xmlns="" w="9525">
                     <a:solidFill>
                       <a:srgbClr val="000000"/>
                     </a:solidFill>
@@ -10718,7 +10718,7 @@
               </a:ln>
               <a:extLst>
                 <a:ext uri="{91240B29-F687-4f45-9708-019B960494DF}">
-                  <a14:hiddenLine xmlns="" xmlns:a14="http://schemas.microsoft.com/office/drawing/2010/main" w="9525">
+                  <a14:hiddenLine xmlns:a14="http://schemas.microsoft.com/office/drawing/2010/main" xmlns="" w="9525">
                     <a:solidFill>
                       <a:srgbClr val="000000"/>
                     </a:solidFill>
@@ -10808,7 +10808,7 @@
               </a:ln>
               <a:extLst>
                 <a:ext uri="{91240B29-F687-4f45-9708-019B960494DF}">
-                  <a14:hiddenLine xmlns="" xmlns:a14="http://schemas.microsoft.com/office/drawing/2010/main" w="9525">
+                  <a14:hiddenLine xmlns:a14="http://schemas.microsoft.com/office/drawing/2010/main" xmlns="" w="9525">
                     <a:solidFill>
                       <a:srgbClr val="000000"/>
                     </a:solidFill>
@@ -10873,7 +10873,7 @@
               </a:ln>
               <a:extLst>
                 <a:ext uri="{91240B29-F687-4f45-9708-019B960494DF}">
-                  <a14:hiddenLine xmlns="" xmlns:a14="http://schemas.microsoft.com/office/drawing/2010/main" w="9525">
+                  <a14:hiddenLine xmlns:a14="http://schemas.microsoft.com/office/drawing/2010/main" xmlns="" w="9525">
                     <a:solidFill>
                       <a:srgbClr val="000000"/>
                     </a:solidFill>
@@ -10993,7 +10993,7 @@
               </a:ln>
               <a:extLst>
                 <a:ext uri="{91240B29-F687-4f45-9708-019B960494DF}">
-                  <a14:hiddenLine xmlns="" xmlns:a14="http://schemas.microsoft.com/office/drawing/2010/main" w="9525">
+                  <a14:hiddenLine xmlns:a14="http://schemas.microsoft.com/office/drawing/2010/main" xmlns="" w="9525">
                     <a:solidFill>
                       <a:srgbClr val="000000"/>
                     </a:solidFill>
@@ -11091,7 +11091,7 @@
               </a:ln>
               <a:extLst>
                 <a:ext uri="{91240B29-F687-4f45-9708-019B960494DF}">
-                  <a14:hiddenLine xmlns="" xmlns:a14="http://schemas.microsoft.com/office/drawing/2010/main" w="9525">
+                  <a14:hiddenLine xmlns:a14="http://schemas.microsoft.com/office/drawing/2010/main" xmlns="" w="9525">
                     <a:solidFill>
                       <a:srgbClr val="000000"/>
                     </a:solidFill>
@@ -11206,7 +11206,7 @@
               </a:ln>
               <a:extLst>
                 <a:ext uri="{91240B29-F687-4f45-9708-019B960494DF}">
-                  <a14:hiddenLine xmlns="" xmlns:a14="http://schemas.microsoft.com/office/drawing/2010/main" w="9525">
+                  <a14:hiddenLine xmlns:a14="http://schemas.microsoft.com/office/drawing/2010/main" xmlns="" w="9525">
                     <a:solidFill>
                       <a:srgbClr val="000000"/>
                     </a:solidFill>
@@ -11296,7 +11296,7 @@
               </a:ln>
               <a:extLst>
                 <a:ext uri="{91240B29-F687-4f45-9708-019B960494DF}">
-                  <a14:hiddenLine xmlns="" xmlns:a14="http://schemas.microsoft.com/office/drawing/2010/main" w="9525">
+                  <a14:hiddenLine xmlns:a14="http://schemas.microsoft.com/office/drawing/2010/main" xmlns="" w="9525">
                     <a:solidFill>
                       <a:srgbClr val="000000"/>
                     </a:solidFill>
@@ -11361,7 +11361,7 @@
               </a:ln>
               <a:extLst>
                 <a:ext uri="{91240B29-F687-4f45-9708-019B960494DF}">
-                  <a14:hiddenLine xmlns="" xmlns:a14="http://schemas.microsoft.com/office/drawing/2010/main" w="9525">
+                  <a14:hiddenLine xmlns:a14="http://schemas.microsoft.com/office/drawing/2010/main" xmlns="" w="9525">
                     <a:solidFill>
                       <a:srgbClr val="000000"/>
                     </a:solidFill>
@@ -11451,7 +11451,7 @@
               </a:ln>
               <a:extLst>
                 <a:ext uri="{91240B29-F687-4f45-9708-019B960494DF}">
-                  <a14:hiddenLine xmlns="" xmlns:a14="http://schemas.microsoft.com/office/drawing/2010/main" w="9525">
+                  <a14:hiddenLine xmlns:a14="http://schemas.microsoft.com/office/drawing/2010/main" xmlns="" w="9525">
                     <a:solidFill>
                       <a:srgbClr val="000000"/>
                     </a:solidFill>
@@ -11519,7 +11519,7 @@
               </a:ln>
               <a:extLst>
                 <a:ext uri="{91240B29-F687-4f45-9708-019B960494DF}">
-                  <a14:hiddenLine xmlns="" xmlns:a14="http://schemas.microsoft.com/office/drawing/2010/main" w="9525">
+                  <a14:hiddenLine xmlns:a14="http://schemas.microsoft.com/office/drawing/2010/main" xmlns="" w="9525">
                     <a:solidFill>
                       <a:srgbClr val="000000"/>
                     </a:solidFill>
@@ -11609,7 +11609,7 @@
               </a:ln>
               <a:extLst>
                 <a:ext uri="{91240B29-F687-4f45-9708-019B960494DF}">
-                  <a14:hiddenLine xmlns="" xmlns:a14="http://schemas.microsoft.com/office/drawing/2010/main" w="9525">
+                  <a14:hiddenLine xmlns:a14="http://schemas.microsoft.com/office/drawing/2010/main" xmlns="" w="9525">
                     <a:solidFill>
                       <a:srgbClr val="000000"/>
                     </a:solidFill>
@@ -11677,7 +11677,7 @@
               </a:ln>
               <a:extLst>
                 <a:ext uri="{91240B29-F687-4f45-9708-019B960494DF}">
-                  <a14:hiddenLine xmlns="" xmlns:a14="http://schemas.microsoft.com/office/drawing/2010/main" w="9525">
+                  <a14:hiddenLine xmlns:a14="http://schemas.microsoft.com/office/drawing/2010/main" xmlns="" w="9525">
                     <a:solidFill>
                       <a:srgbClr val="000000"/>
                     </a:solidFill>
@@ -11767,7 +11767,7 @@
               </a:ln>
               <a:extLst>
                 <a:ext uri="{91240B29-F687-4f45-9708-019B960494DF}">
-                  <a14:hiddenLine xmlns="" xmlns:a14="http://schemas.microsoft.com/office/drawing/2010/main" w="9525">
+                  <a14:hiddenLine xmlns:a14="http://schemas.microsoft.com/office/drawing/2010/main" xmlns="" w="9525">
                     <a:solidFill>
                       <a:srgbClr val="000000"/>
                     </a:solidFill>
@@ -11801,7 +11801,7 @@
               </a:ln>
               <a:extLst>
                 <a:ext uri="{91240B29-F687-4f45-9708-019B960494DF}">
-                  <a14:hiddenLine xmlns="" xmlns:a14="http://schemas.microsoft.com/office/drawing/2010/main" w="9525">
+                  <a14:hiddenLine xmlns:a14="http://schemas.microsoft.com/office/drawing/2010/main" xmlns="" w="9525">
                     <a:solidFill>
                       <a:srgbClr val="000000"/>
                     </a:solidFill>
@@ -11942,7 +11942,7 @@
             <a:fld id="{48A87A34-81AB-432B-8DAE-1953F412C126}" type="datetimeFigureOut">
               <a:rPr lang="en-US" dirty="0"/>
               <a:pPr/>
-              <a:t>6/18/2018</a:t>
+              <a:t>6/20/2018</a:t>
             </a:fld>
             <a:endParaRPr lang="en-US" dirty="0"/>
           </a:p>
@@ -14718,36 +14718,6 @@
       </p:pic>
       <p:pic>
         <p:nvPicPr>
-          <p:cNvPr id="9" name="Picture 8">
-            <a:extLst>
-              <a:ext uri="{FF2B5EF4-FFF2-40B4-BE49-F238E27FC236}">
-                <a16:creationId xmlns:a16="http://schemas.microsoft.com/office/drawing/2014/main" id="{E62B1EC6-D284-4278-83CE-2A53A1A5E0E1}"/>
-              </a:ext>
-            </a:extLst>
-          </p:cNvPr>
-          <p:cNvPicPr>
-            <a:picLocks noChangeAspect="1"/>
-          </p:cNvPicPr>
-          <p:nvPr/>
-        </p:nvPicPr>
-        <p:blipFill>
-          <a:blip r:embed="rId3"/>
-          <a:stretch>
-            <a:fillRect/>
-          </a:stretch>
-        </p:blipFill>
-        <p:spPr>
-          <a:xfrm>
-            <a:off x="3658092" y="2729142"/>
-            <a:ext cx="925200" cy="914400"/>
-          </a:xfrm>
-          <a:prstGeom prst="rect">
-            <a:avLst/>
-          </a:prstGeom>
-        </p:spPr>
-      </p:pic>
-      <p:pic>
-        <p:nvPicPr>
           <p:cNvPr id="13" name="Picture 12">
             <a:extLst>
               <a:ext uri="{FF2B5EF4-FFF2-40B4-BE49-F238E27FC236}">
@@ -14761,7 +14731,7 @@
           <p:nvPr/>
         </p:nvPicPr>
         <p:blipFill>
-          <a:blip r:embed="rId4"/>
+          <a:blip r:embed="rId3"/>
           <a:stretch>
             <a:fillRect/>
           </a:stretch>
@@ -14791,7 +14761,7 @@
           <p:nvPr/>
         </p:nvPicPr>
         <p:blipFill>
-          <a:blip r:embed="rId5"/>
+          <a:blip r:embed="rId4"/>
           <a:stretch>
             <a:fillRect/>
           </a:stretch>
@@ -14821,7 +14791,7 @@
           <p:nvPr/>
         </p:nvPicPr>
         <p:blipFill>
-          <a:blip r:embed="rId6"/>
+          <a:blip r:embed="rId5"/>
           <a:stretch>
             <a:fillRect/>
           </a:stretch>
@@ -14830,6 +14800,36 @@
           <a:xfrm>
             <a:off x="4715888" y="3305766"/>
             <a:ext cx="1172308" cy="914400"/>
+          </a:xfrm>
+          <a:prstGeom prst="rect">
+            <a:avLst/>
+          </a:prstGeom>
+        </p:spPr>
+      </p:pic>
+      <p:pic>
+        <p:nvPicPr>
+          <p:cNvPr id="7" name="Picture 6">
+            <a:extLst>
+              <a:ext uri="{FF2B5EF4-FFF2-40B4-BE49-F238E27FC236}">
+                <a16:creationId xmlns:a16="http://schemas.microsoft.com/office/drawing/2014/main" id="{A2FE0B6E-43AC-472F-858A-B18D756BF4DF}"/>
+              </a:ext>
+            </a:extLst>
+          </p:cNvPr>
+          <p:cNvPicPr>
+            <a:picLocks noChangeAspect="1"/>
+          </p:cNvPicPr>
+          <p:nvPr/>
+        </p:nvPicPr>
+        <p:blipFill>
+          <a:blip r:embed="rId6"/>
+          <a:stretch>
+            <a:fillRect/>
+          </a:stretch>
+        </p:blipFill>
+        <p:spPr>
+          <a:xfrm>
+            <a:off x="3574680" y="2690236"/>
+            <a:ext cx="914400" cy="914400"/>
           </a:xfrm>
           <a:prstGeom prst="rect">
             <a:avLst/>
@@ -14880,7 +14880,7 @@
                                           </p:stCondLst>
                                         </p:cTn>
                                         <p:tgtEl>
-                                          <p:spTgt spid="9"/>
+                                          <p:spTgt spid="4"/>
                                         </p:tgtEl>
                                         <p:attrNameLst>
                                           <p:attrName>style.visibility</p:attrName>
@@ -14894,7 +14894,7 @@
                                       <p:cBhvr>
                                         <p:cTn id="7" dur="2000"/>
                                         <p:tgtEl>
-                                          <p:spTgt spid="9"/>
+                                          <p:spTgt spid="4"/>
                                         </p:tgtEl>
                                       </p:cBhvr>
                                     </p:animEffect>
@@ -14915,7 +14915,7 @@
                                           </p:stCondLst>
                                         </p:cTn>
                                         <p:tgtEl>
-                                          <p:spTgt spid="4"/>
+                                          <p:spTgt spid="13"/>
                                         </p:tgtEl>
                                         <p:attrNameLst>
                                           <p:attrName>style.visibility</p:attrName>
@@ -14929,7 +14929,7 @@
                                       <p:cBhvr>
                                         <p:cTn id="10" dur="2000"/>
                                         <p:tgtEl>
-                                          <p:spTgt spid="4"/>
+                                          <p:spTgt spid="13"/>
                                         </p:tgtEl>
                                       </p:cBhvr>
                                     </p:animEffect>
@@ -14950,7 +14950,7 @@
                                           </p:stCondLst>
                                         </p:cTn>
                                         <p:tgtEl>
-                                          <p:spTgt spid="13"/>
+                                          <p:spTgt spid="15"/>
                                         </p:tgtEl>
                                         <p:attrNameLst>
                                           <p:attrName>style.visibility</p:attrName>
@@ -14964,7 +14964,7 @@
                                       <p:cBhvr>
                                         <p:cTn id="13" dur="2000"/>
                                         <p:tgtEl>
-                                          <p:spTgt spid="13"/>
+                                          <p:spTgt spid="15"/>
                                         </p:tgtEl>
                                       </p:cBhvr>
                                     </p:animEffect>
@@ -14985,7 +14985,7 @@
                                           </p:stCondLst>
                                         </p:cTn>
                                         <p:tgtEl>
-                                          <p:spTgt spid="15"/>
+                                          <p:spTgt spid="7"/>
                                         </p:tgtEl>
                                         <p:attrNameLst>
                                           <p:attrName>style.visibility</p:attrName>
@@ -14999,7 +14999,7 @@
                                       <p:cBhvr>
                                         <p:cTn id="16" dur="2000"/>
                                         <p:tgtEl>
-                                          <p:spTgt spid="15"/>
+                                          <p:spTgt spid="7"/>
                                         </p:tgtEl>
                                       </p:cBhvr>
                                     </p:animEffect>

--- a/Clis/The Four CLIs of The Apocalypse.pptx
+++ b/Clis/The Four CLIs of The Apocalypse.pptx
@@ -172,7 +172,7 @@
           <a:noFill/>
           <a:extLst>
             <a:ext uri="{909E8E84-426E-40dd-AFC4-6F175D3DCCD1}">
-              <a14:hiddenFill xmlns:a14="http://schemas.microsoft.com/office/drawing/2010/main" xmlns="">
+              <a14:hiddenFill xmlns="" xmlns:a14="http://schemas.microsoft.com/office/drawing/2010/main">
                 <a:solidFill>
                   <a:srgbClr val="FFFFFF"/>
                 </a:solidFill>
@@ -232,7 +232,7 @@
             </a:ln>
             <a:extLst>
               <a:ext uri="{91240B29-F687-4f45-9708-019B960494DF}">
-                <a14:hiddenLine xmlns:a14="http://schemas.microsoft.com/office/drawing/2010/main" xmlns="" w="9525">
+                <a14:hiddenLine xmlns="" xmlns:a14="http://schemas.microsoft.com/office/drawing/2010/main" w="9525">
                   <a:solidFill>
                     <a:srgbClr val="000000"/>
                   </a:solidFill>
@@ -322,7 +322,7 @@
             </a:ln>
             <a:extLst>
               <a:ext uri="{91240B29-F687-4f45-9708-019B960494DF}">
-                <a14:hiddenLine xmlns:a14="http://schemas.microsoft.com/office/drawing/2010/main" xmlns="" w="9525">
+                <a14:hiddenLine xmlns="" xmlns:a14="http://schemas.microsoft.com/office/drawing/2010/main" w="9525">
                   <a:solidFill>
                     <a:srgbClr val="000000"/>
                   </a:solidFill>
@@ -412,7 +412,7 @@
             </a:ln>
             <a:extLst>
               <a:ext uri="{91240B29-F687-4f45-9708-019B960494DF}">
-                <a14:hiddenLine xmlns:a14="http://schemas.microsoft.com/office/drawing/2010/main" xmlns="" w="9525">
+                <a14:hiddenLine xmlns="" xmlns:a14="http://schemas.microsoft.com/office/drawing/2010/main" w="9525">
                   <a:solidFill>
                     <a:srgbClr val="000000"/>
                   </a:solidFill>
@@ -446,7 +446,7 @@
             </a:ln>
             <a:extLst>
               <a:ext uri="{91240B29-F687-4f45-9708-019B960494DF}">
-                <a14:hiddenLine xmlns:a14="http://schemas.microsoft.com/office/drawing/2010/main" xmlns="" w="9525">
+                <a14:hiddenLine xmlns="" xmlns:a14="http://schemas.microsoft.com/office/drawing/2010/main" w="9525">
                   <a:solidFill>
                     <a:srgbClr val="000000"/>
                   </a:solidFill>
@@ -536,7 +536,7 @@
             </a:ln>
             <a:extLst>
               <a:ext uri="{91240B29-F687-4f45-9708-019B960494DF}">
-                <a14:hiddenLine xmlns:a14="http://schemas.microsoft.com/office/drawing/2010/main" xmlns="" w="9525">
+                <a14:hiddenLine xmlns="" xmlns:a14="http://schemas.microsoft.com/office/drawing/2010/main" w="9525">
                   <a:solidFill>
                     <a:srgbClr val="000000"/>
                   </a:solidFill>
@@ -598,7 +598,7 @@
             </a:ln>
             <a:extLst>
               <a:ext uri="{91240B29-F687-4f45-9708-019B960494DF}">
-                <a14:hiddenLine xmlns:a14="http://schemas.microsoft.com/office/drawing/2010/main" xmlns="" w="9525">
+                <a14:hiddenLine xmlns="" xmlns:a14="http://schemas.microsoft.com/office/drawing/2010/main" w="9525">
                   <a:solidFill>
                     <a:srgbClr val="000000"/>
                   </a:solidFill>
@@ -660,7 +660,7 @@
             </a:ln>
             <a:extLst>
               <a:ext uri="{91240B29-F687-4f45-9708-019B960494DF}">
-                <a14:hiddenLine xmlns:a14="http://schemas.microsoft.com/office/drawing/2010/main" xmlns="" w="9525">
+                <a14:hiddenLine xmlns="" xmlns:a14="http://schemas.microsoft.com/office/drawing/2010/main" w="9525">
                   <a:solidFill>
                     <a:srgbClr val="000000"/>
                   </a:solidFill>
@@ -750,7 +750,7 @@
             </a:ln>
             <a:extLst>
               <a:ext uri="{91240B29-F687-4f45-9708-019B960494DF}">
-                <a14:hiddenLine xmlns:a14="http://schemas.microsoft.com/office/drawing/2010/main" xmlns="" w="9525">
+                <a14:hiddenLine xmlns="" xmlns:a14="http://schemas.microsoft.com/office/drawing/2010/main" w="9525">
                   <a:solidFill>
                     <a:srgbClr val="000000"/>
                   </a:solidFill>
@@ -812,7 +812,7 @@
             </a:ln>
             <a:extLst>
               <a:ext uri="{91240B29-F687-4f45-9708-019B960494DF}">
-                <a14:hiddenLine xmlns:a14="http://schemas.microsoft.com/office/drawing/2010/main" xmlns="" w="9525">
+                <a14:hiddenLine xmlns="" xmlns:a14="http://schemas.microsoft.com/office/drawing/2010/main" w="9525">
                   <a:solidFill>
                     <a:srgbClr val="000000"/>
                   </a:solidFill>
@@ -874,7 +874,7 @@
             </a:ln>
             <a:extLst>
               <a:ext uri="{91240B29-F687-4f45-9708-019B960494DF}">
-                <a14:hiddenLine xmlns:a14="http://schemas.microsoft.com/office/drawing/2010/main" xmlns="" w="9525">
+                <a14:hiddenLine xmlns="" xmlns:a14="http://schemas.microsoft.com/office/drawing/2010/main" w="9525">
                   <a:solidFill>
                     <a:srgbClr val="000000"/>
                   </a:solidFill>
@@ -964,7 +964,7 @@
             </a:ln>
             <a:extLst>
               <a:ext uri="{91240B29-F687-4f45-9708-019B960494DF}">
-                <a14:hiddenLine xmlns:a14="http://schemas.microsoft.com/office/drawing/2010/main" xmlns="" w="9525">
+                <a14:hiddenLine xmlns="" xmlns:a14="http://schemas.microsoft.com/office/drawing/2010/main" w="9525">
                   <a:solidFill>
                     <a:srgbClr val="000000"/>
                   </a:solidFill>
@@ -1054,7 +1054,7 @@
             </a:ln>
             <a:extLst>
               <a:ext uri="{91240B29-F687-4f45-9708-019B960494DF}">
-                <a14:hiddenLine xmlns:a14="http://schemas.microsoft.com/office/drawing/2010/main" xmlns="" w="9525">
+                <a14:hiddenLine xmlns="" xmlns:a14="http://schemas.microsoft.com/office/drawing/2010/main" w="9525">
                   <a:solidFill>
                     <a:srgbClr val="000000"/>
                   </a:solidFill>
@@ -1116,7 +1116,7 @@
             </a:ln>
             <a:extLst>
               <a:ext uri="{91240B29-F687-4f45-9708-019B960494DF}">
-                <a14:hiddenLine xmlns:a14="http://schemas.microsoft.com/office/drawing/2010/main" xmlns="" w="9525">
+                <a14:hiddenLine xmlns="" xmlns:a14="http://schemas.microsoft.com/office/drawing/2010/main" w="9525">
                   <a:solidFill>
                     <a:srgbClr val="000000"/>
                   </a:solidFill>
@@ -1226,7 +1226,7 @@
             </a:ln>
             <a:extLst>
               <a:ext uri="{91240B29-F687-4f45-9708-019B960494DF}">
-                <a14:hiddenLine xmlns:a14="http://schemas.microsoft.com/office/drawing/2010/main" xmlns="" w="9525">
+                <a14:hiddenLine xmlns="" xmlns:a14="http://schemas.microsoft.com/office/drawing/2010/main" w="9525">
                   <a:solidFill>
                     <a:srgbClr val="000000"/>
                   </a:solidFill>
@@ -1288,7 +1288,7 @@
             </a:ln>
             <a:extLst>
               <a:ext uri="{91240B29-F687-4f45-9708-019B960494DF}">
-                <a14:hiddenLine xmlns:a14="http://schemas.microsoft.com/office/drawing/2010/main" xmlns="" w="9525">
+                <a14:hiddenLine xmlns="" xmlns:a14="http://schemas.microsoft.com/office/drawing/2010/main" w="9525">
                   <a:solidFill>
                     <a:srgbClr val="000000"/>
                   </a:solidFill>
@@ -1378,7 +1378,7 @@
             </a:ln>
             <a:extLst>
               <a:ext uri="{91240B29-F687-4f45-9708-019B960494DF}">
-                <a14:hiddenLine xmlns:a14="http://schemas.microsoft.com/office/drawing/2010/main" xmlns="" w="9525">
+                <a14:hiddenLine xmlns="" xmlns:a14="http://schemas.microsoft.com/office/drawing/2010/main" w="9525">
                   <a:solidFill>
                     <a:srgbClr val="000000"/>
                   </a:solidFill>
@@ -1468,7 +1468,7 @@
             </a:ln>
             <a:extLst>
               <a:ext uri="{91240B29-F687-4f45-9708-019B960494DF}">
-                <a14:hiddenLine xmlns:a14="http://schemas.microsoft.com/office/drawing/2010/main" xmlns="" w="9525">
+                <a14:hiddenLine xmlns="" xmlns:a14="http://schemas.microsoft.com/office/drawing/2010/main" w="9525">
                   <a:solidFill>
                     <a:srgbClr val="000000"/>
                   </a:solidFill>
@@ -1530,7 +1530,7 @@
             </a:ln>
             <a:extLst>
               <a:ext uri="{91240B29-F687-4f45-9708-019B960494DF}">
-                <a14:hiddenLine xmlns:a14="http://schemas.microsoft.com/office/drawing/2010/main" xmlns="" w="9525">
+                <a14:hiddenLine xmlns="" xmlns:a14="http://schemas.microsoft.com/office/drawing/2010/main" w="9525">
                   <a:solidFill>
                     <a:srgbClr val="000000"/>
                   </a:solidFill>
@@ -1620,7 +1620,7 @@
             </a:ln>
             <a:extLst>
               <a:ext uri="{91240B29-F687-4f45-9708-019B960494DF}">
-                <a14:hiddenLine xmlns:a14="http://schemas.microsoft.com/office/drawing/2010/main" xmlns="" w="9525">
+                <a14:hiddenLine xmlns="" xmlns:a14="http://schemas.microsoft.com/office/drawing/2010/main" w="9525">
                   <a:solidFill>
                     <a:srgbClr val="000000"/>
                   </a:solidFill>
@@ -1710,7 +1710,7 @@
             </a:ln>
             <a:extLst>
               <a:ext uri="{91240B29-F687-4f45-9708-019B960494DF}">
-                <a14:hiddenLine xmlns:a14="http://schemas.microsoft.com/office/drawing/2010/main" xmlns="" w="9525">
+                <a14:hiddenLine xmlns="" xmlns:a14="http://schemas.microsoft.com/office/drawing/2010/main" w="9525">
                   <a:solidFill>
                     <a:srgbClr val="000000"/>
                   </a:solidFill>
@@ -1766,7 +1766,7 @@
             </a:ln>
             <a:extLst>
               <a:ext uri="{91240B29-F687-4f45-9708-019B960494DF}">
-                <a14:hiddenLine xmlns:a14="http://schemas.microsoft.com/office/drawing/2010/main" xmlns="" w="9525">
+                <a14:hiddenLine xmlns="" xmlns:a14="http://schemas.microsoft.com/office/drawing/2010/main" w="9525">
                   <a:solidFill>
                     <a:srgbClr val="000000"/>
                   </a:solidFill>
@@ -1856,7 +1856,7 @@
             </a:ln>
             <a:extLst>
               <a:ext uri="{91240B29-F687-4f45-9708-019B960494DF}">
-                <a14:hiddenLine xmlns:a14="http://schemas.microsoft.com/office/drawing/2010/main" xmlns="" w="9525">
+                <a14:hiddenLine xmlns="" xmlns:a14="http://schemas.microsoft.com/office/drawing/2010/main" w="9525">
                   <a:solidFill>
                     <a:srgbClr val="000000"/>
                   </a:solidFill>
@@ -1912,7 +1912,7 @@
             </a:ln>
             <a:extLst>
               <a:ext uri="{91240B29-F687-4f45-9708-019B960494DF}">
-                <a14:hiddenLine xmlns:a14="http://schemas.microsoft.com/office/drawing/2010/main" xmlns="" w="9525">
+                <a14:hiddenLine xmlns="" xmlns:a14="http://schemas.microsoft.com/office/drawing/2010/main" w="9525">
                   <a:solidFill>
                     <a:srgbClr val="000000"/>
                   </a:solidFill>
@@ -2002,7 +2002,7 @@
             </a:ln>
             <a:extLst>
               <a:ext uri="{91240B29-F687-4f45-9708-019B960494DF}">
-                <a14:hiddenLine xmlns:a14="http://schemas.microsoft.com/office/drawing/2010/main" xmlns="" w="9525">
+                <a14:hiddenLine xmlns="" xmlns:a14="http://schemas.microsoft.com/office/drawing/2010/main" w="9525">
                   <a:solidFill>
                     <a:srgbClr val="000000"/>
                   </a:solidFill>
@@ -2070,7 +2070,7 @@
             </a:ln>
             <a:extLst>
               <a:ext uri="{91240B29-F687-4f45-9708-019B960494DF}">
-                <a14:hiddenLine xmlns:a14="http://schemas.microsoft.com/office/drawing/2010/main" xmlns="" w="9525">
+                <a14:hiddenLine xmlns="" xmlns:a14="http://schemas.microsoft.com/office/drawing/2010/main" w="9525">
                   <a:solidFill>
                     <a:srgbClr val="000000"/>
                   </a:solidFill>
@@ -2160,7 +2160,7 @@
             </a:ln>
             <a:extLst>
               <a:ext uri="{91240B29-F687-4f45-9708-019B960494DF}">
-                <a14:hiddenLine xmlns:a14="http://schemas.microsoft.com/office/drawing/2010/main" xmlns="" w="9525">
+                <a14:hiddenLine xmlns="" xmlns:a14="http://schemas.microsoft.com/office/drawing/2010/main" w="9525">
                   <a:solidFill>
                     <a:srgbClr val="000000"/>
                   </a:solidFill>
@@ -2228,7 +2228,7 @@
             </a:ln>
             <a:extLst>
               <a:ext uri="{91240B29-F687-4f45-9708-019B960494DF}">
-                <a14:hiddenLine xmlns:a14="http://schemas.microsoft.com/office/drawing/2010/main" xmlns="" w="9525">
+                <a14:hiddenLine xmlns="" xmlns:a14="http://schemas.microsoft.com/office/drawing/2010/main" w="9525">
                   <a:solidFill>
                     <a:srgbClr val="000000"/>
                   </a:solidFill>
@@ -2318,7 +2318,7 @@
             </a:ln>
             <a:extLst>
               <a:ext uri="{91240B29-F687-4f45-9708-019B960494DF}">
-                <a14:hiddenLine xmlns:a14="http://schemas.microsoft.com/office/drawing/2010/main" xmlns="" w="9525">
+                <a14:hiddenLine xmlns="" xmlns:a14="http://schemas.microsoft.com/office/drawing/2010/main" w="9525">
                   <a:solidFill>
                     <a:srgbClr val="000000"/>
                   </a:solidFill>
@@ -2352,7 +2352,7 @@
             </a:ln>
             <a:extLst>
               <a:ext uri="{91240B29-F687-4f45-9708-019B960494DF}">
-                <a14:hiddenLine xmlns:a14="http://schemas.microsoft.com/office/drawing/2010/main" xmlns="" w="9525">
+                <a14:hiddenLine xmlns="" xmlns:a14="http://schemas.microsoft.com/office/drawing/2010/main" w="9525">
                   <a:solidFill>
                     <a:srgbClr val="000000"/>
                   </a:solidFill>
@@ -2442,7 +2442,7 @@
             </a:ln>
             <a:extLst>
               <a:ext uri="{91240B29-F687-4f45-9708-019B960494DF}">
-                <a14:hiddenLine xmlns:a14="http://schemas.microsoft.com/office/drawing/2010/main" xmlns="" w="9525">
+                <a14:hiddenLine xmlns="" xmlns:a14="http://schemas.microsoft.com/office/drawing/2010/main" w="9525">
                   <a:solidFill>
                     <a:srgbClr val="000000"/>
                   </a:solidFill>
@@ -2504,7 +2504,7 @@
             </a:ln>
             <a:extLst>
               <a:ext uri="{91240B29-F687-4f45-9708-019B960494DF}">
-                <a14:hiddenLine xmlns:a14="http://schemas.microsoft.com/office/drawing/2010/main" xmlns="" w="9525">
+                <a14:hiddenLine xmlns="" xmlns:a14="http://schemas.microsoft.com/office/drawing/2010/main" w="9525">
                   <a:solidFill>
                     <a:srgbClr val="000000"/>
                   </a:solidFill>
@@ -2566,7 +2566,7 @@
             </a:ln>
             <a:extLst>
               <a:ext uri="{91240B29-F687-4f45-9708-019B960494DF}">
-                <a14:hiddenLine xmlns:a14="http://schemas.microsoft.com/office/drawing/2010/main" xmlns="" w="9525">
+                <a14:hiddenLine xmlns="" xmlns:a14="http://schemas.microsoft.com/office/drawing/2010/main" w="9525">
                   <a:solidFill>
                     <a:srgbClr val="000000"/>
                   </a:solidFill>
@@ -2656,7 +2656,7 @@
             </a:ln>
             <a:extLst>
               <a:ext uri="{91240B29-F687-4f45-9708-019B960494DF}">
-                <a14:hiddenLine xmlns:a14="http://schemas.microsoft.com/office/drawing/2010/main" xmlns="" w="9525">
+                <a14:hiddenLine xmlns="" xmlns:a14="http://schemas.microsoft.com/office/drawing/2010/main" w="9525">
                   <a:solidFill>
                     <a:srgbClr val="000000"/>
                   </a:solidFill>
@@ -2724,7 +2724,7 @@
             </a:ln>
             <a:extLst>
               <a:ext uri="{91240B29-F687-4f45-9708-019B960494DF}">
-                <a14:hiddenLine xmlns:a14="http://schemas.microsoft.com/office/drawing/2010/main" xmlns="" w="9525">
+                <a14:hiddenLine xmlns="" xmlns:a14="http://schemas.microsoft.com/office/drawing/2010/main" w="9525">
                   <a:solidFill>
                     <a:srgbClr val="000000"/>
                   </a:solidFill>
@@ -2786,7 +2786,7 @@
             </a:ln>
             <a:extLst>
               <a:ext uri="{91240B29-F687-4f45-9708-019B960494DF}">
-                <a14:hiddenLine xmlns:a14="http://schemas.microsoft.com/office/drawing/2010/main" xmlns="" w="9525">
+                <a14:hiddenLine xmlns="" xmlns:a14="http://schemas.microsoft.com/office/drawing/2010/main" w="9525">
                   <a:solidFill>
                     <a:srgbClr val="000000"/>
                   </a:solidFill>
@@ -2876,7 +2876,7 @@
             </a:ln>
             <a:extLst>
               <a:ext uri="{91240B29-F687-4f45-9708-019B960494DF}">
-                <a14:hiddenLine xmlns:a14="http://schemas.microsoft.com/office/drawing/2010/main" xmlns="" w="9525">
+                <a14:hiddenLine xmlns="" xmlns:a14="http://schemas.microsoft.com/office/drawing/2010/main" w="9525">
                   <a:solidFill>
                     <a:srgbClr val="000000"/>
                   </a:solidFill>
@@ -2938,7 +2938,7 @@
             </a:ln>
             <a:extLst>
               <a:ext uri="{91240B29-F687-4f45-9708-019B960494DF}">
-                <a14:hiddenLine xmlns:a14="http://schemas.microsoft.com/office/drawing/2010/main" xmlns="" w="9525">
+                <a14:hiddenLine xmlns="" xmlns:a14="http://schemas.microsoft.com/office/drawing/2010/main" w="9525">
                   <a:solidFill>
                     <a:srgbClr val="000000"/>
                   </a:solidFill>
@@ -3028,7 +3028,7 @@
             </a:ln>
             <a:extLst>
               <a:ext uri="{91240B29-F687-4f45-9708-019B960494DF}">
-                <a14:hiddenLine xmlns:a14="http://schemas.microsoft.com/office/drawing/2010/main" xmlns="" w="9525">
+                <a14:hiddenLine xmlns="" xmlns:a14="http://schemas.microsoft.com/office/drawing/2010/main" w="9525">
                   <a:solidFill>
                     <a:srgbClr val="000000"/>
                   </a:solidFill>
@@ -3090,7 +3090,7 @@
             </a:ln>
             <a:extLst>
               <a:ext uri="{91240B29-F687-4f45-9708-019B960494DF}">
-                <a14:hiddenLine xmlns:a14="http://schemas.microsoft.com/office/drawing/2010/main" xmlns="" w="9525">
+                <a14:hiddenLine xmlns="" xmlns:a14="http://schemas.microsoft.com/office/drawing/2010/main" w="9525">
                   <a:solidFill>
                     <a:srgbClr val="000000"/>
                   </a:solidFill>
@@ -3180,7 +3180,7 @@
             </a:ln>
             <a:extLst>
               <a:ext uri="{91240B29-F687-4f45-9708-019B960494DF}">
-                <a14:hiddenLine xmlns:a14="http://schemas.microsoft.com/office/drawing/2010/main" xmlns="" w="9525">
+                <a14:hiddenLine xmlns="" xmlns:a14="http://schemas.microsoft.com/office/drawing/2010/main" w="9525">
                   <a:solidFill>
                     <a:srgbClr val="000000"/>
                   </a:solidFill>
@@ -3214,7 +3214,7 @@
             </a:ln>
             <a:extLst>
               <a:ext uri="{91240B29-F687-4f45-9708-019B960494DF}">
-                <a14:hiddenLine xmlns:a14="http://schemas.microsoft.com/office/drawing/2010/main" xmlns="" w="9525">
+                <a14:hiddenLine xmlns="" xmlns:a14="http://schemas.microsoft.com/office/drawing/2010/main" w="9525">
                   <a:solidFill>
                     <a:srgbClr val="000000"/>
                   </a:solidFill>
@@ -3279,7 +3279,7 @@
             </a:ln>
             <a:extLst>
               <a:ext uri="{91240B29-F687-4f45-9708-019B960494DF}">
-                <a14:hiddenLine xmlns:a14="http://schemas.microsoft.com/office/drawing/2010/main" xmlns="" w="9525">
+                <a14:hiddenLine xmlns="" xmlns:a14="http://schemas.microsoft.com/office/drawing/2010/main" w="9525">
                   <a:solidFill>
                     <a:srgbClr val="000000"/>
                   </a:solidFill>
@@ -3369,7 +3369,7 @@
             </a:ln>
             <a:extLst>
               <a:ext uri="{91240B29-F687-4f45-9708-019B960494DF}">
-                <a14:hiddenLine xmlns:a14="http://schemas.microsoft.com/office/drawing/2010/main" xmlns="" w="9525">
+                <a14:hiddenLine xmlns="" xmlns:a14="http://schemas.microsoft.com/office/drawing/2010/main" w="9525">
                   <a:solidFill>
                     <a:srgbClr val="000000"/>
                   </a:solidFill>
@@ -3431,7 +3431,7 @@
             </a:ln>
             <a:extLst>
               <a:ext uri="{91240B29-F687-4f45-9708-019B960494DF}">
-                <a14:hiddenLine xmlns:a14="http://schemas.microsoft.com/office/drawing/2010/main" xmlns="" w="9525">
+                <a14:hiddenLine xmlns="" xmlns:a14="http://schemas.microsoft.com/office/drawing/2010/main" w="9525">
                   <a:solidFill>
                     <a:srgbClr val="000000"/>
                   </a:solidFill>
@@ -3521,7 +3521,7 @@
             </a:ln>
             <a:extLst>
               <a:ext uri="{91240B29-F687-4f45-9708-019B960494DF}">
-                <a14:hiddenLine xmlns:a14="http://schemas.microsoft.com/office/drawing/2010/main" xmlns="" w="9525">
+                <a14:hiddenLine xmlns="" xmlns:a14="http://schemas.microsoft.com/office/drawing/2010/main" w="9525">
                   <a:solidFill>
                     <a:srgbClr val="000000"/>
                   </a:solidFill>
@@ -3611,7 +3611,7 @@
             </a:ln>
             <a:extLst>
               <a:ext uri="{91240B29-F687-4f45-9708-019B960494DF}">
-                <a14:hiddenLine xmlns:a14="http://schemas.microsoft.com/office/drawing/2010/main" xmlns="" w="9525">
+                <a14:hiddenLine xmlns="" xmlns:a14="http://schemas.microsoft.com/office/drawing/2010/main" w="9525">
                   <a:solidFill>
                     <a:srgbClr val="000000"/>
                   </a:solidFill>
@@ -3676,7 +3676,7 @@
             </a:ln>
             <a:extLst>
               <a:ext uri="{91240B29-F687-4f45-9708-019B960494DF}">
-                <a14:hiddenLine xmlns:a14="http://schemas.microsoft.com/office/drawing/2010/main" xmlns="" w="9525">
+                <a14:hiddenLine xmlns="" xmlns:a14="http://schemas.microsoft.com/office/drawing/2010/main" w="9525">
                   <a:solidFill>
                     <a:srgbClr val="000000"/>
                   </a:solidFill>
@@ -3738,7 +3738,7 @@
             </a:ln>
             <a:extLst>
               <a:ext uri="{91240B29-F687-4f45-9708-019B960494DF}">
-                <a14:hiddenLine xmlns:a14="http://schemas.microsoft.com/office/drawing/2010/main" xmlns="" w="9525">
+                <a14:hiddenLine xmlns="" xmlns:a14="http://schemas.microsoft.com/office/drawing/2010/main" w="9525">
                   <a:solidFill>
                     <a:srgbClr val="000000"/>
                   </a:solidFill>
@@ -3828,7 +3828,7 @@
             </a:ln>
             <a:extLst>
               <a:ext uri="{91240B29-F687-4f45-9708-019B960494DF}">
-                <a14:hiddenLine xmlns:a14="http://schemas.microsoft.com/office/drawing/2010/main" xmlns="" w="9525">
+                <a14:hiddenLine xmlns="" xmlns:a14="http://schemas.microsoft.com/office/drawing/2010/main" w="9525">
                   <a:solidFill>
                     <a:srgbClr val="000000"/>
                   </a:solidFill>
@@ -3918,7 +3918,7 @@
             </a:ln>
             <a:extLst>
               <a:ext uri="{91240B29-F687-4f45-9708-019B960494DF}">
-                <a14:hiddenLine xmlns:a14="http://schemas.microsoft.com/office/drawing/2010/main" xmlns="" w="9525">
+                <a14:hiddenLine xmlns="" xmlns:a14="http://schemas.microsoft.com/office/drawing/2010/main" w="9525">
                   <a:solidFill>
                     <a:srgbClr val="000000"/>
                   </a:solidFill>
@@ -3980,7 +3980,7 @@
             </a:ln>
             <a:extLst>
               <a:ext uri="{91240B29-F687-4f45-9708-019B960494DF}">
-                <a14:hiddenLine xmlns:a14="http://schemas.microsoft.com/office/drawing/2010/main" xmlns="" w="9525">
+                <a14:hiddenLine xmlns="" xmlns:a14="http://schemas.microsoft.com/office/drawing/2010/main" w="9525">
                   <a:solidFill>
                     <a:srgbClr val="000000"/>
                   </a:solidFill>
@@ -4100,7 +4100,7 @@
             </a:ln>
             <a:extLst>
               <a:ext uri="{91240B29-F687-4f45-9708-019B960494DF}">
-                <a14:hiddenLine xmlns:a14="http://schemas.microsoft.com/office/drawing/2010/main" xmlns="" w="9525">
+                <a14:hiddenLine xmlns="" xmlns:a14="http://schemas.microsoft.com/office/drawing/2010/main" w="9525">
                   <a:solidFill>
                     <a:srgbClr val="000000"/>
                   </a:solidFill>
@@ -4168,7 +4168,7 @@
             </a:ln>
             <a:extLst>
               <a:ext uri="{91240B29-F687-4f45-9708-019B960494DF}">
-                <a14:hiddenLine xmlns:a14="http://schemas.microsoft.com/office/drawing/2010/main" xmlns="" w="9525">
+                <a14:hiddenLine xmlns="" xmlns:a14="http://schemas.microsoft.com/office/drawing/2010/main" w="9525">
                   <a:solidFill>
                     <a:srgbClr val="000000"/>
                   </a:solidFill>
@@ -4258,7 +4258,7 @@
             </a:ln>
             <a:extLst>
               <a:ext uri="{91240B29-F687-4f45-9708-019B960494DF}">
-                <a14:hiddenLine xmlns:a14="http://schemas.microsoft.com/office/drawing/2010/main" xmlns="" w="9525">
+                <a14:hiddenLine xmlns="" xmlns:a14="http://schemas.microsoft.com/office/drawing/2010/main" w="9525">
                   <a:solidFill>
                     <a:srgbClr val="000000"/>
                   </a:solidFill>
@@ -4398,7 +4398,7 @@
           <a:p>
             <a:fld id="{48A87A34-81AB-432B-8DAE-1953F412C126}" type="datetimeFigureOut">
               <a:rPr lang="en-US" dirty="0"/>
-              <a:t>6/20/2018</a:t>
+              <a:t>8/20/2018</a:t>
             </a:fld>
             <a:endParaRPr lang="en-US" dirty="0"/>
           </a:p>
@@ -4660,7 +4660,7 @@
           <a:p>
             <a:fld id="{48A87A34-81AB-432B-8DAE-1953F412C126}" type="datetimeFigureOut">
               <a:rPr lang="en-US" dirty="0"/>
-              <a:t>6/20/2018</a:t>
+              <a:t>8/20/2018</a:t>
             </a:fld>
             <a:endParaRPr lang="en-US" dirty="0"/>
           </a:p>
@@ -4851,7 +4851,7 @@
           <a:p>
             <a:fld id="{48A87A34-81AB-432B-8DAE-1953F412C126}" type="datetimeFigureOut">
               <a:rPr lang="en-US" dirty="0"/>
-              <a:t>6/20/2018</a:t>
+              <a:t>8/20/2018</a:t>
             </a:fld>
             <a:endParaRPr lang="en-US" dirty="0"/>
           </a:p>
@@ -5109,7 +5109,7 @@
           <a:p>
             <a:fld id="{48A87A34-81AB-432B-8DAE-1953F412C126}" type="datetimeFigureOut">
               <a:rPr lang="en-US" dirty="0"/>
-              <a:t>6/20/2018</a:t>
+              <a:t>8/20/2018</a:t>
             </a:fld>
             <a:endParaRPr lang="en-US" dirty="0"/>
           </a:p>
@@ -5538,7 +5538,7 @@
           <a:p>
             <a:fld id="{48A87A34-81AB-432B-8DAE-1953F412C126}" type="datetimeFigureOut">
               <a:rPr lang="en-US" dirty="0"/>
-              <a:t>6/20/2018</a:t>
+              <a:t>8/20/2018</a:t>
             </a:fld>
             <a:endParaRPr lang="en-US" dirty="0"/>
           </a:p>
@@ -6079,7 +6079,7 @@
           <a:p>
             <a:fld id="{48A87A34-81AB-432B-8DAE-1953F412C126}" type="datetimeFigureOut">
               <a:rPr lang="en-US" dirty="0"/>
-              <a:t>6/20/2018</a:t>
+              <a:t>8/20/2018</a:t>
             </a:fld>
             <a:endParaRPr lang="en-US" dirty="0"/>
           </a:p>
@@ -6794,7 +6794,7 @@
           <a:p>
             <a:fld id="{48A87A34-81AB-432B-8DAE-1953F412C126}" type="datetimeFigureOut">
               <a:rPr lang="en-US" dirty="0"/>
-              <a:t>6/20/2018</a:t>
+              <a:t>8/20/2018</a:t>
             </a:fld>
             <a:endParaRPr lang="en-US" dirty="0"/>
           </a:p>
@@ -6959,7 +6959,7 @@
           <a:p>
             <a:fld id="{48A87A34-81AB-432B-8DAE-1953F412C126}" type="datetimeFigureOut">
               <a:rPr lang="en-US" dirty="0"/>
-              <a:t>6/20/2018</a:t>
+              <a:t>8/20/2018</a:t>
             </a:fld>
             <a:endParaRPr lang="en-US" dirty="0"/>
           </a:p>
@@ -7134,7 +7134,7 @@
           <a:p>
             <a:fld id="{48A87A34-81AB-432B-8DAE-1953F412C126}" type="datetimeFigureOut">
               <a:rPr lang="en-US" dirty="0"/>
-              <a:t>6/20/2018</a:t>
+              <a:t>8/20/2018</a:t>
             </a:fld>
             <a:endParaRPr lang="en-US" dirty="0"/>
           </a:p>
@@ -7299,7 +7299,7 @@
           <a:p>
             <a:fld id="{48A87A34-81AB-432B-8DAE-1953F412C126}" type="datetimeFigureOut">
               <a:rPr lang="en-US" dirty="0"/>
-              <a:t>6/20/2018</a:t>
+              <a:t>8/20/2018</a:t>
             </a:fld>
             <a:endParaRPr lang="en-US" dirty="0"/>
           </a:p>
@@ -7544,7 +7544,7 @@
           <a:p>
             <a:fld id="{48A87A34-81AB-432B-8DAE-1953F412C126}" type="datetimeFigureOut">
               <a:rPr lang="en-US" dirty="0"/>
-              <a:t>6/20/2018</a:t>
+              <a:t>8/20/2018</a:t>
             </a:fld>
             <a:endParaRPr lang="en-US" dirty="0"/>
           </a:p>
@@ -7771,7 +7771,7 @@
           <a:p>
             <a:fld id="{48A87A34-81AB-432B-8DAE-1953F412C126}" type="datetimeFigureOut">
               <a:rPr lang="en-US" dirty="0"/>
-              <a:t>6/20/2018</a:t>
+              <a:t>8/20/2018</a:t>
             </a:fld>
             <a:endParaRPr lang="en-US" dirty="0"/>
           </a:p>
@@ -8147,7 +8147,7 @@
           <a:p>
             <a:fld id="{48A87A34-81AB-432B-8DAE-1953F412C126}" type="datetimeFigureOut">
               <a:rPr lang="en-US" dirty="0"/>
-              <a:t>6/20/2018</a:t>
+              <a:t>8/20/2018</a:t>
             </a:fld>
             <a:endParaRPr lang="en-US" dirty="0"/>
           </a:p>
@@ -8260,7 +8260,7 @@
           <a:p>
             <a:fld id="{48A87A34-81AB-432B-8DAE-1953F412C126}" type="datetimeFigureOut">
               <a:rPr lang="en-US" dirty="0"/>
-              <a:t>6/20/2018</a:t>
+              <a:t>8/20/2018</a:t>
             </a:fld>
             <a:endParaRPr lang="en-US" dirty="0"/>
           </a:p>
@@ -8350,7 +8350,7 @@
           <a:p>
             <a:fld id="{48A87A34-81AB-432B-8DAE-1953F412C126}" type="datetimeFigureOut">
               <a:rPr lang="en-US" dirty="0"/>
-              <a:t>6/20/2018</a:t>
+              <a:t>8/20/2018</a:t>
             </a:fld>
             <a:endParaRPr lang="en-US" dirty="0"/>
           </a:p>
@@ -8594,7 +8594,7 @@
           <a:p>
             <a:fld id="{48A87A34-81AB-432B-8DAE-1953F412C126}" type="datetimeFigureOut">
               <a:rPr lang="en-US" dirty="0"/>
-              <a:t>6/20/2018</a:t>
+              <a:t>8/20/2018</a:t>
             </a:fld>
             <a:endParaRPr lang="en-US" dirty="0"/>
           </a:p>
@@ -8869,7 +8869,7 @@
           <a:p>
             <a:fld id="{48A87A34-81AB-432B-8DAE-1953F412C126}" type="datetimeFigureOut">
               <a:rPr lang="en-US" dirty="0"/>
-              <a:t>6/20/2018</a:t>
+              <a:t>8/20/2018</a:t>
             </a:fld>
             <a:endParaRPr lang="en-US" dirty="0"/>
           </a:p>
@@ -8980,7 +8980,7 @@
           <a:noFill/>
           <a:extLst>
             <a:ext uri="{909E8E84-426E-40dd-AFC4-6F175D3DCCD1}">
-              <a14:hiddenFill xmlns:a14="http://schemas.microsoft.com/office/drawing/2010/main" xmlns="">
+              <a14:hiddenFill xmlns="" xmlns:a14="http://schemas.microsoft.com/office/drawing/2010/main">
                 <a:solidFill>
                   <a:srgbClr val="FFFFFF"/>
                 </a:solidFill>
@@ -9054,7 +9054,7 @@
               </a:ln>
               <a:extLst>
                 <a:ext uri="{91240B29-F687-4f45-9708-019B960494DF}">
-                  <a14:hiddenLine xmlns:a14="http://schemas.microsoft.com/office/drawing/2010/main" xmlns="" w="9525">
+                  <a14:hiddenLine xmlns="" xmlns:a14="http://schemas.microsoft.com/office/drawing/2010/main" w="9525">
                     <a:solidFill>
                       <a:srgbClr val="000000"/>
                     </a:solidFill>
@@ -9144,7 +9144,7 @@
               </a:ln>
               <a:extLst>
                 <a:ext uri="{91240B29-F687-4f45-9708-019B960494DF}">
-                  <a14:hiddenLine xmlns:a14="http://schemas.microsoft.com/office/drawing/2010/main" xmlns="" w="9525">
+                  <a14:hiddenLine xmlns="" xmlns:a14="http://schemas.microsoft.com/office/drawing/2010/main" w="9525">
                     <a:solidFill>
                       <a:srgbClr val="000000"/>
                     </a:solidFill>
@@ -9234,7 +9234,7 @@
               </a:ln>
               <a:extLst>
                 <a:ext uri="{91240B29-F687-4f45-9708-019B960494DF}">
-                  <a14:hiddenLine xmlns:a14="http://schemas.microsoft.com/office/drawing/2010/main" xmlns="" w="9525">
+                  <a14:hiddenLine xmlns="" xmlns:a14="http://schemas.microsoft.com/office/drawing/2010/main" w="9525">
                     <a:solidFill>
                       <a:srgbClr val="000000"/>
                     </a:solidFill>
@@ -9296,7 +9296,7 @@
               </a:ln>
               <a:extLst>
                 <a:ext uri="{91240B29-F687-4f45-9708-019B960494DF}">
-                  <a14:hiddenLine xmlns:a14="http://schemas.microsoft.com/office/drawing/2010/main" xmlns="" w="9525">
+                  <a14:hiddenLine xmlns="" xmlns:a14="http://schemas.microsoft.com/office/drawing/2010/main" w="9525">
                     <a:solidFill>
                       <a:srgbClr val="000000"/>
                     </a:solidFill>
@@ -9386,7 +9386,7 @@
               </a:ln>
               <a:extLst>
                 <a:ext uri="{91240B29-F687-4f45-9708-019B960494DF}">
-                  <a14:hiddenLine xmlns:a14="http://schemas.microsoft.com/office/drawing/2010/main" xmlns="" w="9525">
+                  <a14:hiddenLine xmlns="" xmlns:a14="http://schemas.microsoft.com/office/drawing/2010/main" w="9525">
                     <a:solidFill>
                       <a:srgbClr val="000000"/>
                     </a:solidFill>
@@ -9448,7 +9448,7 @@
               </a:ln>
               <a:extLst>
                 <a:ext uri="{91240B29-F687-4f45-9708-019B960494DF}">
-                  <a14:hiddenLine xmlns:a14="http://schemas.microsoft.com/office/drawing/2010/main" xmlns="" w="9525">
+                  <a14:hiddenLine xmlns="" xmlns:a14="http://schemas.microsoft.com/office/drawing/2010/main" w="9525">
                     <a:solidFill>
                       <a:srgbClr val="000000"/>
                     </a:solidFill>
@@ -9510,7 +9510,7 @@
               </a:ln>
               <a:extLst>
                 <a:ext uri="{91240B29-F687-4f45-9708-019B960494DF}">
-                  <a14:hiddenLine xmlns:a14="http://schemas.microsoft.com/office/drawing/2010/main" xmlns="" w="9525">
+                  <a14:hiddenLine xmlns="" xmlns:a14="http://schemas.microsoft.com/office/drawing/2010/main" w="9525">
                     <a:solidFill>
                       <a:srgbClr val="000000"/>
                     </a:solidFill>
@@ -9600,7 +9600,7 @@
               </a:ln>
               <a:extLst>
                 <a:ext uri="{91240B29-F687-4f45-9708-019B960494DF}">
-                  <a14:hiddenLine xmlns:a14="http://schemas.microsoft.com/office/drawing/2010/main" xmlns="" w="9525">
+                  <a14:hiddenLine xmlns="" xmlns:a14="http://schemas.microsoft.com/office/drawing/2010/main" w="9525">
                     <a:solidFill>
                       <a:srgbClr val="000000"/>
                     </a:solidFill>
@@ -9690,7 +9690,7 @@
               </a:ln>
               <a:extLst>
                 <a:ext uri="{91240B29-F687-4f45-9708-019B960494DF}">
-                  <a14:hiddenLine xmlns:a14="http://schemas.microsoft.com/office/drawing/2010/main" xmlns="" w="9525">
+                  <a14:hiddenLine xmlns="" xmlns:a14="http://schemas.microsoft.com/office/drawing/2010/main" w="9525">
                     <a:solidFill>
                       <a:srgbClr val="000000"/>
                     </a:solidFill>
@@ -9752,7 +9752,7 @@
               </a:ln>
               <a:extLst>
                 <a:ext uri="{91240B29-F687-4f45-9708-019B960494DF}">
-                  <a14:hiddenLine xmlns:a14="http://schemas.microsoft.com/office/drawing/2010/main" xmlns="" w="9525">
+                  <a14:hiddenLine xmlns="" xmlns:a14="http://schemas.microsoft.com/office/drawing/2010/main" w="9525">
                     <a:solidFill>
                       <a:srgbClr val="000000"/>
                     </a:solidFill>
@@ -9862,7 +9862,7 @@
               </a:ln>
               <a:extLst>
                 <a:ext uri="{91240B29-F687-4f45-9708-019B960494DF}">
-                  <a14:hiddenLine xmlns:a14="http://schemas.microsoft.com/office/drawing/2010/main" xmlns="" w="9525">
+                  <a14:hiddenLine xmlns="" xmlns:a14="http://schemas.microsoft.com/office/drawing/2010/main" w="9525">
                     <a:solidFill>
                       <a:srgbClr val="000000"/>
                     </a:solidFill>
@@ -9946,7 +9946,7 @@
               </a:ln>
               <a:extLst>
                 <a:ext uri="{91240B29-F687-4f45-9708-019B960494DF}">
-                  <a14:hiddenLine xmlns:a14="http://schemas.microsoft.com/office/drawing/2010/main" xmlns="" w="9525">
+                  <a14:hiddenLine xmlns="" xmlns:a14="http://schemas.microsoft.com/office/drawing/2010/main" w="9525">
                     <a:solidFill>
                       <a:srgbClr val="000000"/>
                     </a:solidFill>
@@ -10008,7 +10008,7 @@
               </a:ln>
               <a:extLst>
                 <a:ext uri="{91240B29-F687-4f45-9708-019B960494DF}">
-                  <a14:hiddenLine xmlns:a14="http://schemas.microsoft.com/office/drawing/2010/main" xmlns="" w="9525">
+                  <a14:hiddenLine xmlns="" xmlns:a14="http://schemas.microsoft.com/office/drawing/2010/main" w="9525">
                     <a:solidFill>
                       <a:srgbClr val="000000"/>
                     </a:solidFill>
@@ -10070,7 +10070,7 @@
               </a:ln>
               <a:extLst>
                 <a:ext uri="{91240B29-F687-4f45-9708-019B960494DF}">
-                  <a14:hiddenLine xmlns:a14="http://schemas.microsoft.com/office/drawing/2010/main" xmlns="" w="9525">
+                  <a14:hiddenLine xmlns="" xmlns:a14="http://schemas.microsoft.com/office/drawing/2010/main" w="9525">
                     <a:solidFill>
                       <a:srgbClr val="000000"/>
                     </a:solidFill>
@@ -10160,7 +10160,7 @@
               </a:ln>
               <a:extLst>
                 <a:ext uri="{91240B29-F687-4f45-9708-019B960494DF}">
-                  <a14:hiddenLine xmlns:a14="http://schemas.microsoft.com/office/drawing/2010/main" xmlns="" w="9525">
+                  <a14:hiddenLine xmlns="" xmlns:a14="http://schemas.microsoft.com/office/drawing/2010/main" w="9525">
                     <a:solidFill>
                       <a:srgbClr val="000000"/>
                     </a:solidFill>
@@ -10194,7 +10194,7 @@
               </a:ln>
               <a:extLst>
                 <a:ext uri="{91240B29-F687-4f45-9708-019B960494DF}">
-                  <a14:hiddenLine xmlns:a14="http://schemas.microsoft.com/office/drawing/2010/main" xmlns="" w="9525">
+                  <a14:hiddenLine xmlns="" xmlns:a14="http://schemas.microsoft.com/office/drawing/2010/main" w="9525">
                     <a:solidFill>
                       <a:srgbClr val="000000"/>
                     </a:solidFill>
@@ -10259,7 +10259,7 @@
               </a:ln>
               <a:extLst>
                 <a:ext uri="{91240B29-F687-4f45-9708-019B960494DF}">
-                  <a14:hiddenLine xmlns:a14="http://schemas.microsoft.com/office/drawing/2010/main" xmlns="" w="9525">
+                  <a14:hiddenLine xmlns="" xmlns:a14="http://schemas.microsoft.com/office/drawing/2010/main" w="9525">
                     <a:solidFill>
                       <a:srgbClr val="000000"/>
                     </a:solidFill>
@@ -10349,7 +10349,7 @@
               </a:ln>
               <a:extLst>
                 <a:ext uri="{91240B29-F687-4f45-9708-019B960494DF}">
-                  <a14:hiddenLine xmlns:a14="http://schemas.microsoft.com/office/drawing/2010/main" xmlns="" w="9525">
+                  <a14:hiddenLine xmlns="" xmlns:a14="http://schemas.microsoft.com/office/drawing/2010/main" w="9525">
                     <a:solidFill>
                       <a:srgbClr val="000000"/>
                     </a:solidFill>
@@ -10411,7 +10411,7 @@
               </a:ln>
               <a:extLst>
                 <a:ext uri="{91240B29-F687-4f45-9708-019B960494DF}">
-                  <a14:hiddenLine xmlns:a14="http://schemas.microsoft.com/office/drawing/2010/main" xmlns="" w="9525">
+                  <a14:hiddenLine xmlns="" xmlns:a14="http://schemas.microsoft.com/office/drawing/2010/main" w="9525">
                     <a:solidFill>
                       <a:srgbClr val="000000"/>
                     </a:solidFill>
@@ -10501,7 +10501,7 @@
               </a:ln>
               <a:extLst>
                 <a:ext uri="{91240B29-F687-4f45-9708-019B960494DF}">
-                  <a14:hiddenLine xmlns:a14="http://schemas.microsoft.com/office/drawing/2010/main" xmlns="" w="9525">
+                  <a14:hiddenLine xmlns="" xmlns:a14="http://schemas.microsoft.com/office/drawing/2010/main" w="9525">
                     <a:solidFill>
                       <a:srgbClr val="000000"/>
                     </a:solidFill>
@@ -10566,7 +10566,7 @@
               </a:ln>
               <a:extLst>
                 <a:ext uri="{91240B29-F687-4f45-9708-019B960494DF}">
-                  <a14:hiddenLine xmlns:a14="http://schemas.microsoft.com/office/drawing/2010/main" xmlns="" w="9525">
+                  <a14:hiddenLine xmlns="" xmlns:a14="http://schemas.microsoft.com/office/drawing/2010/main" w="9525">
                     <a:solidFill>
                       <a:srgbClr val="000000"/>
                     </a:solidFill>
@@ -10628,7 +10628,7 @@
               </a:ln>
               <a:extLst>
                 <a:ext uri="{91240B29-F687-4f45-9708-019B960494DF}">
-                  <a14:hiddenLine xmlns:a14="http://schemas.microsoft.com/office/drawing/2010/main" xmlns="" w="9525">
+                  <a14:hiddenLine xmlns="" xmlns:a14="http://schemas.microsoft.com/office/drawing/2010/main" w="9525">
                     <a:solidFill>
                       <a:srgbClr val="000000"/>
                     </a:solidFill>
@@ -10718,7 +10718,7 @@
               </a:ln>
               <a:extLst>
                 <a:ext uri="{91240B29-F687-4f45-9708-019B960494DF}">
-                  <a14:hiddenLine xmlns:a14="http://schemas.microsoft.com/office/drawing/2010/main" xmlns="" w="9525">
+                  <a14:hiddenLine xmlns="" xmlns:a14="http://schemas.microsoft.com/office/drawing/2010/main" w="9525">
                     <a:solidFill>
                       <a:srgbClr val="000000"/>
                     </a:solidFill>
@@ -10808,7 +10808,7 @@
               </a:ln>
               <a:extLst>
                 <a:ext uri="{91240B29-F687-4f45-9708-019B960494DF}">
-                  <a14:hiddenLine xmlns:a14="http://schemas.microsoft.com/office/drawing/2010/main" xmlns="" w="9525">
+                  <a14:hiddenLine xmlns="" xmlns:a14="http://schemas.microsoft.com/office/drawing/2010/main" w="9525">
                     <a:solidFill>
                       <a:srgbClr val="000000"/>
                     </a:solidFill>
@@ -10873,7 +10873,7 @@
               </a:ln>
               <a:extLst>
                 <a:ext uri="{91240B29-F687-4f45-9708-019B960494DF}">
-                  <a14:hiddenLine xmlns:a14="http://schemas.microsoft.com/office/drawing/2010/main" xmlns="" w="9525">
+                  <a14:hiddenLine xmlns="" xmlns:a14="http://schemas.microsoft.com/office/drawing/2010/main" w="9525">
                     <a:solidFill>
                       <a:srgbClr val="000000"/>
                     </a:solidFill>
@@ -10993,7 +10993,7 @@
               </a:ln>
               <a:extLst>
                 <a:ext uri="{91240B29-F687-4f45-9708-019B960494DF}">
-                  <a14:hiddenLine xmlns:a14="http://schemas.microsoft.com/office/drawing/2010/main" xmlns="" w="9525">
+                  <a14:hiddenLine xmlns="" xmlns:a14="http://schemas.microsoft.com/office/drawing/2010/main" w="9525">
                     <a:solidFill>
                       <a:srgbClr val="000000"/>
                     </a:solidFill>
@@ -11091,7 +11091,7 @@
               </a:ln>
               <a:extLst>
                 <a:ext uri="{91240B29-F687-4f45-9708-019B960494DF}">
-                  <a14:hiddenLine xmlns:a14="http://schemas.microsoft.com/office/drawing/2010/main" xmlns="" w="9525">
+                  <a14:hiddenLine xmlns="" xmlns:a14="http://schemas.microsoft.com/office/drawing/2010/main" w="9525">
                     <a:solidFill>
                       <a:srgbClr val="000000"/>
                     </a:solidFill>
@@ -11206,7 +11206,7 @@
               </a:ln>
               <a:extLst>
                 <a:ext uri="{91240B29-F687-4f45-9708-019B960494DF}">
-                  <a14:hiddenLine xmlns:a14="http://schemas.microsoft.com/office/drawing/2010/main" xmlns="" w="9525">
+                  <a14:hiddenLine xmlns="" xmlns:a14="http://schemas.microsoft.com/office/drawing/2010/main" w="9525">
                     <a:solidFill>
                       <a:srgbClr val="000000"/>
                     </a:solidFill>
@@ -11296,7 +11296,7 @@
               </a:ln>
               <a:extLst>
                 <a:ext uri="{91240B29-F687-4f45-9708-019B960494DF}">
-                  <a14:hiddenLine xmlns:a14="http://schemas.microsoft.com/office/drawing/2010/main" xmlns="" w="9525">
+                  <a14:hiddenLine xmlns="" xmlns:a14="http://schemas.microsoft.com/office/drawing/2010/main" w="9525">
                     <a:solidFill>
                       <a:srgbClr val="000000"/>
                     </a:solidFill>
@@ -11361,7 +11361,7 @@
               </a:ln>
               <a:extLst>
                 <a:ext uri="{91240B29-F687-4f45-9708-019B960494DF}">
-                  <a14:hiddenLine xmlns:a14="http://schemas.microsoft.com/office/drawing/2010/main" xmlns="" w="9525">
+                  <a14:hiddenLine xmlns="" xmlns:a14="http://schemas.microsoft.com/office/drawing/2010/main" w="9525">
                     <a:solidFill>
                       <a:srgbClr val="000000"/>
                     </a:solidFill>
@@ -11451,7 +11451,7 @@
               </a:ln>
               <a:extLst>
                 <a:ext uri="{91240B29-F687-4f45-9708-019B960494DF}">
-                  <a14:hiddenLine xmlns:a14="http://schemas.microsoft.com/office/drawing/2010/main" xmlns="" w="9525">
+                  <a14:hiddenLine xmlns="" xmlns:a14="http://schemas.microsoft.com/office/drawing/2010/main" w="9525">
                     <a:solidFill>
                       <a:srgbClr val="000000"/>
                     </a:solidFill>
@@ -11519,7 +11519,7 @@
               </a:ln>
               <a:extLst>
                 <a:ext uri="{91240B29-F687-4f45-9708-019B960494DF}">
-                  <a14:hiddenLine xmlns:a14="http://schemas.microsoft.com/office/drawing/2010/main" xmlns="" w="9525">
+                  <a14:hiddenLine xmlns="" xmlns:a14="http://schemas.microsoft.com/office/drawing/2010/main" w="9525">
                     <a:solidFill>
                       <a:srgbClr val="000000"/>
                     </a:solidFill>
@@ -11609,7 +11609,7 @@
               </a:ln>
               <a:extLst>
                 <a:ext uri="{91240B29-F687-4f45-9708-019B960494DF}">
-                  <a14:hiddenLine xmlns:a14="http://schemas.microsoft.com/office/drawing/2010/main" xmlns="" w="9525">
+                  <a14:hiddenLine xmlns="" xmlns:a14="http://schemas.microsoft.com/office/drawing/2010/main" w="9525">
                     <a:solidFill>
                       <a:srgbClr val="000000"/>
                     </a:solidFill>
@@ -11677,7 +11677,7 @@
               </a:ln>
               <a:extLst>
                 <a:ext uri="{91240B29-F687-4f45-9708-019B960494DF}">
-                  <a14:hiddenLine xmlns:a14="http://schemas.microsoft.com/office/drawing/2010/main" xmlns="" w="9525">
+                  <a14:hiddenLine xmlns="" xmlns:a14="http://schemas.microsoft.com/office/drawing/2010/main" w="9525">
                     <a:solidFill>
                       <a:srgbClr val="000000"/>
                     </a:solidFill>
@@ -11767,7 +11767,7 @@
               </a:ln>
               <a:extLst>
                 <a:ext uri="{91240B29-F687-4f45-9708-019B960494DF}">
-                  <a14:hiddenLine xmlns:a14="http://schemas.microsoft.com/office/drawing/2010/main" xmlns="" w="9525">
+                  <a14:hiddenLine xmlns="" xmlns:a14="http://schemas.microsoft.com/office/drawing/2010/main" w="9525">
                     <a:solidFill>
                       <a:srgbClr val="000000"/>
                     </a:solidFill>
@@ -11801,7 +11801,7 @@
               </a:ln>
               <a:extLst>
                 <a:ext uri="{91240B29-F687-4f45-9708-019B960494DF}">
-                  <a14:hiddenLine xmlns:a14="http://schemas.microsoft.com/office/drawing/2010/main" xmlns="" w="9525">
+                  <a14:hiddenLine xmlns="" xmlns:a14="http://schemas.microsoft.com/office/drawing/2010/main" w="9525">
                     <a:solidFill>
                       <a:srgbClr val="000000"/>
                     </a:solidFill>
@@ -11942,7 +11942,7 @@
             <a:fld id="{48A87A34-81AB-432B-8DAE-1953F412C126}" type="datetimeFigureOut">
               <a:rPr lang="en-US" dirty="0"/>
               <a:pPr/>
-              <a:t>6/20/2018</a:t>
+              <a:t>8/20/2018</a:t>
             </a:fld>
             <a:endParaRPr lang="en-US" dirty="0"/>
           </a:p>
@@ -14658,6 +14658,36 @@
           <a:chExt cx="0" cy="0"/>
         </a:xfrm>
       </p:grpSpPr>
+      <p:pic>
+        <p:nvPicPr>
+          <p:cNvPr id="11" name="Picture 10">
+            <a:extLst>
+              <a:ext uri="{FF2B5EF4-FFF2-40B4-BE49-F238E27FC236}">
+                <a16:creationId xmlns:a16="http://schemas.microsoft.com/office/drawing/2014/main" id="{BD92B464-4402-4F59-B2FD-4C56E2871297}"/>
+              </a:ext>
+            </a:extLst>
+          </p:cNvPr>
+          <p:cNvPicPr>
+            <a:picLocks noChangeAspect="1"/>
+          </p:cNvPicPr>
+          <p:nvPr/>
+        </p:nvPicPr>
+        <p:blipFill>
+          <a:blip r:embed="rId2"/>
+          <a:stretch>
+            <a:fillRect/>
+          </a:stretch>
+        </p:blipFill>
+        <p:spPr>
+          <a:xfrm>
+            <a:off x="2713936" y="2097088"/>
+            <a:ext cx="5457825" cy="4076700"/>
+          </a:xfrm>
+          <a:prstGeom prst="rect">
+            <a:avLst/>
+          </a:prstGeom>
+        </p:spPr>
+      </p:pic>
       <p:sp>
         <p:nvSpPr>
           <p:cNvPr id="2" name="Title 1">
@@ -14686,36 +14716,6 @@
           </a:p>
         </p:txBody>
       </p:sp>
-      <p:pic>
-        <p:nvPicPr>
-          <p:cNvPr id="5" name="Picture 4">
-            <a:extLst>
-              <a:ext uri="{FF2B5EF4-FFF2-40B4-BE49-F238E27FC236}">
-                <a16:creationId xmlns:a16="http://schemas.microsoft.com/office/drawing/2014/main" id="{B9BED9A0-B6EC-46A4-8D20-269689C2B6C4}"/>
-              </a:ext>
-            </a:extLst>
-          </p:cNvPr>
-          <p:cNvPicPr>
-            <a:picLocks noChangeAspect="1"/>
-          </p:cNvPicPr>
-          <p:nvPr/>
-        </p:nvPicPr>
-        <p:blipFill>
-          <a:blip r:embed="rId2"/>
-          <a:stretch>
-            <a:fillRect/>
-          </a:stretch>
-        </p:blipFill>
-        <p:spPr>
-          <a:xfrm>
-            <a:off x="3060699" y="2516524"/>
-            <a:ext cx="6067425" cy="3381375"/>
-          </a:xfrm>
-          <a:prstGeom prst="rect">
-            <a:avLst/>
-          </a:prstGeom>
-        </p:spPr>
-      </p:pic>
       <p:pic>
         <p:nvPicPr>
           <p:cNvPr id="13" name="Picture 12">
@@ -14738,7 +14738,7 @@
         </p:blipFill>
         <p:spPr>
           <a:xfrm>
-            <a:off x="6153389" y="3375021"/>
+            <a:off x="5442849" y="2693209"/>
             <a:ext cx="914400" cy="914400"/>
           </a:xfrm>
           <a:prstGeom prst="rect">
@@ -14768,8 +14768,8 @@
         </p:blipFill>
         <p:spPr>
           <a:xfrm>
-            <a:off x="7256212" y="2917821"/>
-            <a:ext cx="1226289" cy="914400"/>
+            <a:off x="6400907" y="2693209"/>
+            <a:ext cx="1061391" cy="914400"/>
           </a:xfrm>
           <a:prstGeom prst="rect">
             <a:avLst/>
@@ -14798,7 +14798,7 @@
         </p:blipFill>
         <p:spPr>
           <a:xfrm>
-            <a:off x="4715888" y="3305766"/>
+            <a:off x="4226883" y="2685565"/>
             <a:ext cx="1172308" cy="914400"/>
           </a:xfrm>
           <a:prstGeom prst="rect">
@@ -14828,7 +14828,7 @@
         </p:blipFill>
         <p:spPr>
           <a:xfrm>
-            <a:off x="3574680" y="2690236"/>
+            <a:off x="3268825" y="2685565"/>
             <a:ext cx="914400" cy="914400"/>
           </a:xfrm>
           <a:prstGeom prst="rect">
@@ -16246,7 +16246,7 @@
             </a:pPr>
             <a:r>
               <a:rPr lang="en-US" sz="2400" dirty="0"/>
-              <a:t>Integration with Azure Resource Templates (ARM) </a:t>
+              <a:t>Authentication gracefully handled with Azure Login </a:t>
             </a:r>
           </a:p>
           <a:p>
@@ -16263,7 +16263,7 @@
             </a:pPr>
             <a:r>
               <a:rPr lang="en-US" sz="2400" dirty="0"/>
-              <a:t>Authentication gracefully handled with Azure Login </a:t>
+              <a:t>Extensible modules developed by anyone</a:t>
             </a:r>
           </a:p>
         </p:txBody>

--- a/Clis/The Four CLIs of The Apocalypse.pptx
+++ b/Clis/The Four CLIs of The Apocalypse.pptx
@@ -9,13 +9,14 @@
     <p:sldId id="258" r:id="rId3"/>
     <p:sldId id="257" r:id="rId4"/>
     <p:sldId id="259" r:id="rId5"/>
-    <p:sldId id="262" r:id="rId6"/>
-    <p:sldId id="263" r:id="rId7"/>
-    <p:sldId id="264" r:id="rId8"/>
-    <p:sldId id="265" r:id="rId9"/>
-    <p:sldId id="266" r:id="rId10"/>
-    <p:sldId id="261" r:id="rId11"/>
+    <p:sldId id="267" r:id="rId6"/>
+    <p:sldId id="262" r:id="rId7"/>
+    <p:sldId id="263" r:id="rId8"/>
+    <p:sldId id="264" r:id="rId9"/>
+    <p:sldId id="265" r:id="rId10"/>
+    <p:sldId id="266" r:id="rId11"/>
     <p:sldId id="260" r:id="rId12"/>
+    <p:sldId id="261" r:id="rId13"/>
   </p:sldIdLst>
   <p:sldSz cx="12192000" cy="6858000"/>
   <p:notesSz cx="6858000" cy="9144000"/>
@@ -4398,7 +4399,7 @@
           <a:p>
             <a:fld id="{48A87A34-81AB-432B-8DAE-1953F412C126}" type="datetimeFigureOut">
               <a:rPr lang="en-US" dirty="0"/>
-              <a:t>8/20/2018</a:t>
+              <a:t>5/10/2019</a:t>
             </a:fld>
             <a:endParaRPr lang="en-US" dirty="0"/>
           </a:p>
@@ -4660,7 +4661,7 @@
           <a:p>
             <a:fld id="{48A87A34-81AB-432B-8DAE-1953F412C126}" type="datetimeFigureOut">
               <a:rPr lang="en-US" dirty="0"/>
-              <a:t>8/20/2018</a:t>
+              <a:t>5/10/2019</a:t>
             </a:fld>
             <a:endParaRPr lang="en-US" dirty="0"/>
           </a:p>
@@ -4851,7 +4852,7 @@
           <a:p>
             <a:fld id="{48A87A34-81AB-432B-8DAE-1953F412C126}" type="datetimeFigureOut">
               <a:rPr lang="en-US" dirty="0"/>
-              <a:t>8/20/2018</a:t>
+              <a:t>5/10/2019</a:t>
             </a:fld>
             <a:endParaRPr lang="en-US" dirty="0"/>
           </a:p>
@@ -5109,7 +5110,7 @@
           <a:p>
             <a:fld id="{48A87A34-81AB-432B-8DAE-1953F412C126}" type="datetimeFigureOut">
               <a:rPr lang="en-US" dirty="0"/>
-              <a:t>8/20/2018</a:t>
+              <a:t>5/10/2019</a:t>
             </a:fld>
             <a:endParaRPr lang="en-US" dirty="0"/>
           </a:p>
@@ -5538,7 +5539,7 @@
           <a:p>
             <a:fld id="{48A87A34-81AB-432B-8DAE-1953F412C126}" type="datetimeFigureOut">
               <a:rPr lang="en-US" dirty="0"/>
-              <a:t>8/20/2018</a:t>
+              <a:t>5/10/2019</a:t>
             </a:fld>
             <a:endParaRPr lang="en-US" dirty="0"/>
           </a:p>
@@ -6079,7 +6080,7 @@
           <a:p>
             <a:fld id="{48A87A34-81AB-432B-8DAE-1953F412C126}" type="datetimeFigureOut">
               <a:rPr lang="en-US" dirty="0"/>
-              <a:t>8/20/2018</a:t>
+              <a:t>5/10/2019</a:t>
             </a:fld>
             <a:endParaRPr lang="en-US" dirty="0"/>
           </a:p>
@@ -6794,7 +6795,7 @@
           <a:p>
             <a:fld id="{48A87A34-81AB-432B-8DAE-1953F412C126}" type="datetimeFigureOut">
               <a:rPr lang="en-US" dirty="0"/>
-              <a:t>8/20/2018</a:t>
+              <a:t>5/10/2019</a:t>
             </a:fld>
             <a:endParaRPr lang="en-US" dirty="0"/>
           </a:p>
@@ -6959,7 +6960,7 @@
           <a:p>
             <a:fld id="{48A87A34-81AB-432B-8DAE-1953F412C126}" type="datetimeFigureOut">
               <a:rPr lang="en-US" dirty="0"/>
-              <a:t>8/20/2018</a:t>
+              <a:t>5/10/2019</a:t>
             </a:fld>
             <a:endParaRPr lang="en-US" dirty="0"/>
           </a:p>
@@ -7134,7 +7135,7 @@
           <a:p>
             <a:fld id="{48A87A34-81AB-432B-8DAE-1953F412C126}" type="datetimeFigureOut">
               <a:rPr lang="en-US" dirty="0"/>
-              <a:t>8/20/2018</a:t>
+              <a:t>5/10/2019</a:t>
             </a:fld>
             <a:endParaRPr lang="en-US" dirty="0"/>
           </a:p>
@@ -7299,7 +7300,7 @@
           <a:p>
             <a:fld id="{48A87A34-81AB-432B-8DAE-1953F412C126}" type="datetimeFigureOut">
               <a:rPr lang="en-US" dirty="0"/>
-              <a:t>8/20/2018</a:t>
+              <a:t>5/10/2019</a:t>
             </a:fld>
             <a:endParaRPr lang="en-US" dirty="0"/>
           </a:p>
@@ -7544,7 +7545,7 @@
           <a:p>
             <a:fld id="{48A87A34-81AB-432B-8DAE-1953F412C126}" type="datetimeFigureOut">
               <a:rPr lang="en-US" dirty="0"/>
-              <a:t>8/20/2018</a:t>
+              <a:t>5/10/2019</a:t>
             </a:fld>
             <a:endParaRPr lang="en-US" dirty="0"/>
           </a:p>
@@ -7771,7 +7772,7 @@
           <a:p>
             <a:fld id="{48A87A34-81AB-432B-8DAE-1953F412C126}" type="datetimeFigureOut">
               <a:rPr lang="en-US" dirty="0"/>
-              <a:t>8/20/2018</a:t>
+              <a:t>5/10/2019</a:t>
             </a:fld>
             <a:endParaRPr lang="en-US" dirty="0"/>
           </a:p>
@@ -8147,7 +8148,7 @@
           <a:p>
             <a:fld id="{48A87A34-81AB-432B-8DAE-1953F412C126}" type="datetimeFigureOut">
               <a:rPr lang="en-US" dirty="0"/>
-              <a:t>8/20/2018</a:t>
+              <a:t>5/10/2019</a:t>
             </a:fld>
             <a:endParaRPr lang="en-US" dirty="0"/>
           </a:p>
@@ -8260,7 +8261,7 @@
           <a:p>
             <a:fld id="{48A87A34-81AB-432B-8DAE-1953F412C126}" type="datetimeFigureOut">
               <a:rPr lang="en-US" dirty="0"/>
-              <a:t>8/20/2018</a:t>
+              <a:t>5/10/2019</a:t>
             </a:fld>
             <a:endParaRPr lang="en-US" dirty="0"/>
           </a:p>
@@ -8350,7 +8351,7 @@
           <a:p>
             <a:fld id="{48A87A34-81AB-432B-8DAE-1953F412C126}" type="datetimeFigureOut">
               <a:rPr lang="en-US" dirty="0"/>
-              <a:t>8/20/2018</a:t>
+              <a:t>5/10/2019</a:t>
             </a:fld>
             <a:endParaRPr lang="en-US" dirty="0"/>
           </a:p>
@@ -8594,7 +8595,7 @@
           <a:p>
             <a:fld id="{48A87A34-81AB-432B-8DAE-1953F412C126}" type="datetimeFigureOut">
               <a:rPr lang="en-US" dirty="0"/>
-              <a:t>8/20/2018</a:t>
+              <a:t>5/10/2019</a:t>
             </a:fld>
             <a:endParaRPr lang="en-US" dirty="0"/>
           </a:p>
@@ -8869,7 +8870,7 @@
           <a:p>
             <a:fld id="{48A87A34-81AB-432B-8DAE-1953F412C126}" type="datetimeFigureOut">
               <a:rPr lang="en-US" dirty="0"/>
-              <a:t>8/20/2018</a:t>
+              <a:t>5/10/2019</a:t>
             </a:fld>
             <a:endParaRPr lang="en-US" dirty="0"/>
           </a:p>
@@ -11942,7 +11943,7 @@
             <a:fld id="{48A87A34-81AB-432B-8DAE-1953F412C126}" type="datetimeFigureOut">
               <a:rPr lang="en-US" dirty="0"/>
               <a:pPr/>
-              <a:t>8/20/2018</a:t>
+              <a:t>5/10/2019</a:t>
             </a:fld>
             <a:endParaRPr lang="en-US" dirty="0"/>
           </a:p>
@@ -12466,260 +12467,43 @@
       </p:grpSpPr>
       <p:sp>
         <p:nvSpPr>
-          <p:cNvPr id="2" name="Title 1">
+          <p:cNvPr id="4" name="TextBox 3">
             <a:extLst>
               <a:ext uri="{FF2B5EF4-FFF2-40B4-BE49-F238E27FC236}">
-                <a16:creationId xmlns:a16="http://schemas.microsoft.com/office/drawing/2014/main" id="{13BC4EDD-0104-401B-B2EE-D2F8A6E7B779}"/>
+                <a16:creationId xmlns:a16="http://schemas.microsoft.com/office/drawing/2014/main" id="{79B8F36A-37AB-4520-A3C5-328504834C55}"/>
               </a:ext>
             </a:extLst>
           </p:cNvPr>
-          <p:cNvSpPr>
-            <a:spLocks noGrp="1"/>
-          </p:cNvSpPr>
-          <p:nvPr>
-            <p:ph type="title"/>
-          </p:nvPr>
-        </p:nvSpPr>
-        <p:spPr/>
-        <p:txBody>
-          <a:bodyPr>
-            <a:normAutofit/>
-          </a:bodyPr>
-          <a:lstStyle/>
-          <a:p>
-            <a:r>
-              <a:rPr lang="en-US" dirty="0"/>
-              <a:t>Resources – </a:t>
-            </a:r>
-            <a:r>
-              <a:rPr lang="en-US" dirty="0">
-                <a:hlinkClick r:id="rId2"/>
-              </a:rPr>
-              <a:t>https://aka.ms/levin-cli</a:t>
-            </a:r>
-            <a:endParaRPr lang="en-US" dirty="0"/>
-          </a:p>
-        </p:txBody>
-      </p:sp>
-      <p:sp>
-        <p:nvSpPr>
-          <p:cNvPr id="3" name="Content Placeholder 2">
-            <a:extLst>
-              <a:ext uri="{FF2B5EF4-FFF2-40B4-BE49-F238E27FC236}">
-                <a16:creationId xmlns:a16="http://schemas.microsoft.com/office/drawing/2014/main" id="{07E351B2-8C3B-4F2A-B0E4-EF12B1FA10E5}"/>
-              </a:ext>
-            </a:extLst>
-          </p:cNvPr>
-          <p:cNvSpPr>
-            <a:spLocks noGrp="1"/>
-          </p:cNvSpPr>
-          <p:nvPr>
-            <p:ph idx="1"/>
-          </p:nvPr>
+          <p:cNvSpPr txBox="1"/>
+          <p:nvPr/>
         </p:nvSpPr>
         <p:spPr>
           <a:xfrm>
-            <a:off x="1141412" y="1770434"/>
-            <a:ext cx="9905999" cy="4751962"/>
+            <a:off x="1581150" y="2767280"/>
+            <a:ext cx="9029700" cy="1323439"/>
           </a:xfrm>
+          <a:prstGeom prst="rect">
+            <a:avLst/>
+          </a:prstGeom>
+          <a:noFill/>
         </p:spPr>
         <p:txBody>
-          <a:bodyPr>
-            <a:normAutofit fontScale="70000" lnSpcReduction="20000"/>
+          <a:bodyPr wrap="square" rtlCol="0">
+            <a:spAutoFit/>
           </a:bodyPr>
           <a:lstStyle/>
           <a:p>
             <a:r>
-              <a:rPr lang="en-US" dirty="0"/>
-              <a:t>Git Bash</a:t>
+              <a:rPr lang="en-US" sz="8000" dirty="0"/>
+              <a:t>A VERY LONG DEMO</a:t>
             </a:r>
-          </a:p>
-          <a:p>
-            <a:pPr lvl="1"/>
-            <a:r>
-              <a:rPr lang="en-US" dirty="0">
-                <a:hlinkClick r:id="rId3"/>
-              </a:rPr>
-              <a:t>https://git-scm.com</a:t>
-            </a:r>
-            <a:endParaRPr lang="en-US" dirty="0"/>
-          </a:p>
-          <a:p>
-            <a:pPr lvl="1"/>
-            <a:r>
-              <a:rPr lang="en-US" dirty="0"/>
-              <a:t>25 part video series - </a:t>
-            </a:r>
-            <a:r>
-              <a:rPr lang="en-US" dirty="0">
-                <a:hlinkClick r:id="rId4"/>
-              </a:rPr>
-              <a:t>https://aka.ms/github-youtube-playlist</a:t>
-            </a:r>
-            <a:r>
-              <a:rPr lang="en-US" dirty="0"/>
-              <a:t> </a:t>
-            </a:r>
-          </a:p>
-          <a:p>
-            <a:r>
-              <a:rPr lang="en-US" dirty="0"/>
-              <a:t>Dotnet CLI</a:t>
-            </a:r>
-          </a:p>
-          <a:p>
-            <a:pPr lvl="1"/>
-            <a:r>
-              <a:rPr lang="en-US" dirty="0">
-                <a:hlinkClick r:id="rId5"/>
-              </a:rPr>
-              <a:t>https://docs.microsoft.com/dotnet/core/tools</a:t>
-            </a:r>
-            <a:endParaRPr lang="en-US" dirty="0"/>
-          </a:p>
-          <a:p>
-            <a:pPr lvl="1"/>
-            <a:r>
-              <a:rPr lang="en-US" dirty="0" err="1"/>
-              <a:t>DotNet</a:t>
-            </a:r>
-            <a:r>
-              <a:rPr lang="en-US" dirty="0"/>
-              <a:t> Core CLI Tutorial - </a:t>
-            </a:r>
-            <a:r>
-              <a:rPr lang="en-US" dirty="0">
-                <a:hlinkClick r:id="rId6"/>
-              </a:rPr>
-              <a:t>https://www.youtube.com/watch?v=j8apQ06fFs0&amp;t=854s</a:t>
-            </a:r>
-            <a:endParaRPr lang="en-US" dirty="0"/>
-          </a:p>
-          <a:p>
-            <a:pPr lvl="1"/>
-            <a:r>
-              <a:rPr lang="en-US" dirty="0" err="1"/>
-              <a:t>DotNet</a:t>
-            </a:r>
-            <a:r>
-              <a:rPr lang="en-US" dirty="0"/>
-              <a:t> CLI Global Tools - </a:t>
-            </a:r>
-            <a:r>
-              <a:rPr lang="en-US" dirty="0">
-                <a:hlinkClick r:id="rId7"/>
-              </a:rPr>
-              <a:t>https://github.com/natemcmaster/dotnet-tools</a:t>
-            </a:r>
-            <a:endParaRPr lang="en-US" dirty="0"/>
-          </a:p>
-          <a:p>
-            <a:r>
-              <a:rPr lang="en-US" dirty="0"/>
-              <a:t>Angular CLI</a:t>
-            </a:r>
-          </a:p>
-          <a:p>
-            <a:pPr lvl="1"/>
-            <a:r>
-              <a:rPr lang="en-US" dirty="0"/>
-              <a:t>https://cli.angular.io/</a:t>
-            </a:r>
-          </a:p>
-          <a:p>
-            <a:pPr lvl="1"/>
-            <a:r>
-              <a:rPr lang="en-US" dirty="0"/>
-              <a:t>Angular Talk from John Papa - </a:t>
-            </a:r>
-            <a:r>
-              <a:rPr lang="en-US" dirty="0">
-                <a:hlinkClick r:id="rId8"/>
-              </a:rPr>
-              <a:t>https://www.youtube.com/watch?v=h7eVZg3j_Lk</a:t>
-            </a:r>
-            <a:endParaRPr lang="en-US" dirty="0"/>
-          </a:p>
-          <a:p>
-            <a:r>
-              <a:rPr lang="en-US" dirty="0"/>
-              <a:t>Azure CLI</a:t>
-            </a:r>
-          </a:p>
-          <a:p>
-            <a:pPr lvl="1"/>
-            <a:r>
-              <a:rPr lang="en-US" dirty="0">
-                <a:hlinkClick r:id="rId9"/>
-              </a:rPr>
-              <a:t>https://docs.microsoft.com/cli/azure</a:t>
-            </a:r>
-            <a:endParaRPr lang="en-US" dirty="0"/>
-          </a:p>
-          <a:p>
-            <a:pPr lvl="1"/>
-            <a:r>
-              <a:rPr lang="en-US" dirty="0"/>
-              <a:t>Introducing Azure CLI - </a:t>
-            </a:r>
-            <a:r>
-              <a:rPr lang="en-US" dirty="0">
-                <a:hlinkClick r:id="rId10"/>
-              </a:rPr>
-              <a:t>https://www.youtube.com/watch?v=laQIC-m9Zn4</a:t>
-            </a:r>
-            <a:endParaRPr lang="en-US" dirty="0"/>
-          </a:p>
-          <a:p>
-            <a:r>
-              <a:rPr lang="en-US" dirty="0"/>
-              <a:t>Gig (.</a:t>
-            </a:r>
-            <a:r>
-              <a:rPr lang="en-US" dirty="0" err="1"/>
-              <a:t>gitignore</a:t>
-            </a:r>
-            <a:r>
-              <a:rPr lang="en-US" dirty="0"/>
-              <a:t> generator)</a:t>
-            </a:r>
-          </a:p>
-          <a:p>
-            <a:pPr lvl="1"/>
-            <a:r>
-              <a:rPr lang="en-US" dirty="0">
-                <a:hlinkClick r:id="rId11"/>
-              </a:rPr>
-              <a:t>https://www.gitignore.io</a:t>
-            </a:r>
-            <a:endParaRPr lang="en-US" dirty="0"/>
-          </a:p>
-          <a:p>
-            <a:pPr lvl="1"/>
-            <a:endParaRPr lang="en-US" dirty="0"/>
-          </a:p>
-          <a:p>
-            <a:pPr lvl="1"/>
-            <a:endParaRPr lang="en-US" dirty="0"/>
-          </a:p>
-          <a:p>
-            <a:pPr lvl="1"/>
-            <a:endParaRPr lang="en-US" dirty="0"/>
-          </a:p>
-          <a:p>
-            <a:pPr lvl="1"/>
-            <a:endParaRPr lang="en-US" dirty="0"/>
-          </a:p>
-          <a:p>
-            <a:pPr lvl="1"/>
-            <a:endParaRPr lang="en-US" dirty="0"/>
           </a:p>
         </p:txBody>
       </p:sp>
     </p:spTree>
     <p:extLst>
       <p:ext uri="{BB962C8B-B14F-4D97-AF65-F5344CB8AC3E}">
-        <p14:creationId xmlns:p14="http://schemas.microsoft.com/office/powerpoint/2010/main" val="1795706915"/>
+        <p14:creationId xmlns:p14="http://schemas.microsoft.com/office/powerpoint/2010/main" val="2210311007"/>
       </p:ext>
     </p:extLst>
   </p:cSld>
@@ -12949,6 +12733,300 @@
 </p:sld>
 </file>
 
+<file path=ppt/slides/slide12.xml><?xml version="1.0" encoding="utf-8"?>
+<p:sld xmlns:a="http://schemas.openxmlformats.org/drawingml/2006/main" xmlns:r="http://schemas.openxmlformats.org/officeDocument/2006/relationships" xmlns:p="http://schemas.openxmlformats.org/presentationml/2006/main">
+  <p:cSld>
+    <p:spTree>
+      <p:nvGrpSpPr>
+        <p:cNvPr id="1" name=""/>
+        <p:cNvGrpSpPr/>
+        <p:nvPr/>
+      </p:nvGrpSpPr>
+      <p:grpSpPr>
+        <a:xfrm>
+          <a:off x="0" y="0"/>
+          <a:ext cx="0" cy="0"/>
+          <a:chOff x="0" y="0"/>
+          <a:chExt cx="0" cy="0"/>
+        </a:xfrm>
+      </p:grpSpPr>
+      <p:sp>
+        <p:nvSpPr>
+          <p:cNvPr id="2" name="Title 1">
+            <a:extLst>
+              <a:ext uri="{FF2B5EF4-FFF2-40B4-BE49-F238E27FC236}">
+                <a16:creationId xmlns:a16="http://schemas.microsoft.com/office/drawing/2014/main" id="{13BC4EDD-0104-401B-B2EE-D2F8A6E7B779}"/>
+              </a:ext>
+            </a:extLst>
+          </p:cNvPr>
+          <p:cNvSpPr>
+            <a:spLocks noGrp="1"/>
+          </p:cNvSpPr>
+          <p:nvPr>
+            <p:ph type="title"/>
+          </p:nvPr>
+        </p:nvSpPr>
+        <p:spPr/>
+        <p:txBody>
+          <a:bodyPr>
+            <a:normAutofit/>
+          </a:bodyPr>
+          <a:lstStyle/>
+          <a:p>
+            <a:r>
+              <a:rPr lang="en-US" dirty="0"/>
+              <a:t>Resources – </a:t>
+            </a:r>
+            <a:r>
+              <a:rPr lang="en-US" dirty="0">
+                <a:hlinkClick r:id="rId2"/>
+              </a:rPr>
+              <a:t>https://aka.ms/levin-cli</a:t>
+            </a:r>
+            <a:endParaRPr lang="en-US" dirty="0"/>
+          </a:p>
+        </p:txBody>
+      </p:sp>
+      <p:sp>
+        <p:nvSpPr>
+          <p:cNvPr id="3" name="Content Placeholder 2">
+            <a:extLst>
+              <a:ext uri="{FF2B5EF4-FFF2-40B4-BE49-F238E27FC236}">
+                <a16:creationId xmlns:a16="http://schemas.microsoft.com/office/drawing/2014/main" id="{07E351B2-8C3B-4F2A-B0E4-EF12B1FA10E5}"/>
+              </a:ext>
+            </a:extLst>
+          </p:cNvPr>
+          <p:cNvSpPr>
+            <a:spLocks noGrp="1"/>
+          </p:cNvSpPr>
+          <p:nvPr>
+            <p:ph idx="1"/>
+          </p:nvPr>
+        </p:nvSpPr>
+        <p:spPr>
+          <a:xfrm>
+            <a:off x="1141412" y="1770434"/>
+            <a:ext cx="9905999" cy="4751962"/>
+          </a:xfrm>
+        </p:spPr>
+        <p:txBody>
+          <a:bodyPr>
+            <a:normAutofit fontScale="62500" lnSpcReduction="20000"/>
+          </a:bodyPr>
+          <a:lstStyle/>
+          <a:p>
+            <a:r>
+              <a:rPr lang="en-US" dirty="0">
+                <a:hlinkClick r:id="rId3"/>
+              </a:rPr>
+              <a:t>Microsoft Terminal Repo</a:t>
+            </a:r>
+            <a:endParaRPr lang="en-US" dirty="0"/>
+          </a:p>
+          <a:p>
+            <a:r>
+              <a:rPr lang="en-US" dirty="0"/>
+              <a:t>Git Bash</a:t>
+            </a:r>
+          </a:p>
+          <a:p>
+            <a:pPr lvl="1"/>
+            <a:r>
+              <a:rPr lang="en-US" dirty="0">
+                <a:hlinkClick r:id="rId4"/>
+              </a:rPr>
+              <a:t>https://git-scm.com</a:t>
+            </a:r>
+            <a:endParaRPr lang="en-US" dirty="0"/>
+          </a:p>
+          <a:p>
+            <a:pPr lvl="1"/>
+            <a:r>
+              <a:rPr lang="en-US" dirty="0"/>
+              <a:t>25 part video series - </a:t>
+            </a:r>
+            <a:r>
+              <a:rPr lang="en-US" dirty="0">
+                <a:hlinkClick r:id="rId5"/>
+              </a:rPr>
+              <a:t>https://aka.ms/github-youtube-playlist</a:t>
+            </a:r>
+            <a:r>
+              <a:rPr lang="en-US" dirty="0"/>
+              <a:t> </a:t>
+            </a:r>
+          </a:p>
+          <a:p>
+            <a:r>
+              <a:rPr lang="en-US" dirty="0"/>
+              <a:t>Dotnet CLI</a:t>
+            </a:r>
+          </a:p>
+          <a:p>
+            <a:pPr lvl="1"/>
+            <a:r>
+              <a:rPr lang="en-US" dirty="0">
+                <a:hlinkClick r:id="rId6"/>
+              </a:rPr>
+              <a:t>https://docs.microsoft.com/dotnet/core/tools</a:t>
+            </a:r>
+            <a:endParaRPr lang="en-US" dirty="0"/>
+          </a:p>
+          <a:p>
+            <a:pPr lvl="1"/>
+            <a:r>
+              <a:rPr lang="en-US" dirty="0" err="1"/>
+              <a:t>DotNet</a:t>
+            </a:r>
+            <a:r>
+              <a:rPr lang="en-US" dirty="0"/>
+              <a:t> Core CLI Tutorial - </a:t>
+            </a:r>
+            <a:r>
+              <a:rPr lang="en-US" dirty="0">
+                <a:hlinkClick r:id="rId7"/>
+              </a:rPr>
+              <a:t>https://www.youtube.com/watch?v=v-s4oRELWrM</a:t>
+            </a:r>
+            <a:endParaRPr lang="en-US" dirty="0"/>
+          </a:p>
+          <a:p>
+            <a:pPr lvl="1"/>
+            <a:r>
+              <a:rPr lang="en-US" dirty="0" err="1"/>
+              <a:t>DotNet</a:t>
+            </a:r>
+            <a:r>
+              <a:rPr lang="en-US" dirty="0"/>
+              <a:t> CLI Global Tools - </a:t>
+            </a:r>
+            <a:r>
+              <a:rPr lang="en-US" dirty="0">
+                <a:hlinkClick r:id="rId8"/>
+              </a:rPr>
+              <a:t>https://github.com/natemcmaster/dotnet-tools</a:t>
+            </a:r>
+            <a:endParaRPr lang="en-US" dirty="0"/>
+          </a:p>
+          <a:p>
+            <a:r>
+              <a:rPr lang="en-US" dirty="0"/>
+              <a:t>Angular CLI</a:t>
+            </a:r>
+          </a:p>
+          <a:p>
+            <a:pPr lvl="1"/>
+            <a:r>
+              <a:rPr lang="en-US" dirty="0">
+                <a:hlinkClick r:id="rId9"/>
+              </a:rPr>
+              <a:t>https://cli.angular.io/</a:t>
+            </a:r>
+            <a:endParaRPr lang="en-US" dirty="0"/>
+          </a:p>
+          <a:p>
+            <a:pPr lvl="1"/>
+            <a:r>
+              <a:rPr lang="en-US" dirty="0"/>
+              <a:t>Angular Talk from John Papa - </a:t>
+            </a:r>
+            <a:r>
+              <a:rPr lang="en-US" dirty="0">
+                <a:hlinkClick r:id="rId10"/>
+              </a:rPr>
+              <a:t>https://www.youtube.com/watch?v=h7eVZg3j_Lk</a:t>
+            </a:r>
+            <a:endParaRPr lang="en-US" dirty="0"/>
+          </a:p>
+          <a:p>
+            <a:r>
+              <a:rPr lang="en-US" dirty="0"/>
+              <a:t>Azure CLI</a:t>
+            </a:r>
+          </a:p>
+          <a:p>
+            <a:pPr lvl="1"/>
+            <a:r>
+              <a:rPr lang="en-US" dirty="0">
+                <a:hlinkClick r:id="rId11"/>
+              </a:rPr>
+              <a:t>https://docs.microsoft.com/cli/azure</a:t>
+            </a:r>
+            <a:endParaRPr lang="en-US" dirty="0"/>
+          </a:p>
+          <a:p>
+            <a:pPr lvl="1"/>
+            <a:r>
+              <a:rPr lang="en-US" dirty="0"/>
+              <a:t>Tips &amp; Tricks with Azure CLI - </a:t>
+            </a:r>
+            <a:r>
+              <a:rPr lang="en-US" dirty="0">
+                <a:hlinkClick r:id="rId12"/>
+              </a:rPr>
+              <a:t>https://www.youtube.com/watch?v=qMSu3gxIU7c</a:t>
+            </a:r>
+            <a:endParaRPr lang="en-US" dirty="0"/>
+          </a:p>
+          <a:p>
+            <a:r>
+              <a:rPr lang="en-US" dirty="0"/>
+              <a:t>Gig (.</a:t>
+            </a:r>
+            <a:r>
+              <a:rPr lang="en-US" dirty="0" err="1"/>
+              <a:t>gitignore</a:t>
+            </a:r>
+            <a:r>
+              <a:rPr lang="en-US" dirty="0"/>
+              <a:t> generator)</a:t>
+            </a:r>
+          </a:p>
+          <a:p>
+            <a:pPr lvl="1"/>
+            <a:r>
+              <a:rPr lang="en-US" dirty="0">
+                <a:hlinkClick r:id="rId13"/>
+              </a:rPr>
+              <a:t>https://www.gitignore.io</a:t>
+            </a:r>
+            <a:endParaRPr lang="en-US" dirty="0"/>
+          </a:p>
+          <a:p>
+            <a:pPr lvl="1"/>
+            <a:endParaRPr lang="en-US" dirty="0"/>
+          </a:p>
+          <a:p>
+            <a:pPr lvl="1"/>
+            <a:endParaRPr lang="en-US" dirty="0"/>
+          </a:p>
+          <a:p>
+            <a:pPr lvl="1"/>
+            <a:endParaRPr lang="en-US" dirty="0"/>
+          </a:p>
+          <a:p>
+            <a:pPr lvl="1"/>
+            <a:endParaRPr lang="en-US" dirty="0"/>
+          </a:p>
+          <a:p>
+            <a:pPr lvl="1"/>
+            <a:endParaRPr lang="en-US" dirty="0"/>
+          </a:p>
+        </p:txBody>
+      </p:sp>
+    </p:spTree>
+    <p:extLst>
+      <p:ext uri="{BB962C8B-B14F-4D97-AF65-F5344CB8AC3E}">
+        <p14:creationId xmlns:p14="http://schemas.microsoft.com/office/powerpoint/2010/main" val="1795706915"/>
+      </p:ext>
+    </p:extLst>
+  </p:cSld>
+  <p:clrMapOvr>
+    <a:masterClrMapping/>
+  </p:clrMapOvr>
+</p:sld>
+</file>
+
 <file path=ppt/slides/slide2.xml><?xml version="1.0" encoding="utf-8"?>
 <p:sld xmlns:a="http://schemas.openxmlformats.org/drawingml/2006/main" xmlns:r="http://schemas.openxmlformats.org/officeDocument/2006/relationships" xmlns:p="http://schemas.openxmlformats.org/presentationml/2006/main">
   <p:cSld>
@@ -13175,70 +13253,6 @@
           </a:p>
         </p:txBody>
       </p:sp>
-      <p:sp>
-        <p:nvSpPr>
-          <p:cNvPr id="17" name="Rectangle 16">
-            <a:extLst>
-              <a:ext uri="{FF2B5EF4-FFF2-40B4-BE49-F238E27FC236}">
-                <a16:creationId xmlns:a16="http://schemas.microsoft.com/office/drawing/2014/main" id="{DCDB948D-8A08-4078-9E51-283A7747560C}"/>
-              </a:ext>
-            </a:extLst>
-          </p:cNvPr>
-          <p:cNvSpPr/>
-          <p:nvPr/>
-        </p:nvSpPr>
-        <p:spPr>
-          <a:xfrm>
-            <a:off x="4094490" y="1115438"/>
-            <a:ext cx="4003019" cy="584775"/>
-          </a:xfrm>
-          <a:prstGeom prst="rect">
-            <a:avLst/>
-          </a:prstGeom>
-        </p:spPr>
-        <p:txBody>
-          <a:bodyPr wrap="none">
-            <a:spAutoFit/>
-          </a:bodyPr>
-          <a:lstStyle/>
-          <a:p>
-            <a:r>
-              <a:rPr lang="en-US" sz="3200" dirty="0"/>
-              <a:t>https://aka.ms/levin-cli</a:t>
-            </a:r>
-          </a:p>
-        </p:txBody>
-      </p:sp>
-      <p:pic>
-        <p:nvPicPr>
-          <p:cNvPr id="29" name="Picture 28">
-            <a:extLst>
-              <a:ext uri="{FF2B5EF4-FFF2-40B4-BE49-F238E27FC236}">
-                <a16:creationId xmlns:a16="http://schemas.microsoft.com/office/drawing/2014/main" id="{29BF3E23-2B63-4F5F-9C5C-A4A286D15CBA}"/>
-              </a:ext>
-            </a:extLst>
-          </p:cNvPr>
-          <p:cNvPicPr>
-            <a:picLocks noChangeAspect="1"/>
-          </p:cNvPicPr>
-          <p:nvPr/>
-        </p:nvPicPr>
-        <p:blipFill>
-          <a:blip r:embed="rId5"/>
-          <a:stretch>
-            <a:fillRect/>
-          </a:stretch>
-        </p:blipFill>
-        <p:spPr>
-          <a:xfrm>
-            <a:off x="3480501" y="1158148"/>
-            <a:ext cx="499353" cy="499353"/>
-          </a:xfrm>
-          <a:prstGeom prst="rect">
-            <a:avLst/>
-          </a:prstGeom>
-        </p:spPr>
-      </p:pic>
     </p:spTree>
     <p:extLst>
       <p:ext uri="{BB962C8B-B14F-4D97-AF65-F5344CB8AC3E}">
@@ -13261,6 +13275,9 @@
                     <p:cTn id="3" fill="hold">
                       <p:stCondLst>
                         <p:cond delay="indefinite"/>
+                        <p:cond evt="onBegin" delay="0">
+                          <p:tn val="2"/>
+                        </p:cond>
                       </p:stCondLst>
                       <p:childTnLst>
                         <p:par>
@@ -13270,7 +13287,7 @@
                             </p:stCondLst>
                             <p:childTnLst>
                               <p:par>
-                                <p:cTn id="5" presetID="21" presetClass="entr" presetSubtype="1" fill="hold" nodeType="clickEffect">
+                                <p:cTn id="5" presetID="21" presetClass="entr" presetSubtype="1" fill="hold" nodeType="withEffect">
                                   <p:stCondLst>
                                     <p:cond delay="0"/>
                                   </p:stCondLst>
@@ -13283,7 +13300,7 @@
                                           </p:stCondLst>
                                         </p:cTn>
                                         <p:tgtEl>
-                                          <p:spTgt spid="29"/>
+                                          <p:spTgt spid="9"/>
                                         </p:tgtEl>
                                         <p:attrNameLst>
                                           <p:attrName>style.visibility</p:attrName>
@@ -13297,7 +13314,7 @@
                                       <p:cBhvr>
                                         <p:cTn id="7" dur="2000"/>
                                         <p:tgtEl>
-                                          <p:spTgt spid="29"/>
+                                          <p:spTgt spid="9"/>
                                         </p:tgtEl>
                                       </p:cBhvr>
                                     </p:animEffect>
@@ -13318,7 +13335,7 @@
                                           </p:stCondLst>
                                         </p:cTn>
                                         <p:tgtEl>
-                                          <p:spTgt spid="17"/>
+                                          <p:spTgt spid="11"/>
                                         </p:tgtEl>
                                         <p:attrNameLst>
                                           <p:attrName>style.visibility</p:attrName>
@@ -13332,7 +13349,7 @@
                                       <p:cBhvr>
                                         <p:cTn id="10" dur="2000"/>
                                         <p:tgtEl>
-                                          <p:spTgt spid="17"/>
+                                          <p:spTgt spid="11"/>
                                         </p:tgtEl>
                                       </p:cBhvr>
                                     </p:animEffect>
@@ -13353,7 +13370,7 @@
                                           </p:stCondLst>
                                         </p:cTn>
                                         <p:tgtEl>
-                                          <p:spTgt spid="9"/>
+                                          <p:spTgt spid="15"/>
                                         </p:tgtEl>
                                         <p:attrNameLst>
                                           <p:attrName>style.visibility</p:attrName>
@@ -13367,7 +13384,7 @@
                                       <p:cBhvr>
                                         <p:cTn id="13" dur="2000"/>
                                         <p:tgtEl>
-                                          <p:spTgt spid="9"/>
+                                          <p:spTgt spid="15"/>
                                         </p:tgtEl>
                                       </p:cBhvr>
                                     </p:animEffect>
@@ -13388,7 +13405,7 @@
                                           </p:stCondLst>
                                         </p:cTn>
                                         <p:tgtEl>
-                                          <p:spTgt spid="11"/>
+                                          <p:spTgt spid="16"/>
                                         </p:tgtEl>
                                         <p:attrNameLst>
                                           <p:attrName>style.visibility</p:attrName>
@@ -13402,76 +13419,6 @@
                                       <p:cBhvr>
                                         <p:cTn id="16" dur="2000"/>
                                         <p:tgtEl>
-                                          <p:spTgt spid="11"/>
-                                        </p:tgtEl>
-                                      </p:cBhvr>
-                                    </p:animEffect>
-                                  </p:childTnLst>
-                                </p:cTn>
-                              </p:par>
-                              <p:par>
-                                <p:cTn id="17" presetID="21" presetClass="entr" presetSubtype="1" fill="hold" nodeType="withEffect">
-                                  <p:stCondLst>
-                                    <p:cond delay="0"/>
-                                  </p:stCondLst>
-                                  <p:childTnLst>
-                                    <p:set>
-                                      <p:cBhvr>
-                                        <p:cTn id="18" dur="1" fill="hold">
-                                          <p:stCondLst>
-                                            <p:cond delay="0"/>
-                                          </p:stCondLst>
-                                        </p:cTn>
-                                        <p:tgtEl>
-                                          <p:spTgt spid="15"/>
-                                        </p:tgtEl>
-                                        <p:attrNameLst>
-                                          <p:attrName>style.visibility</p:attrName>
-                                        </p:attrNameLst>
-                                      </p:cBhvr>
-                                      <p:to>
-                                        <p:strVal val="visible"/>
-                                      </p:to>
-                                    </p:set>
-                                    <p:animEffect transition="in" filter="wheel(1)">
-                                      <p:cBhvr>
-                                        <p:cTn id="19" dur="2000"/>
-                                        <p:tgtEl>
-                                          <p:spTgt spid="15"/>
-                                        </p:tgtEl>
-                                      </p:cBhvr>
-                                    </p:animEffect>
-                                  </p:childTnLst>
-                                </p:cTn>
-                              </p:par>
-                              <p:par>
-                                <p:cTn id="20" presetID="21" presetClass="entr" presetSubtype="1" fill="hold" grpId="0" nodeType="withEffect">
-                                  <p:stCondLst>
-                                    <p:cond delay="0"/>
-                                  </p:stCondLst>
-                                  <p:childTnLst>
-                                    <p:set>
-                                      <p:cBhvr>
-                                        <p:cTn id="21" dur="1" fill="hold">
-                                          <p:stCondLst>
-                                            <p:cond delay="0"/>
-                                          </p:stCondLst>
-                                        </p:cTn>
-                                        <p:tgtEl>
-                                          <p:spTgt spid="16"/>
-                                        </p:tgtEl>
-                                        <p:attrNameLst>
-                                          <p:attrName>style.visibility</p:attrName>
-                                        </p:attrNameLst>
-                                      </p:cBhvr>
-                                      <p:to>
-                                        <p:strVal val="visible"/>
-                                      </p:to>
-                                    </p:set>
-                                    <p:animEffect transition="in" filter="wheel(1)">
-                                      <p:cBhvr>
-                                        <p:cTn id="22" dur="2000"/>
-                                        <p:tgtEl>
                                           <p:spTgt spid="16"/>
                                         </p:tgtEl>
                                       </p:cBhvr>
@@ -13480,14 +13427,14 @@
                                 </p:cTn>
                               </p:par>
                               <p:par>
-                                <p:cTn id="23" presetID="21" presetClass="entr" presetSubtype="1" fill="hold" grpId="0" nodeType="withEffect">
+                                <p:cTn id="17" presetID="21" presetClass="entr" presetSubtype="1" fill="hold" grpId="0" nodeType="withEffect">
                                   <p:stCondLst>
                                     <p:cond delay="0"/>
                                   </p:stCondLst>
                                   <p:childTnLst>
                                     <p:set>
                                       <p:cBhvr>
-                                        <p:cTn id="24" dur="1" fill="hold">
+                                        <p:cTn id="18" dur="1" fill="hold">
                                           <p:stCondLst>
                                             <p:cond delay="0"/>
                                           </p:stCondLst>
@@ -13505,7 +13452,7 @@
                                     </p:set>
                                     <p:animEffect transition="in" filter="wheel(1)">
                                       <p:cBhvr>
-                                        <p:cTn id="25" dur="2000"/>
+                                        <p:cTn id="19" dur="2000"/>
                                         <p:tgtEl>
                                           <p:spTgt spid="10"/>
                                         </p:tgtEl>
@@ -13545,7 +13492,6 @@
       <p:bldP spid="10" grpId="0"/>
       <p:bldP spid="11" grpId="0"/>
       <p:bldP spid="16" grpId="0"/>
-      <p:bldP spid="17" grpId="0"/>
     </p:bldLst>
   </p:timing>
 </p:sld>
@@ -14658,36 +14604,6 @@
           <a:chExt cx="0" cy="0"/>
         </a:xfrm>
       </p:grpSpPr>
-      <p:pic>
-        <p:nvPicPr>
-          <p:cNvPr id="11" name="Picture 10">
-            <a:extLst>
-              <a:ext uri="{FF2B5EF4-FFF2-40B4-BE49-F238E27FC236}">
-                <a16:creationId xmlns:a16="http://schemas.microsoft.com/office/drawing/2014/main" id="{BD92B464-4402-4F59-B2FD-4C56E2871297}"/>
-              </a:ext>
-            </a:extLst>
-          </p:cNvPr>
-          <p:cNvPicPr>
-            <a:picLocks noChangeAspect="1"/>
-          </p:cNvPicPr>
-          <p:nvPr/>
-        </p:nvPicPr>
-        <p:blipFill>
-          <a:blip r:embed="rId2"/>
-          <a:stretch>
-            <a:fillRect/>
-          </a:stretch>
-        </p:blipFill>
-        <p:spPr>
-          <a:xfrm>
-            <a:off x="2713936" y="2097088"/>
-            <a:ext cx="5457825" cy="4076700"/>
-          </a:xfrm>
-          <a:prstGeom prst="rect">
-            <a:avLst/>
-          </a:prstGeom>
-        </p:spPr>
-      </p:pic>
       <p:sp>
         <p:nvSpPr>
           <p:cNvPr id="2" name="Title 1">
@@ -14731,7 +14647,7 @@
           <p:nvPr/>
         </p:nvPicPr>
         <p:blipFill>
-          <a:blip r:embed="rId3"/>
+          <a:blip r:embed="rId2"/>
           <a:stretch>
             <a:fillRect/>
           </a:stretch>
@@ -14761,7 +14677,7 @@
           <p:nvPr/>
         </p:nvPicPr>
         <p:blipFill>
-          <a:blip r:embed="rId4"/>
+          <a:blip r:embed="rId3"/>
           <a:stretch>
             <a:fillRect/>
           </a:stretch>
@@ -14791,7 +14707,7 @@
           <p:nvPr/>
         </p:nvPicPr>
         <p:blipFill>
-          <a:blip r:embed="rId5"/>
+          <a:blip r:embed="rId4"/>
           <a:stretch>
             <a:fillRect/>
           </a:stretch>
@@ -14821,7 +14737,7 @@
           <p:nvPr/>
         </p:nvPicPr>
         <p:blipFill>
-          <a:blip r:embed="rId6"/>
+          <a:blip r:embed="rId5"/>
           <a:stretch>
             <a:fillRect/>
           </a:stretch>
@@ -15059,6 +14975,532 @@
           <p:cNvPr id="2" name="Title 1">
             <a:extLst>
               <a:ext uri="{FF2B5EF4-FFF2-40B4-BE49-F238E27FC236}">
+                <a16:creationId xmlns:a16="http://schemas.microsoft.com/office/drawing/2014/main" id="{5D28D15B-D22A-4853-B956-CD7373C19303}"/>
+              </a:ext>
+            </a:extLst>
+          </p:cNvPr>
+          <p:cNvSpPr>
+            <a:spLocks noGrp="1"/>
+          </p:cNvSpPr>
+          <p:nvPr>
+            <p:ph type="title"/>
+          </p:nvPr>
+        </p:nvSpPr>
+        <p:spPr/>
+        <p:txBody>
+          <a:bodyPr/>
+          <a:lstStyle/>
+          <a:p>
+            <a:r>
+              <a:rPr lang="en-US" dirty="0"/>
+              <a:t>Look, new stuff!!!</a:t>
+            </a:r>
+          </a:p>
+        </p:txBody>
+      </p:sp>
+      <p:sp>
+        <p:nvSpPr>
+          <p:cNvPr id="7" name="Content Placeholder 6">
+            <a:extLst>
+              <a:ext uri="{FF2B5EF4-FFF2-40B4-BE49-F238E27FC236}">
+                <a16:creationId xmlns:a16="http://schemas.microsoft.com/office/drawing/2014/main" id="{95BC87DB-8F24-499D-93D0-6697225D614C}"/>
+              </a:ext>
+            </a:extLst>
+          </p:cNvPr>
+          <p:cNvSpPr>
+            <a:spLocks noGrp="1"/>
+          </p:cNvSpPr>
+          <p:nvPr>
+            <p:ph idx="1"/>
+          </p:nvPr>
+        </p:nvSpPr>
+        <p:spPr/>
+        <p:txBody>
+          <a:bodyPr/>
+          <a:lstStyle/>
+          <a:p>
+            <a:pPr marL="285750" indent="-285750"/>
+            <a:r>
+              <a:rPr lang="en-US" dirty="0"/>
+              <a:t>Introducing Windows Terminal</a:t>
+            </a:r>
+          </a:p>
+          <a:p>
+            <a:pPr marL="742950" lvl="1" indent="-285750"/>
+            <a:r>
+              <a:rPr lang="en-US" sz="2400" dirty="0"/>
+              <a:t>Multiple Tabs</a:t>
+            </a:r>
+          </a:p>
+          <a:p>
+            <a:pPr marL="742950" lvl="1" indent="-285750"/>
+            <a:r>
+              <a:rPr lang="en-US" sz="2400" dirty="0"/>
+              <a:t>Beautiful Text</a:t>
+            </a:r>
+          </a:p>
+          <a:p>
+            <a:pPr marL="742950" lvl="1" indent="-285750"/>
+            <a:r>
+              <a:rPr lang="en-US" sz="2400" dirty="0"/>
+              <a:t>Settings and configurability</a:t>
+            </a:r>
+          </a:p>
+          <a:p>
+            <a:pPr marL="742950" lvl="1" indent="-285750"/>
+            <a:r>
+              <a:rPr lang="en-US" sz="2400" dirty="0"/>
+              <a:t>Available as OSS on GitHub</a:t>
+            </a:r>
+          </a:p>
+          <a:p>
+            <a:pPr marL="742950" lvl="1" indent="-285750"/>
+            <a:r>
+              <a:rPr lang="en-US" sz="2400" dirty="0"/>
+              <a:t>Experimental at this point, with release later this year</a:t>
+            </a:r>
+          </a:p>
+          <a:p>
+            <a:endParaRPr lang="en-US" dirty="0"/>
+          </a:p>
+        </p:txBody>
+      </p:sp>
+      <p:pic>
+        <p:nvPicPr>
+          <p:cNvPr id="8" name="Online Media 7" title="The new Windows Terminal">
+            <a:hlinkClick r:id="" action="ppaction://media"/>
+            <a:extLst>
+              <a:ext uri="{FF2B5EF4-FFF2-40B4-BE49-F238E27FC236}">
+                <a16:creationId xmlns:a16="http://schemas.microsoft.com/office/drawing/2014/main" id="{63C861F7-F2DC-401E-8CE7-C587A0CAB246}"/>
+              </a:ext>
+            </a:extLst>
+          </p:cNvPr>
+          <p:cNvPicPr>
+            <a:picLocks noRot="1" noChangeAspect="1"/>
+          </p:cNvPicPr>
+          <p:nvPr>
+            <a:videoFile r:link="rId1"/>
+          </p:nvPr>
+        </p:nvPicPr>
+        <p:blipFill>
+          <a:blip r:embed="rId3"/>
+          <a:stretch>
+            <a:fillRect/>
+          </a:stretch>
+        </p:blipFill>
+        <p:spPr>
+          <a:xfrm>
+            <a:off x="2712566" y="2036148"/>
+            <a:ext cx="6096000" cy="3429000"/>
+          </a:xfrm>
+          <a:prstGeom prst="rect">
+            <a:avLst/>
+          </a:prstGeom>
+        </p:spPr>
+      </p:pic>
+    </p:spTree>
+    <p:extLst>
+      <p:ext uri="{BB962C8B-B14F-4D97-AF65-F5344CB8AC3E}">
+        <p14:creationId xmlns:p14="http://schemas.microsoft.com/office/powerpoint/2010/main" val="2510430422"/>
+      </p:ext>
+    </p:extLst>
+  </p:cSld>
+  <p:clrMapOvr>
+    <a:masterClrMapping/>
+  </p:clrMapOvr>
+  <p:timing>
+    <p:tnLst>
+      <p:par>
+        <p:cTn id="1" dur="indefinite" restart="never" nodeType="tmRoot">
+          <p:childTnLst>
+            <p:seq concurrent="1" nextAc="seek">
+              <p:cTn id="2" dur="indefinite" nodeType="mainSeq">
+                <p:childTnLst>
+                  <p:par>
+                    <p:cTn id="3" fill="hold">
+                      <p:stCondLst>
+                        <p:cond delay="indefinite"/>
+                      </p:stCondLst>
+                      <p:childTnLst>
+                        <p:par>
+                          <p:cTn id="4" fill="hold">
+                            <p:stCondLst>
+                              <p:cond delay="0"/>
+                            </p:stCondLst>
+                            <p:childTnLst>
+                              <p:par>
+                                <p:cTn id="5" presetID="10" presetClass="exit" presetSubtype="0" fill="hold" nodeType="clickEffect">
+                                  <p:stCondLst>
+                                    <p:cond delay="0"/>
+                                  </p:stCondLst>
+                                  <p:childTnLst>
+                                    <p:animEffect transition="out" filter="fade">
+                                      <p:cBhvr>
+                                        <p:cTn id="6" dur="500"/>
+                                        <p:tgtEl>
+                                          <p:spTgt spid="8"/>
+                                        </p:tgtEl>
+                                      </p:cBhvr>
+                                    </p:animEffect>
+                                    <p:set>
+                                      <p:cBhvr>
+                                        <p:cTn id="7" dur="1" fill="hold">
+                                          <p:stCondLst>
+                                            <p:cond delay="499"/>
+                                          </p:stCondLst>
+                                        </p:cTn>
+                                        <p:tgtEl>
+                                          <p:spTgt spid="8"/>
+                                        </p:tgtEl>
+                                        <p:attrNameLst>
+                                          <p:attrName>style.visibility</p:attrName>
+                                        </p:attrNameLst>
+                                      </p:cBhvr>
+                                      <p:to>
+                                        <p:strVal val="hidden"/>
+                                      </p:to>
+                                    </p:set>
+                                    <p:cmd type="call" cmd="stop">
+                                      <p:cBhvr>
+                                        <p:cTn id="8" dur="1">
+                                          <p:stCondLst>
+                                            <p:cond delay="499"/>
+                                          </p:stCondLst>
+                                        </p:cTn>
+                                        <p:tgtEl>
+                                          <p:spTgt spid="8"/>
+                                        </p:tgtEl>
+                                      </p:cBhvr>
+                                    </p:cmd>
+                                  </p:childTnLst>
+                                </p:cTn>
+                              </p:par>
+                              <p:par>
+                                <p:cTn id="9" presetID="10" presetClass="entr" presetSubtype="0" fill="hold" grpId="0" nodeType="withEffect">
+                                  <p:stCondLst>
+                                    <p:cond delay="500"/>
+                                  </p:stCondLst>
+                                  <p:childTnLst>
+                                    <p:set>
+                                      <p:cBhvr>
+                                        <p:cTn id="10" dur="1" fill="hold">
+                                          <p:stCondLst>
+                                            <p:cond delay="0"/>
+                                          </p:stCondLst>
+                                        </p:cTn>
+                                        <p:tgtEl>
+                                          <p:spTgt spid="7">
+                                            <p:txEl>
+                                              <p:pRg st="0" end="0"/>
+                                            </p:txEl>
+                                          </p:spTgt>
+                                        </p:tgtEl>
+                                        <p:attrNameLst>
+                                          <p:attrName>style.visibility</p:attrName>
+                                        </p:attrNameLst>
+                                      </p:cBhvr>
+                                      <p:to>
+                                        <p:strVal val="visible"/>
+                                      </p:to>
+                                    </p:set>
+                                    <p:animEffect transition="in" filter="fade">
+                                      <p:cBhvr>
+                                        <p:cTn id="11" dur="500"/>
+                                        <p:tgtEl>
+                                          <p:spTgt spid="7">
+                                            <p:txEl>
+                                              <p:pRg st="0" end="0"/>
+                                            </p:txEl>
+                                          </p:spTgt>
+                                        </p:tgtEl>
+                                      </p:cBhvr>
+                                    </p:animEffect>
+                                  </p:childTnLst>
+                                </p:cTn>
+                              </p:par>
+                              <p:par>
+                                <p:cTn id="12" presetID="10" presetClass="entr" presetSubtype="0" fill="hold" grpId="0" nodeType="withEffect">
+                                  <p:stCondLst>
+                                    <p:cond delay="1000"/>
+                                  </p:stCondLst>
+                                  <p:childTnLst>
+                                    <p:set>
+                                      <p:cBhvr>
+                                        <p:cTn id="13" dur="1" fill="hold">
+                                          <p:stCondLst>
+                                            <p:cond delay="0"/>
+                                          </p:stCondLst>
+                                        </p:cTn>
+                                        <p:tgtEl>
+                                          <p:spTgt spid="7">
+                                            <p:txEl>
+                                              <p:pRg st="1" end="1"/>
+                                            </p:txEl>
+                                          </p:spTgt>
+                                        </p:tgtEl>
+                                        <p:attrNameLst>
+                                          <p:attrName>style.visibility</p:attrName>
+                                        </p:attrNameLst>
+                                      </p:cBhvr>
+                                      <p:to>
+                                        <p:strVal val="visible"/>
+                                      </p:to>
+                                    </p:set>
+                                    <p:animEffect transition="in" filter="fade">
+                                      <p:cBhvr>
+                                        <p:cTn id="14" dur="500"/>
+                                        <p:tgtEl>
+                                          <p:spTgt spid="7">
+                                            <p:txEl>
+                                              <p:pRg st="1" end="1"/>
+                                            </p:txEl>
+                                          </p:spTgt>
+                                        </p:tgtEl>
+                                      </p:cBhvr>
+                                    </p:animEffect>
+                                  </p:childTnLst>
+                                </p:cTn>
+                              </p:par>
+                              <p:par>
+                                <p:cTn id="15" presetID="10" presetClass="entr" presetSubtype="0" fill="hold" grpId="0" nodeType="withEffect">
+                                  <p:stCondLst>
+                                    <p:cond delay="1500"/>
+                                  </p:stCondLst>
+                                  <p:childTnLst>
+                                    <p:set>
+                                      <p:cBhvr>
+                                        <p:cTn id="16" dur="1" fill="hold">
+                                          <p:stCondLst>
+                                            <p:cond delay="0"/>
+                                          </p:stCondLst>
+                                        </p:cTn>
+                                        <p:tgtEl>
+                                          <p:spTgt spid="7">
+                                            <p:txEl>
+                                              <p:pRg st="2" end="2"/>
+                                            </p:txEl>
+                                          </p:spTgt>
+                                        </p:tgtEl>
+                                        <p:attrNameLst>
+                                          <p:attrName>style.visibility</p:attrName>
+                                        </p:attrNameLst>
+                                      </p:cBhvr>
+                                      <p:to>
+                                        <p:strVal val="visible"/>
+                                      </p:to>
+                                    </p:set>
+                                    <p:animEffect transition="in" filter="fade">
+                                      <p:cBhvr>
+                                        <p:cTn id="17" dur="500"/>
+                                        <p:tgtEl>
+                                          <p:spTgt spid="7">
+                                            <p:txEl>
+                                              <p:pRg st="2" end="2"/>
+                                            </p:txEl>
+                                          </p:spTgt>
+                                        </p:tgtEl>
+                                      </p:cBhvr>
+                                    </p:animEffect>
+                                  </p:childTnLst>
+                                </p:cTn>
+                              </p:par>
+                              <p:par>
+                                <p:cTn id="18" presetID="10" presetClass="entr" presetSubtype="0" fill="hold" grpId="0" nodeType="withEffect">
+                                  <p:stCondLst>
+                                    <p:cond delay="2000"/>
+                                  </p:stCondLst>
+                                  <p:childTnLst>
+                                    <p:set>
+                                      <p:cBhvr>
+                                        <p:cTn id="19" dur="1" fill="hold">
+                                          <p:stCondLst>
+                                            <p:cond delay="0"/>
+                                          </p:stCondLst>
+                                        </p:cTn>
+                                        <p:tgtEl>
+                                          <p:spTgt spid="7">
+                                            <p:txEl>
+                                              <p:pRg st="3" end="3"/>
+                                            </p:txEl>
+                                          </p:spTgt>
+                                        </p:tgtEl>
+                                        <p:attrNameLst>
+                                          <p:attrName>style.visibility</p:attrName>
+                                        </p:attrNameLst>
+                                      </p:cBhvr>
+                                      <p:to>
+                                        <p:strVal val="visible"/>
+                                      </p:to>
+                                    </p:set>
+                                    <p:animEffect transition="in" filter="fade">
+                                      <p:cBhvr>
+                                        <p:cTn id="20" dur="500"/>
+                                        <p:tgtEl>
+                                          <p:spTgt spid="7">
+                                            <p:txEl>
+                                              <p:pRg st="3" end="3"/>
+                                            </p:txEl>
+                                          </p:spTgt>
+                                        </p:tgtEl>
+                                      </p:cBhvr>
+                                    </p:animEffect>
+                                  </p:childTnLst>
+                                </p:cTn>
+                              </p:par>
+                              <p:par>
+                                <p:cTn id="21" presetID="10" presetClass="entr" presetSubtype="0" fill="hold" grpId="0" nodeType="withEffect">
+                                  <p:stCondLst>
+                                    <p:cond delay="2500"/>
+                                  </p:stCondLst>
+                                  <p:childTnLst>
+                                    <p:set>
+                                      <p:cBhvr>
+                                        <p:cTn id="22" dur="1" fill="hold">
+                                          <p:stCondLst>
+                                            <p:cond delay="0"/>
+                                          </p:stCondLst>
+                                        </p:cTn>
+                                        <p:tgtEl>
+                                          <p:spTgt spid="7">
+                                            <p:txEl>
+                                              <p:pRg st="4" end="4"/>
+                                            </p:txEl>
+                                          </p:spTgt>
+                                        </p:tgtEl>
+                                        <p:attrNameLst>
+                                          <p:attrName>style.visibility</p:attrName>
+                                        </p:attrNameLst>
+                                      </p:cBhvr>
+                                      <p:to>
+                                        <p:strVal val="visible"/>
+                                      </p:to>
+                                    </p:set>
+                                    <p:animEffect transition="in" filter="fade">
+                                      <p:cBhvr>
+                                        <p:cTn id="23" dur="500"/>
+                                        <p:tgtEl>
+                                          <p:spTgt spid="7">
+                                            <p:txEl>
+                                              <p:pRg st="4" end="4"/>
+                                            </p:txEl>
+                                          </p:spTgt>
+                                        </p:tgtEl>
+                                      </p:cBhvr>
+                                    </p:animEffect>
+                                  </p:childTnLst>
+                                </p:cTn>
+                              </p:par>
+                              <p:par>
+                                <p:cTn id="24" presetID="10" presetClass="entr" presetSubtype="0" fill="hold" grpId="0" nodeType="withEffect">
+                                  <p:stCondLst>
+                                    <p:cond delay="3000"/>
+                                  </p:stCondLst>
+                                  <p:childTnLst>
+                                    <p:set>
+                                      <p:cBhvr>
+                                        <p:cTn id="25" dur="1" fill="hold">
+                                          <p:stCondLst>
+                                            <p:cond delay="0"/>
+                                          </p:stCondLst>
+                                        </p:cTn>
+                                        <p:tgtEl>
+                                          <p:spTgt spid="7">
+                                            <p:txEl>
+                                              <p:pRg st="5" end="5"/>
+                                            </p:txEl>
+                                          </p:spTgt>
+                                        </p:tgtEl>
+                                        <p:attrNameLst>
+                                          <p:attrName>style.visibility</p:attrName>
+                                        </p:attrNameLst>
+                                      </p:cBhvr>
+                                      <p:to>
+                                        <p:strVal val="visible"/>
+                                      </p:to>
+                                    </p:set>
+                                    <p:animEffect transition="in" filter="fade">
+                                      <p:cBhvr>
+                                        <p:cTn id="26" dur="500"/>
+                                        <p:tgtEl>
+                                          <p:spTgt spid="7">
+                                            <p:txEl>
+                                              <p:pRg st="5" end="5"/>
+                                            </p:txEl>
+                                          </p:spTgt>
+                                        </p:tgtEl>
+                                      </p:cBhvr>
+                                    </p:animEffect>
+                                  </p:childTnLst>
+                                </p:cTn>
+                              </p:par>
+                            </p:childTnLst>
+                          </p:cTn>
+                        </p:par>
+                      </p:childTnLst>
+                    </p:cTn>
+                  </p:par>
+                </p:childTnLst>
+              </p:cTn>
+              <p:prevCondLst>
+                <p:cond evt="onPrev" delay="0">
+                  <p:tgtEl>
+                    <p:sldTgt/>
+                  </p:tgtEl>
+                </p:cond>
+              </p:prevCondLst>
+              <p:nextCondLst>
+                <p:cond evt="onNext" delay="0">
+                  <p:tgtEl>
+                    <p:sldTgt/>
+                  </p:tgtEl>
+                </p:cond>
+              </p:nextCondLst>
+            </p:seq>
+            <p:video>
+              <p:cMediaNode vol="80000">
+                <p:cTn id="27" fill="hold" display="0">
+                  <p:stCondLst>
+                    <p:cond delay="indefinite"/>
+                  </p:stCondLst>
+                </p:cTn>
+                <p:tgtEl>
+                  <p:spTgt spid="8"/>
+                </p:tgtEl>
+              </p:cMediaNode>
+            </p:video>
+          </p:childTnLst>
+        </p:cTn>
+      </p:par>
+    </p:tnLst>
+    <p:bldLst>
+      <p:bldP spid="7" grpId="0" uiExpand="1" build="p"/>
+    </p:bldLst>
+  </p:timing>
+</p:sld>
+</file>
+
+<file path=ppt/slides/slide6.xml><?xml version="1.0" encoding="utf-8"?>
+<p:sld xmlns:a="http://schemas.openxmlformats.org/drawingml/2006/main" xmlns:r="http://schemas.openxmlformats.org/officeDocument/2006/relationships" xmlns:p="http://schemas.openxmlformats.org/presentationml/2006/main">
+  <p:cSld>
+    <p:spTree>
+      <p:nvGrpSpPr>
+        <p:cNvPr id="1" name=""/>
+        <p:cNvGrpSpPr/>
+        <p:nvPr/>
+      </p:nvGrpSpPr>
+      <p:grpSpPr>
+        <a:xfrm>
+          <a:off x="0" y="0"/>
+          <a:ext cx="0" cy="0"/>
+          <a:chOff x="0" y="0"/>
+          <a:chExt cx="0" cy="0"/>
+        </a:xfrm>
+      </p:grpSpPr>
+      <p:sp>
+        <p:nvSpPr>
+          <p:cNvPr id="2" name="Title 1">
+            <a:extLst>
+              <a:ext uri="{FF2B5EF4-FFF2-40B4-BE49-F238E27FC236}">
                 <a16:creationId xmlns:a16="http://schemas.microsoft.com/office/drawing/2014/main" id="{4D6527A7-01EF-4C64-80A1-2E1FBAD0FB3B}"/>
               </a:ext>
             </a:extLst>
@@ -15386,7 +15828,7 @@
 </p:sld>
 </file>
 
-<file path=ppt/slides/slide6.xml><?xml version="1.0" encoding="utf-8"?>
+<file path=ppt/slides/slide7.xml><?xml version="1.0" encoding="utf-8"?>
 <p:sld xmlns:a="http://schemas.openxmlformats.org/drawingml/2006/main" xmlns:r="http://schemas.openxmlformats.org/officeDocument/2006/relationships" xmlns:p="http://schemas.openxmlformats.org/presentationml/2006/main">
   <p:cSld>
     <p:spTree>
@@ -15553,7 +15995,7 @@
             </a:pPr>
             <a:r>
               <a:rPr lang="en-US" sz="2400" dirty="0"/>
-              <a:t>Integrates with ALM Tools (VSTS)</a:t>
+              <a:t>Integrates with ALM Tools (Azure DevOps)</a:t>
             </a:r>
           </a:p>
         </p:txBody>
@@ -15761,7 +16203,7 @@
 </p:sld>
 </file>
 
-<file path=ppt/slides/slide7.xml><?xml version="1.0" encoding="utf-8"?>
+<file path=ppt/slides/slide8.xml><?xml version="1.0" encoding="utf-8"?>
 <p:sld xmlns:a="http://schemas.openxmlformats.org/drawingml/2006/main" xmlns:r="http://schemas.openxmlformats.org/officeDocument/2006/relationships" xmlns:p="http://schemas.openxmlformats.org/presentationml/2006/main">
   <p:cSld>
     <p:spTree>
@@ -16097,7 +16539,7 @@
 </p:sld>
 </file>
 
-<file path=ppt/slides/slide8.xml><?xml version="1.0" encoding="utf-8"?>
+<file path=ppt/slides/slide9.xml><?xml version="1.0" encoding="utf-8"?>
 <p:sld xmlns:a="http://schemas.openxmlformats.org/drawingml/2006/main" xmlns:r="http://schemas.openxmlformats.org/officeDocument/2006/relationships" xmlns:p="http://schemas.openxmlformats.org/presentationml/2006/main">
   <p:cSld>
     <p:spTree>
@@ -16399,71 +16841,6 @@
       <p:bldP spid="9" grpId="0"/>
     </p:bldLst>
   </p:timing>
-</p:sld>
-</file>
-
-<file path=ppt/slides/slide9.xml><?xml version="1.0" encoding="utf-8"?>
-<p:sld xmlns:a="http://schemas.openxmlformats.org/drawingml/2006/main" xmlns:r="http://schemas.openxmlformats.org/officeDocument/2006/relationships" xmlns:p="http://schemas.openxmlformats.org/presentationml/2006/main">
-  <p:cSld>
-    <p:spTree>
-      <p:nvGrpSpPr>
-        <p:cNvPr id="1" name=""/>
-        <p:cNvGrpSpPr/>
-        <p:nvPr/>
-      </p:nvGrpSpPr>
-      <p:grpSpPr>
-        <a:xfrm>
-          <a:off x="0" y="0"/>
-          <a:ext cx="0" cy="0"/>
-          <a:chOff x="0" y="0"/>
-          <a:chExt cx="0" cy="0"/>
-        </a:xfrm>
-      </p:grpSpPr>
-      <p:sp>
-        <p:nvSpPr>
-          <p:cNvPr id="4" name="TextBox 3">
-            <a:extLst>
-              <a:ext uri="{FF2B5EF4-FFF2-40B4-BE49-F238E27FC236}">
-                <a16:creationId xmlns:a16="http://schemas.microsoft.com/office/drawing/2014/main" id="{79B8F36A-37AB-4520-A3C5-328504834C55}"/>
-              </a:ext>
-            </a:extLst>
-          </p:cNvPr>
-          <p:cNvSpPr txBox="1"/>
-          <p:nvPr/>
-        </p:nvSpPr>
-        <p:spPr>
-          <a:xfrm>
-            <a:off x="1581150" y="2767280"/>
-            <a:ext cx="9029700" cy="1323439"/>
-          </a:xfrm>
-          <a:prstGeom prst="rect">
-            <a:avLst/>
-          </a:prstGeom>
-          <a:noFill/>
-        </p:spPr>
-        <p:txBody>
-          <a:bodyPr wrap="square" rtlCol="0">
-            <a:spAutoFit/>
-          </a:bodyPr>
-          <a:lstStyle/>
-          <a:p>
-            <a:r>
-              <a:rPr lang="en-US" sz="8000" dirty="0"/>
-              <a:t>A VERY LONG DEMO</a:t>
-            </a:r>
-          </a:p>
-        </p:txBody>
-      </p:sp>
-    </p:spTree>
-    <p:extLst>
-      <p:ext uri="{BB962C8B-B14F-4D97-AF65-F5344CB8AC3E}">
-        <p14:creationId xmlns:p14="http://schemas.microsoft.com/office/powerpoint/2010/main" val="2210311007"/>
-      </p:ext>
-    </p:extLst>
-  </p:cSld>
-  <p:clrMapOvr>
-    <a:masterClrMapping/>
-  </p:clrMapOvr>
 </p:sld>
 </file>
 
